--- a/PPT/My Topic CC Fraud cf v1-0 120222.pptx
+++ b/PPT/My Topic CC Fraud cf v1-0 120222.pptx
@@ -5,24 +5,21 @@
     <p:sldMasterId id="2147483648" r:id="rId4"/>
   </p:sldMasterIdLst>
   <p:notesMasterIdLst>
-    <p:notesMasterId r:id="rId17"/>
+    <p:notesMasterId r:id="rId14"/>
   </p:notesMasterIdLst>
   <p:handoutMasterIdLst>
-    <p:handoutMasterId r:id="rId18"/>
+    <p:handoutMasterId r:id="rId15"/>
   </p:handoutMasterIdLst>
   <p:sldIdLst>
     <p:sldId id="256" r:id="rId5"/>
-    <p:sldId id="257" r:id="rId6"/>
-    <p:sldId id="258" r:id="rId7"/>
-    <p:sldId id="259" r:id="rId8"/>
-    <p:sldId id="260" r:id="rId9"/>
-    <p:sldId id="266" r:id="rId10"/>
-    <p:sldId id="268" r:id="rId11"/>
-    <p:sldId id="261" r:id="rId12"/>
-    <p:sldId id="262" r:id="rId13"/>
-    <p:sldId id="263" r:id="rId14"/>
-    <p:sldId id="264" r:id="rId15"/>
-    <p:sldId id="265" r:id="rId16"/>
+    <p:sldId id="267" r:id="rId6"/>
+    <p:sldId id="260" r:id="rId7"/>
+    <p:sldId id="269" r:id="rId8"/>
+    <p:sldId id="257" r:id="rId9"/>
+    <p:sldId id="258" r:id="rId10"/>
+    <p:sldId id="259" r:id="rId11"/>
+    <p:sldId id="266" r:id="rId12"/>
+    <p:sldId id="268" r:id="rId13"/>
   </p:sldIdLst>
   <p:sldSz cx="12192000" cy="6858000"/>
   <p:notesSz cx="6858000" cy="9144000"/>
@@ -1969,6 +1966,753 @@
 </dgm:colorsDef>
 </file>
 
+<file path=ppt/diagrams/colors2.xml><?xml version="1.0" encoding="utf-8"?>
+<dgm:colorsDef xmlns:dgm="http://schemas.openxmlformats.org/drawingml/2006/diagram" xmlns:a="http://schemas.openxmlformats.org/drawingml/2006/main" uniqueId="urn:microsoft.com/office/officeart/2005/8/colors/accent1_2">
+  <dgm:title val=""/>
+  <dgm:desc val=""/>
+  <dgm:catLst>
+    <dgm:cat type="accent1" pri="11200"/>
+  </dgm:catLst>
+  <dgm:styleLbl name="node0">
+    <dgm:fillClrLst meth="repeat">
+      <a:schemeClr val="accent1"/>
+    </dgm:fillClrLst>
+    <dgm:linClrLst meth="repeat">
+      <a:schemeClr val="lt1"/>
+    </dgm:linClrLst>
+    <dgm:effectClrLst/>
+    <dgm:txLinClrLst/>
+    <dgm:txFillClrLst/>
+    <dgm:txEffectClrLst/>
+  </dgm:styleLbl>
+  <dgm:styleLbl name="alignNode1">
+    <dgm:fillClrLst meth="repeat">
+      <a:schemeClr val="accent1"/>
+    </dgm:fillClrLst>
+    <dgm:linClrLst meth="repeat">
+      <a:schemeClr val="accent1"/>
+    </dgm:linClrLst>
+    <dgm:effectClrLst/>
+    <dgm:txLinClrLst/>
+    <dgm:txFillClrLst/>
+    <dgm:txEffectClrLst/>
+  </dgm:styleLbl>
+  <dgm:styleLbl name="node1">
+    <dgm:fillClrLst meth="repeat">
+      <a:schemeClr val="accent1"/>
+    </dgm:fillClrLst>
+    <dgm:linClrLst meth="repeat">
+      <a:schemeClr val="lt1"/>
+    </dgm:linClrLst>
+    <dgm:effectClrLst/>
+    <dgm:txLinClrLst/>
+    <dgm:txFillClrLst/>
+    <dgm:txEffectClrLst/>
+  </dgm:styleLbl>
+  <dgm:styleLbl name="lnNode1">
+    <dgm:fillClrLst meth="repeat">
+      <a:schemeClr val="accent1"/>
+    </dgm:fillClrLst>
+    <dgm:linClrLst meth="repeat">
+      <a:schemeClr val="lt1"/>
+    </dgm:linClrLst>
+    <dgm:effectClrLst/>
+    <dgm:txLinClrLst/>
+    <dgm:txFillClrLst/>
+    <dgm:txEffectClrLst/>
+  </dgm:styleLbl>
+  <dgm:styleLbl name="vennNode1">
+    <dgm:fillClrLst meth="repeat">
+      <a:schemeClr val="accent1">
+        <a:alpha val="50000"/>
+      </a:schemeClr>
+    </dgm:fillClrLst>
+    <dgm:linClrLst meth="repeat">
+      <a:schemeClr val="lt1"/>
+    </dgm:linClrLst>
+    <dgm:effectClrLst/>
+    <dgm:txLinClrLst/>
+    <dgm:txFillClrLst/>
+    <dgm:txEffectClrLst/>
+  </dgm:styleLbl>
+  <dgm:styleLbl name="node2">
+    <dgm:fillClrLst meth="repeat">
+      <a:schemeClr val="accent1"/>
+    </dgm:fillClrLst>
+    <dgm:linClrLst meth="repeat">
+      <a:schemeClr val="lt1"/>
+    </dgm:linClrLst>
+    <dgm:effectClrLst/>
+    <dgm:txLinClrLst/>
+    <dgm:txFillClrLst/>
+    <dgm:txEffectClrLst/>
+  </dgm:styleLbl>
+  <dgm:styleLbl name="node3">
+    <dgm:fillClrLst meth="repeat">
+      <a:schemeClr val="accent1"/>
+    </dgm:fillClrLst>
+    <dgm:linClrLst meth="repeat">
+      <a:schemeClr val="lt1"/>
+    </dgm:linClrLst>
+    <dgm:effectClrLst/>
+    <dgm:txLinClrLst/>
+    <dgm:txFillClrLst/>
+    <dgm:txEffectClrLst/>
+  </dgm:styleLbl>
+  <dgm:styleLbl name="node4">
+    <dgm:fillClrLst meth="repeat">
+      <a:schemeClr val="accent1"/>
+    </dgm:fillClrLst>
+    <dgm:linClrLst meth="repeat">
+      <a:schemeClr val="lt1"/>
+    </dgm:linClrLst>
+    <dgm:effectClrLst/>
+    <dgm:txLinClrLst/>
+    <dgm:txFillClrLst/>
+    <dgm:txEffectClrLst/>
+  </dgm:styleLbl>
+  <dgm:styleLbl name="fgImgPlace1">
+    <dgm:fillClrLst meth="repeat">
+      <a:schemeClr val="accent1">
+        <a:tint val="50000"/>
+      </a:schemeClr>
+    </dgm:fillClrLst>
+    <dgm:linClrLst meth="repeat">
+      <a:schemeClr val="lt1"/>
+    </dgm:linClrLst>
+    <dgm:effectClrLst/>
+    <dgm:txLinClrLst/>
+    <dgm:txFillClrLst meth="repeat">
+      <a:schemeClr val="lt1"/>
+    </dgm:txFillClrLst>
+    <dgm:txEffectClrLst/>
+  </dgm:styleLbl>
+  <dgm:styleLbl name="alignImgPlace1">
+    <dgm:fillClrLst meth="repeat">
+      <a:schemeClr val="accent1">
+        <a:tint val="50000"/>
+      </a:schemeClr>
+    </dgm:fillClrLst>
+    <dgm:linClrLst meth="repeat">
+      <a:schemeClr val="lt1"/>
+    </dgm:linClrLst>
+    <dgm:effectClrLst/>
+    <dgm:txLinClrLst/>
+    <dgm:txFillClrLst meth="repeat">
+      <a:schemeClr val="lt1"/>
+    </dgm:txFillClrLst>
+    <dgm:txEffectClrLst/>
+  </dgm:styleLbl>
+  <dgm:styleLbl name="bgImgPlace1">
+    <dgm:fillClrLst meth="repeat">
+      <a:schemeClr val="accent1">
+        <a:tint val="50000"/>
+      </a:schemeClr>
+    </dgm:fillClrLst>
+    <dgm:linClrLst meth="repeat">
+      <a:schemeClr val="lt1"/>
+    </dgm:linClrLst>
+    <dgm:effectClrLst/>
+    <dgm:txLinClrLst/>
+    <dgm:txFillClrLst meth="repeat">
+      <a:schemeClr val="lt1"/>
+    </dgm:txFillClrLst>
+    <dgm:txEffectClrLst/>
+  </dgm:styleLbl>
+  <dgm:styleLbl name="sibTrans2D1">
+    <dgm:fillClrLst meth="repeat">
+      <a:schemeClr val="accent1">
+        <a:tint val="60000"/>
+      </a:schemeClr>
+    </dgm:fillClrLst>
+    <dgm:linClrLst meth="repeat">
+      <a:schemeClr val="accent1">
+        <a:tint val="60000"/>
+      </a:schemeClr>
+    </dgm:linClrLst>
+    <dgm:effectClrLst/>
+    <dgm:txLinClrLst/>
+    <dgm:txFillClrLst/>
+    <dgm:txEffectClrLst/>
+  </dgm:styleLbl>
+  <dgm:styleLbl name="fgSibTrans2D1">
+    <dgm:fillClrLst meth="repeat">
+      <a:schemeClr val="accent1">
+        <a:tint val="60000"/>
+      </a:schemeClr>
+    </dgm:fillClrLst>
+    <dgm:linClrLst meth="repeat">
+      <a:schemeClr val="accent1">
+        <a:tint val="60000"/>
+      </a:schemeClr>
+    </dgm:linClrLst>
+    <dgm:effectClrLst/>
+    <dgm:txLinClrLst/>
+    <dgm:txFillClrLst/>
+    <dgm:txEffectClrLst/>
+  </dgm:styleLbl>
+  <dgm:styleLbl name="bgSibTrans2D1">
+    <dgm:fillClrLst meth="repeat">
+      <a:schemeClr val="accent1">
+        <a:tint val="60000"/>
+      </a:schemeClr>
+    </dgm:fillClrLst>
+    <dgm:linClrLst meth="repeat">
+      <a:schemeClr val="accent1">
+        <a:tint val="60000"/>
+      </a:schemeClr>
+    </dgm:linClrLst>
+    <dgm:effectClrLst/>
+    <dgm:txLinClrLst/>
+    <dgm:txFillClrLst/>
+    <dgm:txEffectClrLst/>
+  </dgm:styleLbl>
+  <dgm:styleLbl name="sibTrans1D1">
+    <dgm:fillClrLst meth="repeat">
+      <a:schemeClr val="accent1"/>
+    </dgm:fillClrLst>
+    <dgm:linClrLst meth="repeat">
+      <a:schemeClr val="accent1"/>
+    </dgm:linClrLst>
+    <dgm:effectClrLst/>
+    <dgm:txLinClrLst/>
+    <dgm:txFillClrLst meth="repeat">
+      <a:schemeClr val="tx1"/>
+    </dgm:txFillClrLst>
+    <dgm:txEffectClrLst/>
+  </dgm:styleLbl>
+  <dgm:styleLbl name="callout">
+    <dgm:fillClrLst meth="repeat">
+      <a:schemeClr val="accent1"/>
+    </dgm:fillClrLst>
+    <dgm:linClrLst meth="repeat">
+      <a:schemeClr val="accent1">
+        <a:tint val="50000"/>
+      </a:schemeClr>
+    </dgm:linClrLst>
+    <dgm:effectClrLst/>
+    <dgm:txLinClrLst/>
+    <dgm:txFillClrLst meth="repeat">
+      <a:schemeClr val="tx1"/>
+    </dgm:txFillClrLst>
+    <dgm:txEffectClrLst/>
+  </dgm:styleLbl>
+  <dgm:styleLbl name="asst0">
+    <dgm:fillClrLst meth="repeat">
+      <a:schemeClr val="accent1"/>
+    </dgm:fillClrLst>
+    <dgm:linClrLst meth="repeat">
+      <a:schemeClr val="lt1"/>
+    </dgm:linClrLst>
+    <dgm:effectClrLst/>
+    <dgm:txLinClrLst/>
+    <dgm:txFillClrLst/>
+    <dgm:txEffectClrLst/>
+  </dgm:styleLbl>
+  <dgm:styleLbl name="asst1">
+    <dgm:fillClrLst meth="repeat">
+      <a:schemeClr val="accent1"/>
+    </dgm:fillClrLst>
+    <dgm:linClrLst meth="repeat">
+      <a:schemeClr val="lt1"/>
+    </dgm:linClrLst>
+    <dgm:effectClrLst/>
+    <dgm:txLinClrLst/>
+    <dgm:txFillClrLst/>
+    <dgm:txEffectClrLst/>
+  </dgm:styleLbl>
+  <dgm:styleLbl name="asst2">
+    <dgm:fillClrLst meth="repeat">
+      <a:schemeClr val="accent1"/>
+    </dgm:fillClrLst>
+    <dgm:linClrLst meth="repeat">
+      <a:schemeClr val="lt1"/>
+    </dgm:linClrLst>
+    <dgm:effectClrLst/>
+    <dgm:txLinClrLst/>
+    <dgm:txFillClrLst/>
+    <dgm:txEffectClrLst/>
+  </dgm:styleLbl>
+  <dgm:styleLbl name="asst3">
+    <dgm:fillClrLst meth="repeat">
+      <a:schemeClr val="accent1"/>
+    </dgm:fillClrLst>
+    <dgm:linClrLst meth="repeat">
+      <a:schemeClr val="lt1"/>
+    </dgm:linClrLst>
+    <dgm:effectClrLst/>
+    <dgm:txLinClrLst/>
+    <dgm:txFillClrLst/>
+    <dgm:txEffectClrLst/>
+  </dgm:styleLbl>
+  <dgm:styleLbl name="asst4">
+    <dgm:fillClrLst meth="repeat">
+      <a:schemeClr val="accent1"/>
+    </dgm:fillClrLst>
+    <dgm:linClrLst meth="repeat">
+      <a:schemeClr val="lt1"/>
+    </dgm:linClrLst>
+    <dgm:effectClrLst/>
+    <dgm:txLinClrLst/>
+    <dgm:txFillClrLst/>
+    <dgm:txEffectClrLst/>
+  </dgm:styleLbl>
+  <dgm:styleLbl name="parChTrans2D1">
+    <dgm:fillClrLst meth="repeat">
+      <a:schemeClr val="accent1">
+        <a:tint val="60000"/>
+      </a:schemeClr>
+    </dgm:fillClrLst>
+    <dgm:linClrLst meth="repeat">
+      <a:schemeClr val="accent1">
+        <a:tint val="60000"/>
+      </a:schemeClr>
+    </dgm:linClrLst>
+    <dgm:effectClrLst/>
+    <dgm:txLinClrLst/>
+    <dgm:txFillClrLst meth="repeat">
+      <a:schemeClr val="lt1"/>
+    </dgm:txFillClrLst>
+    <dgm:txEffectClrLst/>
+  </dgm:styleLbl>
+  <dgm:styleLbl name="parChTrans2D2">
+    <dgm:fillClrLst meth="repeat">
+      <a:schemeClr val="accent1"/>
+    </dgm:fillClrLst>
+    <dgm:linClrLst meth="repeat">
+      <a:schemeClr val="accent1"/>
+    </dgm:linClrLst>
+    <dgm:effectClrLst/>
+    <dgm:txLinClrLst/>
+    <dgm:txFillClrLst meth="repeat">
+      <a:schemeClr val="lt1"/>
+    </dgm:txFillClrLst>
+    <dgm:txEffectClrLst/>
+  </dgm:styleLbl>
+  <dgm:styleLbl name="parChTrans2D3">
+    <dgm:fillClrLst meth="repeat">
+      <a:schemeClr val="accent1"/>
+    </dgm:fillClrLst>
+    <dgm:linClrLst meth="repeat">
+      <a:schemeClr val="accent1"/>
+    </dgm:linClrLst>
+    <dgm:effectClrLst/>
+    <dgm:txLinClrLst/>
+    <dgm:txFillClrLst meth="repeat">
+      <a:schemeClr val="lt1"/>
+    </dgm:txFillClrLst>
+    <dgm:txEffectClrLst/>
+  </dgm:styleLbl>
+  <dgm:styleLbl name="parChTrans2D4">
+    <dgm:fillClrLst meth="repeat">
+      <a:schemeClr val="accent1"/>
+    </dgm:fillClrLst>
+    <dgm:linClrLst meth="repeat">
+      <a:schemeClr val="accent1"/>
+    </dgm:linClrLst>
+    <dgm:effectClrLst/>
+    <dgm:txLinClrLst/>
+    <dgm:txFillClrLst meth="repeat">
+      <a:schemeClr val="lt1"/>
+    </dgm:txFillClrLst>
+    <dgm:txEffectClrLst/>
+  </dgm:styleLbl>
+  <dgm:styleLbl name="parChTrans1D1">
+    <dgm:fillClrLst meth="repeat">
+      <a:schemeClr val="accent1"/>
+    </dgm:fillClrLst>
+    <dgm:linClrLst meth="repeat">
+      <a:schemeClr val="accent1">
+        <a:shade val="60000"/>
+      </a:schemeClr>
+    </dgm:linClrLst>
+    <dgm:effectClrLst/>
+    <dgm:txLinClrLst/>
+    <dgm:txFillClrLst meth="repeat">
+      <a:schemeClr val="tx1"/>
+    </dgm:txFillClrLst>
+    <dgm:txEffectClrLst/>
+  </dgm:styleLbl>
+  <dgm:styleLbl name="parChTrans1D2">
+    <dgm:fillClrLst meth="repeat">
+      <a:schemeClr val="accent1"/>
+    </dgm:fillClrLst>
+    <dgm:linClrLst meth="repeat">
+      <a:schemeClr val="accent1">
+        <a:shade val="60000"/>
+      </a:schemeClr>
+    </dgm:linClrLst>
+    <dgm:effectClrLst/>
+    <dgm:txLinClrLst/>
+    <dgm:txFillClrLst meth="repeat">
+      <a:schemeClr val="tx1"/>
+    </dgm:txFillClrLst>
+    <dgm:txEffectClrLst/>
+  </dgm:styleLbl>
+  <dgm:styleLbl name="parChTrans1D3">
+    <dgm:fillClrLst meth="repeat">
+      <a:schemeClr val="accent1"/>
+    </dgm:fillClrLst>
+    <dgm:linClrLst meth="repeat">
+      <a:schemeClr val="accent1">
+        <a:shade val="80000"/>
+      </a:schemeClr>
+    </dgm:linClrLst>
+    <dgm:effectClrLst/>
+    <dgm:txLinClrLst/>
+    <dgm:txFillClrLst meth="repeat">
+      <a:schemeClr val="tx1"/>
+    </dgm:txFillClrLst>
+    <dgm:txEffectClrLst/>
+  </dgm:styleLbl>
+  <dgm:styleLbl name="parChTrans1D4">
+    <dgm:fillClrLst meth="repeat">
+      <a:schemeClr val="accent1"/>
+    </dgm:fillClrLst>
+    <dgm:linClrLst meth="repeat">
+      <a:schemeClr val="accent1">
+        <a:shade val="80000"/>
+      </a:schemeClr>
+    </dgm:linClrLst>
+    <dgm:effectClrLst/>
+    <dgm:txLinClrLst/>
+    <dgm:txFillClrLst meth="repeat">
+      <a:schemeClr val="tx1"/>
+    </dgm:txFillClrLst>
+    <dgm:txEffectClrLst/>
+  </dgm:styleLbl>
+  <dgm:styleLbl name="fgAcc1">
+    <dgm:fillClrLst meth="repeat">
+      <a:schemeClr val="lt1">
+        <a:alpha val="90000"/>
+      </a:schemeClr>
+    </dgm:fillClrLst>
+    <dgm:linClrLst meth="repeat">
+      <a:schemeClr val="accent1"/>
+    </dgm:linClrLst>
+    <dgm:effectClrLst/>
+    <dgm:txLinClrLst/>
+    <dgm:txFillClrLst meth="repeat">
+      <a:schemeClr val="dk1"/>
+    </dgm:txFillClrLst>
+    <dgm:txEffectClrLst/>
+  </dgm:styleLbl>
+  <dgm:styleLbl name="conFgAcc1">
+    <dgm:fillClrLst meth="repeat">
+      <a:schemeClr val="lt1">
+        <a:alpha val="90000"/>
+      </a:schemeClr>
+    </dgm:fillClrLst>
+    <dgm:linClrLst meth="repeat">
+      <a:schemeClr val="accent1"/>
+    </dgm:linClrLst>
+    <dgm:effectClrLst/>
+    <dgm:txLinClrLst/>
+    <dgm:txFillClrLst meth="repeat">
+      <a:schemeClr val="dk1"/>
+    </dgm:txFillClrLst>
+    <dgm:txEffectClrLst/>
+  </dgm:styleLbl>
+  <dgm:styleLbl name="alignAcc1">
+    <dgm:fillClrLst meth="repeat">
+      <a:schemeClr val="lt1">
+        <a:alpha val="90000"/>
+      </a:schemeClr>
+    </dgm:fillClrLst>
+    <dgm:linClrLst meth="repeat">
+      <a:schemeClr val="accent1"/>
+    </dgm:linClrLst>
+    <dgm:effectClrLst/>
+    <dgm:txLinClrLst/>
+    <dgm:txFillClrLst meth="repeat">
+      <a:schemeClr val="dk1"/>
+    </dgm:txFillClrLst>
+    <dgm:txEffectClrLst/>
+  </dgm:styleLbl>
+  <dgm:styleLbl name="trAlignAcc1">
+    <dgm:fillClrLst meth="repeat">
+      <a:schemeClr val="lt1">
+        <a:alpha val="40000"/>
+      </a:schemeClr>
+    </dgm:fillClrLst>
+    <dgm:linClrLst meth="repeat">
+      <a:schemeClr val="accent1"/>
+    </dgm:linClrLst>
+    <dgm:effectClrLst/>
+    <dgm:txLinClrLst/>
+    <dgm:txFillClrLst meth="repeat">
+      <a:schemeClr val="dk1"/>
+    </dgm:txFillClrLst>
+    <dgm:txEffectClrLst/>
+  </dgm:styleLbl>
+  <dgm:styleLbl name="bgAcc1">
+    <dgm:fillClrLst meth="repeat">
+      <a:schemeClr val="lt1">
+        <a:alpha val="90000"/>
+      </a:schemeClr>
+    </dgm:fillClrLst>
+    <dgm:linClrLst meth="repeat">
+      <a:schemeClr val="accent1"/>
+    </dgm:linClrLst>
+    <dgm:effectClrLst/>
+    <dgm:txLinClrLst/>
+    <dgm:txFillClrLst meth="repeat">
+      <a:schemeClr val="dk1"/>
+    </dgm:txFillClrLst>
+    <dgm:txEffectClrLst/>
+  </dgm:styleLbl>
+  <dgm:styleLbl name="solidFgAcc1">
+    <dgm:fillClrLst meth="repeat">
+      <a:schemeClr val="lt1"/>
+    </dgm:fillClrLst>
+    <dgm:linClrLst meth="repeat">
+      <a:schemeClr val="accent1"/>
+    </dgm:linClrLst>
+    <dgm:effectClrLst/>
+    <dgm:txLinClrLst/>
+    <dgm:txFillClrLst meth="repeat">
+      <a:schemeClr val="dk1"/>
+    </dgm:txFillClrLst>
+    <dgm:txEffectClrLst/>
+  </dgm:styleLbl>
+  <dgm:styleLbl name="solidAlignAcc1">
+    <dgm:fillClrLst meth="repeat">
+      <a:schemeClr val="lt1"/>
+    </dgm:fillClrLst>
+    <dgm:linClrLst meth="repeat">
+      <a:schemeClr val="accent1"/>
+    </dgm:linClrLst>
+    <dgm:effectClrLst/>
+    <dgm:txLinClrLst/>
+    <dgm:txFillClrLst meth="repeat">
+      <a:schemeClr val="dk1"/>
+    </dgm:txFillClrLst>
+    <dgm:txEffectClrLst/>
+  </dgm:styleLbl>
+  <dgm:styleLbl name="solidBgAcc1">
+    <dgm:fillClrLst meth="repeat">
+      <a:schemeClr val="lt1"/>
+    </dgm:fillClrLst>
+    <dgm:linClrLst meth="repeat">
+      <a:schemeClr val="accent1"/>
+    </dgm:linClrLst>
+    <dgm:effectClrLst/>
+    <dgm:txLinClrLst/>
+    <dgm:txFillClrLst meth="repeat">
+      <a:schemeClr val="dk1"/>
+    </dgm:txFillClrLst>
+    <dgm:txEffectClrLst/>
+  </dgm:styleLbl>
+  <dgm:styleLbl name="fgAccFollowNode1">
+    <dgm:fillClrLst meth="repeat">
+      <a:schemeClr val="accent1">
+        <a:alpha val="90000"/>
+        <a:tint val="40000"/>
+      </a:schemeClr>
+    </dgm:fillClrLst>
+    <dgm:linClrLst meth="repeat">
+      <a:schemeClr val="accent1">
+        <a:alpha val="90000"/>
+        <a:tint val="40000"/>
+      </a:schemeClr>
+    </dgm:linClrLst>
+    <dgm:effectClrLst/>
+    <dgm:txLinClrLst/>
+    <dgm:txFillClrLst meth="repeat">
+      <a:schemeClr val="dk1"/>
+    </dgm:txFillClrLst>
+    <dgm:txEffectClrLst/>
+  </dgm:styleLbl>
+  <dgm:styleLbl name="alignAccFollowNode1">
+    <dgm:fillClrLst meth="repeat">
+      <a:schemeClr val="accent1">
+        <a:alpha val="90000"/>
+        <a:tint val="40000"/>
+      </a:schemeClr>
+    </dgm:fillClrLst>
+    <dgm:linClrLst meth="repeat">
+      <a:schemeClr val="accent1">
+        <a:alpha val="90000"/>
+        <a:tint val="40000"/>
+      </a:schemeClr>
+    </dgm:linClrLst>
+    <dgm:effectClrLst/>
+    <dgm:txLinClrLst/>
+    <dgm:txFillClrLst meth="repeat">
+      <a:schemeClr val="dk1"/>
+    </dgm:txFillClrLst>
+    <dgm:txEffectClrLst/>
+  </dgm:styleLbl>
+  <dgm:styleLbl name="bgAccFollowNode1">
+    <dgm:fillClrLst meth="repeat">
+      <a:schemeClr val="accent1">
+        <a:alpha val="90000"/>
+        <a:tint val="40000"/>
+      </a:schemeClr>
+    </dgm:fillClrLst>
+    <dgm:linClrLst meth="repeat">
+      <a:schemeClr val="accent1">
+        <a:alpha val="90000"/>
+        <a:tint val="40000"/>
+      </a:schemeClr>
+    </dgm:linClrLst>
+    <dgm:effectClrLst/>
+    <dgm:txLinClrLst/>
+    <dgm:txFillClrLst meth="repeat">
+      <a:schemeClr val="dk1"/>
+    </dgm:txFillClrLst>
+    <dgm:txEffectClrLst/>
+  </dgm:styleLbl>
+  <dgm:styleLbl name="fgAcc0">
+    <dgm:fillClrLst meth="repeat">
+      <a:schemeClr val="lt1">
+        <a:alpha val="90000"/>
+      </a:schemeClr>
+    </dgm:fillClrLst>
+    <dgm:linClrLst meth="repeat">
+      <a:schemeClr val="accent1"/>
+    </dgm:linClrLst>
+    <dgm:effectClrLst/>
+    <dgm:txLinClrLst/>
+    <dgm:txFillClrLst meth="repeat">
+      <a:schemeClr val="dk1"/>
+    </dgm:txFillClrLst>
+    <dgm:txEffectClrLst/>
+  </dgm:styleLbl>
+  <dgm:styleLbl name="fgAcc2">
+    <dgm:fillClrLst meth="repeat">
+      <a:schemeClr val="lt1">
+        <a:alpha val="90000"/>
+      </a:schemeClr>
+    </dgm:fillClrLst>
+    <dgm:linClrLst meth="repeat">
+      <a:schemeClr val="accent1"/>
+    </dgm:linClrLst>
+    <dgm:effectClrLst/>
+    <dgm:txLinClrLst/>
+    <dgm:txFillClrLst meth="repeat">
+      <a:schemeClr val="dk1"/>
+    </dgm:txFillClrLst>
+    <dgm:txEffectClrLst/>
+  </dgm:styleLbl>
+  <dgm:styleLbl name="fgAcc3">
+    <dgm:fillClrLst meth="repeat">
+      <a:schemeClr val="lt1">
+        <a:alpha val="90000"/>
+      </a:schemeClr>
+    </dgm:fillClrLst>
+    <dgm:linClrLst meth="repeat">
+      <a:schemeClr val="accent1"/>
+    </dgm:linClrLst>
+    <dgm:effectClrLst/>
+    <dgm:txLinClrLst/>
+    <dgm:txFillClrLst meth="repeat">
+      <a:schemeClr val="dk1"/>
+    </dgm:txFillClrLst>
+    <dgm:txEffectClrLst/>
+  </dgm:styleLbl>
+  <dgm:styleLbl name="fgAcc4">
+    <dgm:fillClrLst meth="repeat">
+      <a:schemeClr val="lt1">
+        <a:alpha val="90000"/>
+      </a:schemeClr>
+    </dgm:fillClrLst>
+    <dgm:linClrLst meth="repeat">
+      <a:schemeClr val="accent1"/>
+    </dgm:linClrLst>
+    <dgm:effectClrLst/>
+    <dgm:txLinClrLst/>
+    <dgm:txFillClrLst meth="repeat">
+      <a:schemeClr val="dk1"/>
+    </dgm:txFillClrLst>
+    <dgm:txEffectClrLst/>
+  </dgm:styleLbl>
+  <dgm:styleLbl name="bgShp">
+    <dgm:fillClrLst meth="repeat">
+      <a:schemeClr val="accent1">
+        <a:tint val="40000"/>
+      </a:schemeClr>
+    </dgm:fillClrLst>
+    <dgm:linClrLst meth="repeat">
+      <a:schemeClr val="accent1"/>
+    </dgm:linClrLst>
+    <dgm:effectClrLst/>
+    <dgm:txLinClrLst/>
+    <dgm:txFillClrLst meth="repeat">
+      <a:schemeClr val="dk1"/>
+    </dgm:txFillClrLst>
+    <dgm:txEffectClrLst/>
+  </dgm:styleLbl>
+  <dgm:styleLbl name="dkBgShp">
+    <dgm:fillClrLst meth="repeat">
+      <a:schemeClr val="accent1">
+        <a:shade val="80000"/>
+      </a:schemeClr>
+    </dgm:fillClrLst>
+    <dgm:linClrLst meth="repeat">
+      <a:schemeClr val="accent1"/>
+    </dgm:linClrLst>
+    <dgm:effectClrLst/>
+    <dgm:txLinClrLst/>
+    <dgm:txFillClrLst meth="repeat">
+      <a:schemeClr val="lt1"/>
+    </dgm:txFillClrLst>
+    <dgm:txEffectClrLst/>
+  </dgm:styleLbl>
+  <dgm:styleLbl name="trBgShp">
+    <dgm:fillClrLst meth="repeat">
+      <a:schemeClr val="accent1">
+        <a:tint val="50000"/>
+        <a:alpha val="40000"/>
+      </a:schemeClr>
+    </dgm:fillClrLst>
+    <dgm:linClrLst meth="repeat">
+      <a:schemeClr val="accent1"/>
+    </dgm:linClrLst>
+    <dgm:effectClrLst/>
+    <dgm:txLinClrLst/>
+    <dgm:txFillClrLst meth="repeat">
+      <a:schemeClr val="lt1"/>
+    </dgm:txFillClrLst>
+    <dgm:txEffectClrLst/>
+  </dgm:styleLbl>
+  <dgm:styleLbl name="fgShp">
+    <dgm:fillClrLst meth="repeat">
+      <a:schemeClr val="accent1">
+        <a:tint val="60000"/>
+      </a:schemeClr>
+    </dgm:fillClrLst>
+    <dgm:linClrLst meth="repeat">
+      <a:schemeClr val="lt1"/>
+    </dgm:linClrLst>
+    <dgm:effectClrLst/>
+    <dgm:txLinClrLst/>
+    <dgm:txFillClrLst meth="repeat">
+      <a:schemeClr val="dk1"/>
+    </dgm:txFillClrLst>
+    <dgm:txEffectClrLst/>
+  </dgm:styleLbl>
+  <dgm:styleLbl name="revTx">
+    <dgm:fillClrLst meth="repeat">
+      <a:schemeClr val="lt1">
+        <a:alpha val="0"/>
+      </a:schemeClr>
+    </dgm:fillClrLst>
+    <dgm:linClrLst meth="repeat">
+      <a:schemeClr val="dk1">
+        <a:alpha val="0"/>
+      </a:schemeClr>
+    </dgm:linClrLst>
+    <dgm:effectClrLst/>
+    <dgm:txLinClrLst/>
+    <dgm:txFillClrLst meth="repeat">
+      <a:schemeClr val="tx1"/>
+    </dgm:txFillClrLst>
+    <dgm:txEffectClrLst/>
+  </dgm:styleLbl>
+</dgm:colorsDef>
+</file>
+
 <file path=ppt/diagrams/data1.xml><?xml version="1.0" encoding="utf-8"?>
 <dgm:dataModel xmlns:dgm="http://schemas.openxmlformats.org/drawingml/2006/diagram" xmlns:a="http://schemas.openxmlformats.org/drawingml/2006/main">
   <dgm:ptLst>
@@ -1991,10 +2735,9 @@
         <a:lstStyle/>
         <a:p>
           <a:r>
-            <a:rPr lang="en-US"/>
-            <a:t>Step 1 Title</a:t>
+            <a:rPr lang="en-US" dirty="0"/>
+            <a:t>L1: Philosophy</a:t>
           </a:r>
-          <a:endParaRPr lang="en-US" dirty="0"/>
         </a:p>
       </dgm:t>
     </dgm:pt>
@@ -2028,9 +2771,10 @@
         <a:lstStyle/>
         <a:p>
           <a:r>
-            <a:rPr lang="en-US" dirty="0"/>
-            <a:t>Task description</a:t>
+            <a:rPr lang="en-IE" b="1" dirty="0"/>
+            <a:t>POSITIVISM (from Epistemology).</a:t>
           </a:r>
+          <a:endParaRPr lang="en-US" b="1" dirty="0"/>
         </a:p>
       </dgm:t>
     </dgm:pt>
@@ -2065,7 +2809,7 @@
         <a:p>
           <a:r>
             <a:rPr lang="en-US" dirty="0"/>
-            <a:t>Task description</a:t>
+            <a:t>Research works with datasets of known fraud and non-fraud.</a:t>
           </a:r>
         </a:p>
       </dgm:t>
@@ -2101,7 +2845,7 @@
         <a:p>
           <a:r>
             <a:rPr lang="en-US" dirty="0"/>
-            <a:t>Task description</a:t>
+            <a:t>The levels of historical fraud are statistically quantified.</a:t>
           </a:r>
         </a:p>
       </dgm:t>
@@ -2137,7 +2881,7 @@
         <a:p>
           <a:r>
             <a:rPr lang="en-US" dirty="0"/>
-            <a:t>Task description</a:t>
+            <a:t>ML model testing can be replicated many times to test changes in accuracy.</a:t>
           </a:r>
         </a:p>
       </dgm:t>
@@ -2173,7 +2917,7 @@
         <a:p>
           <a:r>
             <a:rPr lang="en-US" dirty="0"/>
-            <a:t>Step 2 Title</a:t>
+            <a:t>L2: Approach</a:t>
           </a:r>
         </a:p>
       </dgm:t>
@@ -2208,9 +2952,10 @@
         <a:lstStyle/>
         <a:p>
           <a:r>
-            <a:rPr lang="en-US" dirty="0"/>
-            <a:t>Task description</a:t>
+            <a:rPr lang="en-IE" b="1" dirty="0"/>
+            <a:t>DEDUCTIVE</a:t>
           </a:r>
+          <a:endParaRPr lang="en-US" b="1" dirty="0"/>
         </a:p>
       </dgm:t>
     </dgm:pt>
@@ -2245,7 +2990,7 @@
         <a:p>
           <a:r>
             <a:rPr lang="en-US" dirty="0"/>
-            <a:t>Task description</a:t>
+            <a:t>Research begins with the statement: ML techniques can classify a given transaction as fraud or non-fraud.</a:t>
           </a:r>
         </a:p>
       </dgm:t>
@@ -2281,7 +3026,7 @@
         <a:p>
           <a:r>
             <a:rPr lang="en-US" dirty="0"/>
-            <a:t>Task description</a:t>
+            <a:t>The features of fraud/non-fraud credit card transactions for a domain/period are collated.</a:t>
           </a:r>
         </a:p>
       </dgm:t>
@@ -2317,7 +3062,7 @@
         <a:p>
           <a:r>
             <a:rPr lang="en-US" dirty="0"/>
-            <a:t>Step 3 Title</a:t>
+            <a:t>L3: Research Strategies</a:t>
           </a:r>
         </a:p>
       </dgm:t>
@@ -2352,8 +3097,8 @@
         <a:lstStyle/>
         <a:p>
           <a:r>
-            <a:rPr lang="en-US" dirty="0"/>
-            <a:t>Task description</a:t>
+            <a:rPr lang="en-US" b="1" dirty="0"/>
+            <a:t>ARCHIVAL RESEARCH</a:t>
           </a:r>
         </a:p>
       </dgm:t>
@@ -2389,7 +3134,7 @@
         <a:p>
           <a:r>
             <a:rPr lang="en-US" dirty="0"/>
-            <a:t>Task description</a:t>
+            <a:t>CC Fraud research frequently begins with historical datasets with know fraud patterns.</a:t>
           </a:r>
         </a:p>
       </dgm:t>
@@ -2416,7 +3161,7 @@
         </a:p>
       </dgm:t>
     </dgm:pt>
-    <dgm:pt modelId="{7FCE83D9-631B-4420-BBFC-CA0AFA59F747}">
+    <dgm:pt modelId="{26D93F56-AD64-459D-A454-2E847E0AE5AD}">
       <dgm:prSet phldrT="[Text]"/>
       <dgm:spPr/>
       <dgm:t>
@@ -2425,34 +3170,70 @@
         <a:p>
           <a:r>
             <a:rPr lang="en-US" dirty="0"/>
-            <a:t>Step 4 Title</a:t>
+            <a:t>Given algorithms and approaches can be revised if they show possible improvements in accuracy. </a:t>
           </a:r>
         </a:p>
       </dgm:t>
     </dgm:pt>
-    <dgm:pt modelId="{C61EC981-13FA-4710-B079-D35692EEB764}" type="parTrans" cxnId="{E572418E-4340-4448-940D-253A2FA3B9B3}">
+    <dgm:pt modelId="{E06BA073-F5E8-40E1-BBF5-DFA8A607EEA9}" type="parTrans" cxnId="{FFB2A7D8-2CDC-4EA6-88FE-1D79B60EF00D}">
       <dgm:prSet/>
       <dgm:spPr/>
       <dgm:t>
         <a:bodyPr/>
         <a:lstStyle/>
         <a:p>
-          <a:endParaRPr lang="en-US"/>
+          <a:endParaRPr lang="en-IE"/>
         </a:p>
       </dgm:t>
     </dgm:pt>
-    <dgm:pt modelId="{1B48A0DE-4031-4D45-86A1-94CDAF68824A}" type="sibTrans" cxnId="{E572418E-4340-4448-940D-253A2FA3B9B3}">
+    <dgm:pt modelId="{7BF89819-96F6-4A9C-BC11-3B6EBEEFA256}" type="sibTrans" cxnId="{FFB2A7D8-2CDC-4EA6-88FE-1D79B60EF00D}">
       <dgm:prSet/>
       <dgm:spPr/>
       <dgm:t>
         <a:bodyPr/>
         <a:lstStyle/>
         <a:p>
-          <a:endParaRPr lang="en-US"/>
+          <a:endParaRPr lang="en-IE"/>
         </a:p>
       </dgm:t>
     </dgm:pt>
-    <dgm:pt modelId="{DB9FB862-4759-4D6A-84F3-01524B92723B}">
+    <dgm:pt modelId="{870940FE-9B2D-48B5-BF1C-26D4B6CE9EA3}">
+      <dgm:prSet phldrT="[Text]"/>
+      <dgm:spPr/>
+      <dgm:t>
+        <a:bodyPr/>
+        <a:lstStyle/>
+        <a:p>
+          <a:r>
+            <a:rPr lang="en-US" b="1" dirty="0"/>
+            <a:t>EXPERIMENT</a:t>
+          </a:r>
+        </a:p>
+      </dgm:t>
+    </dgm:pt>
+    <dgm:pt modelId="{2A4D77A2-DAC1-460F-99C4-5FF218EC8E0C}" type="parTrans" cxnId="{32875C7C-9171-4099-A166-85672E852D00}">
+      <dgm:prSet/>
+      <dgm:spPr/>
+      <dgm:t>
+        <a:bodyPr/>
+        <a:lstStyle/>
+        <a:p>
+          <a:endParaRPr lang="en-IE"/>
+        </a:p>
+      </dgm:t>
+    </dgm:pt>
+    <dgm:pt modelId="{94022A9E-D53E-46FF-8B32-7EE60DD4C942}" type="sibTrans" cxnId="{32875C7C-9171-4099-A166-85672E852D00}">
+      <dgm:prSet/>
+      <dgm:spPr/>
+      <dgm:t>
+        <a:bodyPr/>
+        <a:lstStyle/>
+        <a:p>
+          <a:endParaRPr lang="en-IE"/>
+        </a:p>
+      </dgm:t>
+    </dgm:pt>
+    <dgm:pt modelId="{6228884D-F0B1-4AF8-AAF2-BFB01761BCE6}">
       <dgm:prSet phldrT="[Text]"/>
       <dgm:spPr/>
       <dgm:t>
@@ -2461,66 +3242,30 @@
         <a:p>
           <a:r>
             <a:rPr lang="en-US" dirty="0"/>
-            <a:t>Task description</a:t>
+            <a:t>Data scientists iterate through multiple experiments using different algorithms and parameters to assess accuracy.</a:t>
           </a:r>
         </a:p>
       </dgm:t>
     </dgm:pt>
-    <dgm:pt modelId="{CD1EE44C-3116-420B-89E3-1D797CB25D34}" type="parTrans" cxnId="{70CAB4FC-3D17-49C2-8A7B-F387031FCDCA}">
+    <dgm:pt modelId="{71DA794C-5F85-450E-A83A-FA6DCED22F24}" type="parTrans" cxnId="{38749AAD-83CE-43CF-A9D8-330190BFCD33}">
       <dgm:prSet/>
       <dgm:spPr/>
       <dgm:t>
         <a:bodyPr/>
         <a:lstStyle/>
         <a:p>
-          <a:endParaRPr lang="en-US"/>
+          <a:endParaRPr lang="en-IE"/>
         </a:p>
       </dgm:t>
     </dgm:pt>
-    <dgm:pt modelId="{4BD4D4A5-043E-4ED5-A5CA-8D46DADC3150}" type="sibTrans" cxnId="{70CAB4FC-3D17-49C2-8A7B-F387031FCDCA}">
+    <dgm:pt modelId="{52DFCF56-BFBB-495D-B0E3-E325AE7F8B8B}" type="sibTrans" cxnId="{38749AAD-83CE-43CF-A9D8-330190BFCD33}">
       <dgm:prSet/>
       <dgm:spPr/>
       <dgm:t>
         <a:bodyPr/>
         <a:lstStyle/>
         <a:p>
-          <a:endParaRPr lang="en-US"/>
-        </a:p>
-      </dgm:t>
-    </dgm:pt>
-    <dgm:pt modelId="{50451020-5E1A-4778-9E8D-169182A36191}">
-      <dgm:prSet phldrT="[Text]"/>
-      <dgm:spPr/>
-      <dgm:t>
-        <a:bodyPr/>
-        <a:lstStyle/>
-        <a:p>
-          <a:r>
-            <a:rPr lang="en-US" dirty="0"/>
-            <a:t>Task description</a:t>
-          </a:r>
-        </a:p>
-      </dgm:t>
-    </dgm:pt>
-    <dgm:pt modelId="{7DFC3849-4A12-49FB-B614-8AFD597CCB9E}" type="parTrans" cxnId="{0F86DBDB-3C4F-4C84-981B-7F4CA2A8EAF3}">
-      <dgm:prSet/>
-      <dgm:spPr/>
-      <dgm:t>
-        <a:bodyPr/>
-        <a:lstStyle/>
-        <a:p>
-          <a:endParaRPr lang="en-US"/>
-        </a:p>
-      </dgm:t>
-    </dgm:pt>
-    <dgm:pt modelId="{EEDE2474-4F18-4F59-8E58-6382D253E514}" type="sibTrans" cxnId="{0F86DBDB-3C4F-4C84-981B-7F4CA2A8EAF3}">
-      <dgm:prSet/>
-      <dgm:spPr/>
-      <dgm:t>
-        <a:bodyPr/>
-        <a:lstStyle/>
-        <a:p>
-          <a:endParaRPr lang="en-US"/>
+          <a:endParaRPr lang="en-IE"/>
         </a:p>
       </dgm:t>
     </dgm:pt>
@@ -2550,11 +3295,11 @@
       <dgm:spPr/>
     </dgm:pt>
     <dgm:pt modelId="{6B08AC4B-4CEC-41E5-AE19-47A4E2720563}" type="pres">
-      <dgm:prSet presAssocID="{B4F1B46E-22B2-4721-950C-8704487586DC}" presName="firstChild" presStyleLbl="bgAccFollowNode1" presStyleIdx="0" presStyleCnt="11"/>
+      <dgm:prSet presAssocID="{B4F1B46E-22B2-4721-950C-8704487586DC}" presName="firstChild" presStyleLbl="bgAccFollowNode1" presStyleIdx="0" presStyleCnt="12"/>
       <dgm:spPr/>
     </dgm:pt>
     <dgm:pt modelId="{187D4E8C-5C91-4D00-870C-2C45D4EA263C}" type="pres">
-      <dgm:prSet presAssocID="{B4F1B46E-22B2-4721-950C-8704487586DC}" presName="firstChildTx" presStyleLbl="bgAccFollowNode1" presStyleIdx="0" presStyleCnt="11">
+      <dgm:prSet presAssocID="{B4F1B46E-22B2-4721-950C-8704487586DC}" presName="firstChildTx" presStyleLbl="bgAccFollowNode1" presStyleIdx="0" presStyleCnt="12">
         <dgm:presLayoutVars>
           <dgm:bulletEnabled val="1"/>
         </dgm:presLayoutVars>
@@ -2566,11 +3311,11 @@
       <dgm:spPr/>
     </dgm:pt>
     <dgm:pt modelId="{59179C9B-8BA4-4AC7-ACB1-A12DE00142E2}" type="pres">
-      <dgm:prSet presAssocID="{F9D46839-CD06-4669-AAE4-4D1E9AFEDA78}" presName="child" presStyleLbl="bgAccFollowNode1" presStyleIdx="1" presStyleCnt="11"/>
+      <dgm:prSet presAssocID="{F9D46839-CD06-4669-AAE4-4D1E9AFEDA78}" presName="child" presStyleLbl="bgAccFollowNode1" presStyleIdx="1" presStyleCnt="12"/>
       <dgm:spPr/>
     </dgm:pt>
     <dgm:pt modelId="{4AE7D907-B6F4-4647-AB3F-ABE94C438AE8}" type="pres">
-      <dgm:prSet presAssocID="{F9D46839-CD06-4669-AAE4-4D1E9AFEDA78}" presName="childTx" presStyleLbl="bgAccFollowNode1" presStyleIdx="1" presStyleCnt="11">
+      <dgm:prSet presAssocID="{F9D46839-CD06-4669-AAE4-4D1E9AFEDA78}" presName="childTx" presStyleLbl="bgAccFollowNode1" presStyleIdx="1" presStyleCnt="12">
         <dgm:presLayoutVars>
           <dgm:bulletEnabled val="1"/>
         </dgm:presLayoutVars>
@@ -2582,11 +3327,11 @@
       <dgm:spPr/>
     </dgm:pt>
     <dgm:pt modelId="{1877502C-A892-4DC0-ADA6-FA065097BB90}" type="pres">
-      <dgm:prSet presAssocID="{7CB6360B-4022-4E96-922B-A12DE0E2A39F}" presName="child" presStyleLbl="bgAccFollowNode1" presStyleIdx="2" presStyleCnt="11"/>
+      <dgm:prSet presAssocID="{7CB6360B-4022-4E96-922B-A12DE0E2A39F}" presName="child" presStyleLbl="bgAccFollowNode1" presStyleIdx="2" presStyleCnt="12"/>
       <dgm:spPr/>
     </dgm:pt>
     <dgm:pt modelId="{D685DD23-B321-4B5E-842F-394CB33239FA}" type="pres">
-      <dgm:prSet presAssocID="{7CB6360B-4022-4E96-922B-A12DE0E2A39F}" presName="childTx" presStyleLbl="bgAccFollowNode1" presStyleIdx="2" presStyleCnt="11">
+      <dgm:prSet presAssocID="{7CB6360B-4022-4E96-922B-A12DE0E2A39F}" presName="childTx" presStyleLbl="bgAccFollowNode1" presStyleIdx="2" presStyleCnt="12">
         <dgm:presLayoutVars>
           <dgm:bulletEnabled val="1"/>
         </dgm:presLayoutVars>
@@ -2598,11 +3343,11 @@
       <dgm:spPr/>
     </dgm:pt>
     <dgm:pt modelId="{51F68A05-A560-4C6F-BC90-521AEF3B0907}" type="pres">
-      <dgm:prSet presAssocID="{70879558-61CA-4CCD-B2D6-5349B01EF337}" presName="child" presStyleLbl="bgAccFollowNode1" presStyleIdx="3" presStyleCnt="11"/>
+      <dgm:prSet presAssocID="{70879558-61CA-4CCD-B2D6-5349B01EF337}" presName="child" presStyleLbl="bgAccFollowNode1" presStyleIdx="3" presStyleCnt="12"/>
       <dgm:spPr/>
     </dgm:pt>
     <dgm:pt modelId="{3EBE42F0-6491-49CC-95DC-985BA00CD458}" type="pres">
-      <dgm:prSet presAssocID="{70879558-61CA-4CCD-B2D6-5349B01EF337}" presName="childTx" presStyleLbl="bgAccFollowNode1" presStyleIdx="3" presStyleCnt="11">
+      <dgm:prSet presAssocID="{70879558-61CA-4CCD-B2D6-5349B01EF337}" presName="childTx" presStyleLbl="bgAccFollowNode1" presStyleIdx="3" presStyleCnt="12">
         <dgm:presLayoutVars>
           <dgm:bulletEnabled val="1"/>
         </dgm:presLayoutVars>
@@ -2614,7 +3359,7 @@
       <dgm:spPr/>
     </dgm:pt>
     <dgm:pt modelId="{FC7ED273-8CFD-43C2-9C05-44FADF3E0637}" type="pres">
-      <dgm:prSet presAssocID="{B4F1B46E-22B2-4721-950C-8704487586DC}" presName="circle" presStyleLbl="node1" presStyleIdx="0" presStyleCnt="4"/>
+      <dgm:prSet presAssocID="{B4F1B46E-22B2-4721-950C-8704487586DC}" presName="circle" presStyleLbl="node1" presStyleIdx="0" presStyleCnt="3"/>
       <dgm:spPr/>
     </dgm:pt>
     <dgm:pt modelId="{13C564B0-C27E-4ABA-AFDA-59E145B256BA}" type="pres">
@@ -2638,11 +3383,11 @@
       <dgm:spPr/>
     </dgm:pt>
     <dgm:pt modelId="{F660F4B9-35DB-4256-A868-A35C6DCCF6B2}" type="pres">
-      <dgm:prSet presAssocID="{F2881FB1-6580-4F21-A283-BFAA6F91D5D2}" presName="firstChild" presStyleLbl="bgAccFollowNode1" presStyleIdx="4" presStyleCnt="11"/>
+      <dgm:prSet presAssocID="{F2881FB1-6580-4F21-A283-BFAA6F91D5D2}" presName="firstChild" presStyleLbl="bgAccFollowNode1" presStyleIdx="4" presStyleCnt="12"/>
       <dgm:spPr/>
     </dgm:pt>
     <dgm:pt modelId="{10C9E3CF-3A8F-4100-8ACD-91E2373197A2}" type="pres">
-      <dgm:prSet presAssocID="{F2881FB1-6580-4F21-A283-BFAA6F91D5D2}" presName="firstChildTx" presStyleLbl="bgAccFollowNode1" presStyleIdx="4" presStyleCnt="11">
+      <dgm:prSet presAssocID="{F2881FB1-6580-4F21-A283-BFAA6F91D5D2}" presName="firstChildTx" presStyleLbl="bgAccFollowNode1" presStyleIdx="4" presStyleCnt="12">
         <dgm:presLayoutVars>
           <dgm:bulletEnabled val="1"/>
         </dgm:presLayoutVars>
@@ -2654,11 +3399,11 @@
       <dgm:spPr/>
     </dgm:pt>
     <dgm:pt modelId="{614EBA0E-D12B-447E-B378-B0FA2DEBEA2F}" type="pres">
-      <dgm:prSet presAssocID="{29E78340-8EBE-415C-B973-78A91A054B9C}" presName="child" presStyleLbl="bgAccFollowNode1" presStyleIdx="5" presStyleCnt="11"/>
+      <dgm:prSet presAssocID="{29E78340-8EBE-415C-B973-78A91A054B9C}" presName="child" presStyleLbl="bgAccFollowNode1" presStyleIdx="5" presStyleCnt="12"/>
       <dgm:spPr/>
     </dgm:pt>
     <dgm:pt modelId="{B12AEB83-0A64-4B36-BF01-B2F834861BAA}" type="pres">
-      <dgm:prSet presAssocID="{29E78340-8EBE-415C-B973-78A91A054B9C}" presName="childTx" presStyleLbl="bgAccFollowNode1" presStyleIdx="5" presStyleCnt="11">
+      <dgm:prSet presAssocID="{29E78340-8EBE-415C-B973-78A91A054B9C}" presName="childTx" presStyleLbl="bgAccFollowNode1" presStyleIdx="5" presStyleCnt="12">
         <dgm:presLayoutVars>
           <dgm:bulletEnabled val="1"/>
         </dgm:presLayoutVars>
@@ -2670,135 +3415,127 @@
       <dgm:spPr/>
     </dgm:pt>
     <dgm:pt modelId="{68509703-D239-4E1B-8CF0-EF08079E1226}" type="pres">
-      <dgm:prSet presAssocID="{8321AB85-EA8C-4958-B404-B4C118CB3C18}" presName="child" presStyleLbl="bgAccFollowNode1" presStyleIdx="6" presStyleCnt="11"/>
+      <dgm:prSet presAssocID="{8321AB85-EA8C-4958-B404-B4C118CB3C18}" presName="child" presStyleLbl="bgAccFollowNode1" presStyleIdx="6" presStyleCnt="12"/>
       <dgm:spPr/>
     </dgm:pt>
     <dgm:pt modelId="{E1767793-EDD5-4203-A612-8120A71CA906}" type="pres">
-      <dgm:prSet presAssocID="{8321AB85-EA8C-4958-B404-B4C118CB3C18}" presName="childTx" presStyleLbl="bgAccFollowNode1" presStyleIdx="6" presStyleCnt="11">
+      <dgm:prSet presAssocID="{8321AB85-EA8C-4958-B404-B4C118CB3C18}" presName="childTx" presStyleLbl="bgAccFollowNode1" presStyleIdx="6" presStyleCnt="12">
         <dgm:presLayoutVars>
           <dgm:bulletEnabled val="1"/>
         </dgm:presLayoutVars>
       </dgm:prSet>
       <dgm:spPr/>
     </dgm:pt>
-    <dgm:pt modelId="{69136330-53DB-4978-A56B-160862279381}" type="pres">
-      <dgm:prSet presAssocID="{F2881FB1-6580-4F21-A283-BFAA6F91D5D2}" presName="negSpace" presStyleCnt="0"/>
-      <dgm:spPr/>
-    </dgm:pt>
-    <dgm:pt modelId="{FD776C1E-557E-4553-9447-49B69EEC7907}" type="pres">
-      <dgm:prSet presAssocID="{F2881FB1-6580-4F21-A283-BFAA6F91D5D2}" presName="circle" presStyleLbl="node1" presStyleIdx="1" presStyleCnt="4"/>
-      <dgm:spPr/>
-    </dgm:pt>
-    <dgm:pt modelId="{FC2522F1-14BB-4B37-B60E-2E8A7E8A6C30}" type="pres">
-      <dgm:prSet presAssocID="{A5ABDC17-7AB5-4F0E-992A-F9343F5D74EB}" presName="transSpace" presStyleCnt="0"/>
-      <dgm:spPr/>
-    </dgm:pt>
-    <dgm:pt modelId="{2C2F6211-85A7-47FE-9239-DE94DF41A263}" type="pres">
-      <dgm:prSet presAssocID="{6352CA33-6755-44BE-808F-400DA4CF80A7}" presName="posSpace" presStyleCnt="0"/>
-      <dgm:spPr/>
-    </dgm:pt>
-    <dgm:pt modelId="{7B0C2EAE-70CB-4160-863D-210C3C66D5FD}" type="pres">
-      <dgm:prSet presAssocID="{6352CA33-6755-44BE-808F-400DA4CF80A7}" presName="vertFlow" presStyleCnt="0"/>
-      <dgm:spPr/>
-    </dgm:pt>
-    <dgm:pt modelId="{5AF3752E-55A6-443C-AD35-C49DF50A4566}" type="pres">
-      <dgm:prSet presAssocID="{6352CA33-6755-44BE-808F-400DA4CF80A7}" presName="topSpace" presStyleCnt="0"/>
-      <dgm:spPr/>
-    </dgm:pt>
-    <dgm:pt modelId="{53567A66-F0E9-4EF8-ADA9-764BA36AA6A9}" type="pres">
-      <dgm:prSet presAssocID="{6352CA33-6755-44BE-808F-400DA4CF80A7}" presName="firstComp" presStyleCnt="0"/>
-      <dgm:spPr/>
-    </dgm:pt>
-    <dgm:pt modelId="{AD2806AC-6A03-4F05-9F4D-F72EA0E56FBF}" type="pres">
-      <dgm:prSet presAssocID="{6352CA33-6755-44BE-808F-400DA4CF80A7}" presName="firstChild" presStyleLbl="bgAccFollowNode1" presStyleIdx="7" presStyleCnt="11"/>
-      <dgm:spPr/>
-    </dgm:pt>
-    <dgm:pt modelId="{F8977219-728E-448F-AE8B-46B14F4F17DE}" type="pres">
-      <dgm:prSet presAssocID="{6352CA33-6755-44BE-808F-400DA4CF80A7}" presName="firstChildTx" presStyleLbl="bgAccFollowNode1" presStyleIdx="7" presStyleCnt="11">
+    <dgm:pt modelId="{CD9453B6-7DF9-461C-A729-2A76924B180F}" type="pres">
+      <dgm:prSet presAssocID="{26D93F56-AD64-459D-A454-2E847E0AE5AD}" presName="comp" presStyleCnt="0"/>
+      <dgm:spPr/>
+    </dgm:pt>
+    <dgm:pt modelId="{C2FA5ED9-6193-4272-AE12-125169DCCBBD}" type="pres">
+      <dgm:prSet presAssocID="{26D93F56-AD64-459D-A454-2E847E0AE5AD}" presName="child" presStyleLbl="bgAccFollowNode1" presStyleIdx="7" presStyleCnt="12"/>
+      <dgm:spPr/>
+    </dgm:pt>
+    <dgm:pt modelId="{C502B76B-48AF-469D-B6AC-E487DC04AD5E}" type="pres">
+      <dgm:prSet presAssocID="{26D93F56-AD64-459D-A454-2E847E0AE5AD}" presName="childTx" presStyleLbl="bgAccFollowNode1" presStyleIdx="7" presStyleCnt="12">
         <dgm:presLayoutVars>
           <dgm:bulletEnabled val="1"/>
         </dgm:presLayoutVars>
       </dgm:prSet>
       <dgm:spPr/>
     </dgm:pt>
-    <dgm:pt modelId="{46A8623B-DC64-4ED6-B73D-98FEAB030508}" type="pres">
-      <dgm:prSet presAssocID="{3D5CDB25-F8FA-444B-8D4A-1D29D0CBA282}" presName="comp" presStyleCnt="0"/>
-      <dgm:spPr/>
-    </dgm:pt>
-    <dgm:pt modelId="{5314AADB-0AD3-4BAE-9F15-B0FE4F44C802}" type="pres">
-      <dgm:prSet presAssocID="{3D5CDB25-F8FA-444B-8D4A-1D29D0CBA282}" presName="child" presStyleLbl="bgAccFollowNode1" presStyleIdx="8" presStyleCnt="11"/>
-      <dgm:spPr/>
-    </dgm:pt>
-    <dgm:pt modelId="{96624143-7928-48E9-817F-BC4A07250C32}" type="pres">
-      <dgm:prSet presAssocID="{3D5CDB25-F8FA-444B-8D4A-1D29D0CBA282}" presName="childTx" presStyleLbl="bgAccFollowNode1" presStyleIdx="8" presStyleCnt="11">
+    <dgm:pt modelId="{69136330-53DB-4978-A56B-160862279381}" type="pres">
+      <dgm:prSet presAssocID="{F2881FB1-6580-4F21-A283-BFAA6F91D5D2}" presName="negSpace" presStyleCnt="0"/>
+      <dgm:spPr/>
+    </dgm:pt>
+    <dgm:pt modelId="{FD776C1E-557E-4553-9447-49B69EEC7907}" type="pres">
+      <dgm:prSet presAssocID="{F2881FB1-6580-4F21-A283-BFAA6F91D5D2}" presName="circle" presStyleLbl="node1" presStyleIdx="1" presStyleCnt="3"/>
+      <dgm:spPr/>
+    </dgm:pt>
+    <dgm:pt modelId="{FC2522F1-14BB-4B37-B60E-2E8A7E8A6C30}" type="pres">
+      <dgm:prSet presAssocID="{A5ABDC17-7AB5-4F0E-992A-F9343F5D74EB}" presName="transSpace" presStyleCnt="0"/>
+      <dgm:spPr/>
+    </dgm:pt>
+    <dgm:pt modelId="{2C2F6211-85A7-47FE-9239-DE94DF41A263}" type="pres">
+      <dgm:prSet presAssocID="{6352CA33-6755-44BE-808F-400DA4CF80A7}" presName="posSpace" presStyleCnt="0"/>
+      <dgm:spPr/>
+    </dgm:pt>
+    <dgm:pt modelId="{7B0C2EAE-70CB-4160-863D-210C3C66D5FD}" type="pres">
+      <dgm:prSet presAssocID="{6352CA33-6755-44BE-808F-400DA4CF80A7}" presName="vertFlow" presStyleCnt="0"/>
+      <dgm:spPr/>
+    </dgm:pt>
+    <dgm:pt modelId="{5AF3752E-55A6-443C-AD35-C49DF50A4566}" type="pres">
+      <dgm:prSet presAssocID="{6352CA33-6755-44BE-808F-400DA4CF80A7}" presName="topSpace" presStyleCnt="0"/>
+      <dgm:spPr/>
+    </dgm:pt>
+    <dgm:pt modelId="{53567A66-F0E9-4EF8-ADA9-764BA36AA6A9}" type="pres">
+      <dgm:prSet presAssocID="{6352CA33-6755-44BE-808F-400DA4CF80A7}" presName="firstComp" presStyleCnt="0"/>
+      <dgm:spPr/>
+    </dgm:pt>
+    <dgm:pt modelId="{AD2806AC-6A03-4F05-9F4D-F72EA0E56FBF}" type="pres">
+      <dgm:prSet presAssocID="{6352CA33-6755-44BE-808F-400DA4CF80A7}" presName="firstChild" presStyleLbl="bgAccFollowNode1" presStyleIdx="8" presStyleCnt="12"/>
+      <dgm:spPr/>
+    </dgm:pt>
+    <dgm:pt modelId="{F8977219-728E-448F-AE8B-46B14F4F17DE}" type="pres">
+      <dgm:prSet presAssocID="{6352CA33-6755-44BE-808F-400DA4CF80A7}" presName="firstChildTx" presStyleLbl="bgAccFollowNode1" presStyleIdx="8" presStyleCnt="12">
         <dgm:presLayoutVars>
           <dgm:bulletEnabled val="1"/>
         </dgm:presLayoutVars>
       </dgm:prSet>
       <dgm:spPr/>
     </dgm:pt>
-    <dgm:pt modelId="{FBCC4E74-37C0-494F-ABC0-7D18132E1437}" type="pres">
-      <dgm:prSet presAssocID="{6352CA33-6755-44BE-808F-400DA4CF80A7}" presName="negSpace" presStyleCnt="0"/>
-      <dgm:spPr/>
-    </dgm:pt>
-    <dgm:pt modelId="{89E6DA6E-7A23-44BD-8A99-378091FF741D}" type="pres">
-      <dgm:prSet presAssocID="{6352CA33-6755-44BE-808F-400DA4CF80A7}" presName="circle" presStyleLbl="node1" presStyleIdx="2" presStyleCnt="4"/>
-      <dgm:spPr/>
-    </dgm:pt>
-    <dgm:pt modelId="{E966790E-26B5-4EB8-981F-1094BF4B7611}" type="pres">
-      <dgm:prSet presAssocID="{AAB4CF73-4B9B-4AA0-9074-16C2D2AE00A1}" presName="transSpace" presStyleCnt="0"/>
-      <dgm:spPr/>
-    </dgm:pt>
-    <dgm:pt modelId="{229B7655-E1F4-4CF5-84B8-30F0491D32B5}" type="pres">
-      <dgm:prSet presAssocID="{7FCE83D9-631B-4420-BBFC-CA0AFA59F747}" presName="posSpace" presStyleCnt="0"/>
-      <dgm:spPr/>
-    </dgm:pt>
-    <dgm:pt modelId="{F85FFCDF-8E5F-492B-B22D-55A08EACE783}" type="pres">
-      <dgm:prSet presAssocID="{7FCE83D9-631B-4420-BBFC-CA0AFA59F747}" presName="vertFlow" presStyleCnt="0"/>
-      <dgm:spPr/>
-    </dgm:pt>
-    <dgm:pt modelId="{600B3FB2-1315-4A84-8613-B445666BC7D2}" type="pres">
-      <dgm:prSet presAssocID="{7FCE83D9-631B-4420-BBFC-CA0AFA59F747}" presName="topSpace" presStyleCnt="0"/>
-      <dgm:spPr/>
-    </dgm:pt>
-    <dgm:pt modelId="{E47C73E9-FBEE-4370-9B3F-E04EB7C4023A}" type="pres">
-      <dgm:prSet presAssocID="{7FCE83D9-631B-4420-BBFC-CA0AFA59F747}" presName="firstComp" presStyleCnt="0"/>
-      <dgm:spPr/>
-    </dgm:pt>
-    <dgm:pt modelId="{402C2C77-A32C-4D99-9940-12535E1181F2}" type="pres">
-      <dgm:prSet presAssocID="{7FCE83D9-631B-4420-BBFC-CA0AFA59F747}" presName="firstChild" presStyleLbl="bgAccFollowNode1" presStyleIdx="9" presStyleCnt="11"/>
-      <dgm:spPr/>
-    </dgm:pt>
-    <dgm:pt modelId="{5B88A17E-EFF5-4A04-9CC9-D2131DA9ECCC}" type="pres">
-      <dgm:prSet presAssocID="{7FCE83D9-631B-4420-BBFC-CA0AFA59F747}" presName="firstChildTx" presStyleLbl="bgAccFollowNode1" presStyleIdx="9" presStyleCnt="11">
+    <dgm:pt modelId="{46A8623B-DC64-4ED6-B73D-98FEAB030508}" type="pres">
+      <dgm:prSet presAssocID="{3D5CDB25-F8FA-444B-8D4A-1D29D0CBA282}" presName="comp" presStyleCnt="0"/>
+      <dgm:spPr/>
+    </dgm:pt>
+    <dgm:pt modelId="{5314AADB-0AD3-4BAE-9F15-B0FE4F44C802}" type="pres">
+      <dgm:prSet presAssocID="{3D5CDB25-F8FA-444B-8D4A-1D29D0CBA282}" presName="child" presStyleLbl="bgAccFollowNode1" presStyleIdx="9" presStyleCnt="12"/>
+      <dgm:spPr/>
+    </dgm:pt>
+    <dgm:pt modelId="{96624143-7928-48E9-817F-BC4A07250C32}" type="pres">
+      <dgm:prSet presAssocID="{3D5CDB25-F8FA-444B-8D4A-1D29D0CBA282}" presName="childTx" presStyleLbl="bgAccFollowNode1" presStyleIdx="9" presStyleCnt="12">
         <dgm:presLayoutVars>
           <dgm:bulletEnabled val="1"/>
         </dgm:presLayoutVars>
       </dgm:prSet>
       <dgm:spPr/>
     </dgm:pt>
-    <dgm:pt modelId="{F3C2D87B-A5E7-46E2-B3D3-58E6D9562663}" type="pres">
-      <dgm:prSet presAssocID="{50451020-5E1A-4778-9E8D-169182A36191}" presName="comp" presStyleCnt="0"/>
-      <dgm:spPr/>
-    </dgm:pt>
-    <dgm:pt modelId="{3086D0BF-AAD1-4310-88ED-4D81A687BD50}" type="pres">
-      <dgm:prSet presAssocID="{50451020-5E1A-4778-9E8D-169182A36191}" presName="child" presStyleLbl="bgAccFollowNode1" presStyleIdx="10" presStyleCnt="11"/>
-      <dgm:spPr/>
-    </dgm:pt>
-    <dgm:pt modelId="{2B18CCD9-D6B1-4225-8D26-4BA691BB1837}" type="pres">
-      <dgm:prSet presAssocID="{50451020-5E1A-4778-9E8D-169182A36191}" presName="childTx" presStyleLbl="bgAccFollowNode1" presStyleIdx="10" presStyleCnt="11">
+    <dgm:pt modelId="{82602046-1952-4D45-A6EE-0BF451CD61DD}" type="pres">
+      <dgm:prSet presAssocID="{870940FE-9B2D-48B5-BF1C-26D4B6CE9EA3}" presName="comp" presStyleCnt="0"/>
+      <dgm:spPr/>
+    </dgm:pt>
+    <dgm:pt modelId="{2C25B9A8-296C-4B38-B2D5-77934B9B3D6F}" type="pres">
+      <dgm:prSet presAssocID="{870940FE-9B2D-48B5-BF1C-26D4B6CE9EA3}" presName="child" presStyleLbl="bgAccFollowNode1" presStyleIdx="10" presStyleCnt="12"/>
+      <dgm:spPr/>
+    </dgm:pt>
+    <dgm:pt modelId="{AC6748CF-2E6E-4F6D-AD83-272912B7C127}" type="pres">
+      <dgm:prSet presAssocID="{870940FE-9B2D-48B5-BF1C-26D4B6CE9EA3}" presName="childTx" presStyleLbl="bgAccFollowNode1" presStyleIdx="10" presStyleCnt="12">
         <dgm:presLayoutVars>
           <dgm:bulletEnabled val="1"/>
         </dgm:presLayoutVars>
       </dgm:prSet>
       <dgm:spPr/>
     </dgm:pt>
-    <dgm:pt modelId="{9051EF7D-7D6C-4B43-A6C4-239F9933C94D}" type="pres">
-      <dgm:prSet presAssocID="{7FCE83D9-631B-4420-BBFC-CA0AFA59F747}" presName="negSpace" presStyleCnt="0"/>
-      <dgm:spPr/>
-    </dgm:pt>
-    <dgm:pt modelId="{7453D9C8-CD6E-4AA4-8A19-7F6F667528F0}" type="pres">
-      <dgm:prSet presAssocID="{7FCE83D9-631B-4420-BBFC-CA0AFA59F747}" presName="circle" presStyleLbl="node1" presStyleIdx="3" presStyleCnt="4"/>
+    <dgm:pt modelId="{0B71BEAF-42DC-4E15-8C9E-7146C8C0AA10}" type="pres">
+      <dgm:prSet presAssocID="{6228884D-F0B1-4AF8-AAF2-BFB01761BCE6}" presName="comp" presStyleCnt="0"/>
+      <dgm:spPr/>
+    </dgm:pt>
+    <dgm:pt modelId="{92809064-2543-4FD9-BF7E-6960E0917672}" type="pres">
+      <dgm:prSet presAssocID="{6228884D-F0B1-4AF8-AAF2-BFB01761BCE6}" presName="child" presStyleLbl="bgAccFollowNode1" presStyleIdx="11" presStyleCnt="12"/>
+      <dgm:spPr/>
+    </dgm:pt>
+    <dgm:pt modelId="{E18AA0DC-13CE-4E93-AFA1-C31FD0744A32}" type="pres">
+      <dgm:prSet presAssocID="{6228884D-F0B1-4AF8-AAF2-BFB01761BCE6}" presName="childTx" presStyleLbl="bgAccFollowNode1" presStyleIdx="11" presStyleCnt="12">
+        <dgm:presLayoutVars>
+          <dgm:bulletEnabled val="1"/>
+        </dgm:presLayoutVars>
+      </dgm:prSet>
+      <dgm:spPr/>
+    </dgm:pt>
+    <dgm:pt modelId="{FBCC4E74-37C0-494F-ABC0-7D18132E1437}" type="pres">
+      <dgm:prSet presAssocID="{6352CA33-6755-44BE-808F-400DA4CF80A7}" presName="negSpace" presStyleCnt="0"/>
+      <dgm:spPr/>
+    </dgm:pt>
+    <dgm:pt modelId="{89E6DA6E-7A23-44BD-8A99-378091FF741D}" type="pres">
+      <dgm:prSet presAssocID="{6352CA33-6755-44BE-808F-400DA4CF80A7}" presName="circle" presStyleLbl="node1" presStyleIdx="2" presStyleCnt="3"/>
       <dgm:spPr/>
     </dgm:pt>
   </dgm:ptLst>
@@ -2813,17 +3550,789 @@
     <dgm:cxn modelId="{EDF0B63A-DCA1-49A5-910A-B447CA5609B2}" type="presOf" srcId="{3D5CDB25-F8FA-444B-8D4A-1D29D0CBA282}" destId="{96624143-7928-48E9-817F-BC4A07250C32}" srcOrd="1" destOrd="0" presId="urn:microsoft.com/office/officeart/2005/8/layout/hList9"/>
     <dgm:cxn modelId="{FFE7CF3F-C427-4831-953F-615124811AB4}" type="presOf" srcId="{8321AB85-EA8C-4958-B404-B4C118CB3C18}" destId="{E1767793-EDD5-4203-A612-8120A71CA906}" srcOrd="1" destOrd="0" presId="urn:microsoft.com/office/officeart/2005/8/layout/hList9"/>
     <dgm:cxn modelId="{4A31D641-1B5D-46D3-B685-0C4DC6EFE71B}" srcId="{00C18FBF-3FF5-4C16-97CF-AF03740D7AB6}" destId="{F2881FB1-6580-4F21-A283-BFAA6F91D5D2}" srcOrd="1" destOrd="0" parTransId="{2D960FDD-BADA-480D-9043-497C56588AD3}" sibTransId="{A5ABDC17-7AB5-4F0E-992A-F9343F5D74EB}"/>
-    <dgm:cxn modelId="{16E03549-76FD-4D73-932D-9C88E7D9FF05}" type="presOf" srcId="{DB9FB862-4759-4D6A-84F3-01524B92723B}" destId="{402C2C77-A32C-4D99-9940-12535E1181F2}" srcOrd="0" destOrd="0" presId="urn:microsoft.com/office/officeart/2005/8/layout/hList9"/>
+    <dgm:cxn modelId="{17D4F844-BE7A-4D75-A197-ABD6C68C8BD3}" type="presOf" srcId="{6228884D-F0B1-4AF8-AAF2-BFB01761BCE6}" destId="{E18AA0DC-13CE-4E93-AFA1-C31FD0744A32}" srcOrd="1" destOrd="0" presId="urn:microsoft.com/office/officeart/2005/8/layout/hList9"/>
+    <dgm:cxn modelId="{D06AF44B-702B-4E85-A941-CB8FAB7CF7D6}" type="presOf" srcId="{870940FE-9B2D-48B5-BF1C-26D4B6CE9EA3}" destId="{2C25B9A8-296C-4B38-B2D5-77934B9B3D6F}" srcOrd="0" destOrd="0" presId="urn:microsoft.com/office/officeart/2005/8/layout/hList9"/>
+    <dgm:cxn modelId="{B635AE6E-37F7-4F2E-8725-C1D81C11EBE6}" type="presOf" srcId="{8321AB85-EA8C-4958-B404-B4C118CB3C18}" destId="{68509703-D239-4E1B-8CF0-EF08079E1226}" srcOrd="0" destOrd="0" presId="urn:microsoft.com/office/officeart/2005/8/layout/hList9"/>
+    <dgm:cxn modelId="{E00C3D6F-034C-453C-A64A-4B6B6A9BCC81}" type="presOf" srcId="{26D93F56-AD64-459D-A454-2E847E0AE5AD}" destId="{C2FA5ED9-6193-4272-AE12-125169DCCBBD}" srcOrd="0" destOrd="0" presId="urn:microsoft.com/office/officeart/2005/8/layout/hList9"/>
+    <dgm:cxn modelId="{3F290A52-8A4A-4469-9AB4-D811A6E23C3C}" type="presOf" srcId="{F9D46839-CD06-4669-AAE4-4D1E9AFEDA78}" destId="{59179C9B-8BA4-4AC7-ACB1-A12DE00142E2}" srcOrd="0" destOrd="0" presId="urn:microsoft.com/office/officeart/2005/8/layout/hList9"/>
+    <dgm:cxn modelId="{3204ED53-15A0-4643-A582-021A785F1BA2}" srcId="{F2881FB1-6580-4F21-A283-BFAA6F91D5D2}" destId="{D5197DDB-D5D2-499F-B255-CF7BB5AE2B43}" srcOrd="0" destOrd="0" parTransId="{B14A4DC9-F40A-4867-ADB8-4BA8A1F83766}" sibTransId="{29F2454A-2FA8-4B3A-AC63-4A0B9FD04A75}"/>
+    <dgm:cxn modelId="{E5DE3475-3F25-4E1E-A4B4-F7DABB94C443}" type="presOf" srcId="{26D93F56-AD64-459D-A454-2E847E0AE5AD}" destId="{C502B76B-48AF-469D-B6AC-E487DC04AD5E}" srcOrd="1" destOrd="0" presId="urn:microsoft.com/office/officeart/2005/8/layout/hList9"/>
+    <dgm:cxn modelId="{129AEA77-5D2A-49D4-956D-99009974B6C5}" srcId="{F2881FB1-6580-4F21-A283-BFAA6F91D5D2}" destId="{8321AB85-EA8C-4958-B404-B4C118CB3C18}" srcOrd="2" destOrd="0" parTransId="{24ABE8B3-7220-436D-9636-F7B4C0B99576}" sibTransId="{AA5F76CE-8FD4-4692-8BB1-EF84CF9D365E}"/>
+    <dgm:cxn modelId="{8FAB4659-6291-457D-941A-93BCD304031A}" srcId="{B4F1B46E-22B2-4721-950C-8704487586DC}" destId="{70879558-61CA-4CCD-B2D6-5349B01EF337}" srcOrd="3" destOrd="0" parTransId="{95F5E6EE-4E8D-49F8-8C9E-8BBFD01B6A0E}" sibTransId="{053E317B-DD3F-4AFF-90D1-A55D37D325DC}"/>
+    <dgm:cxn modelId="{32875C7C-9171-4099-A166-85672E852D00}" srcId="{6352CA33-6755-44BE-808F-400DA4CF80A7}" destId="{870940FE-9B2D-48B5-BF1C-26D4B6CE9EA3}" srcOrd="2" destOrd="0" parTransId="{2A4D77A2-DAC1-460F-99C4-5FF218EC8E0C}" sibTransId="{94022A9E-D53E-46FF-8B32-7EE60DD4C942}"/>
+    <dgm:cxn modelId="{FC7BD086-74EA-4D6C-9657-E916D355F209}" srcId="{6352CA33-6755-44BE-808F-400DA4CF80A7}" destId="{9614A323-64B1-4077-A841-022051EC749A}" srcOrd="0" destOrd="0" parTransId="{E5F6BCBD-B84E-4018-BE9E-BF57FF3B4B36}" sibTransId="{FEC2A79F-8857-403A-A738-E8CE75C965E2}"/>
+    <dgm:cxn modelId="{0068E78F-6D7A-4C13-9A78-4FD912AF8EB2}" type="presOf" srcId="{6228884D-F0B1-4AF8-AAF2-BFB01761BCE6}" destId="{92809064-2543-4FD9-BF7E-6960E0917672}" srcOrd="0" destOrd="0" presId="urn:microsoft.com/office/officeart/2005/8/layout/hList9"/>
+    <dgm:cxn modelId="{B736D792-8630-4423-BF25-ED6293A18ADD}" type="presOf" srcId="{9614A323-64B1-4077-A841-022051EC749A}" destId="{F8977219-728E-448F-AE8B-46B14F4F17DE}" srcOrd="1" destOrd="0" presId="urn:microsoft.com/office/officeart/2005/8/layout/hList9"/>
+    <dgm:cxn modelId="{DDB5AD9A-40B0-48EF-AF2C-8CCDA330F7FE}" srcId="{B4F1B46E-22B2-4721-950C-8704487586DC}" destId="{9D72CDD3-5859-43DB-BD75-0C3C30E3DE62}" srcOrd="0" destOrd="0" parTransId="{1D5B1F83-33A7-4298-BC11-2B1252AFAEA5}" sibTransId="{15E25BD4-1EBF-43C2-8885-DBF66B8429E1}"/>
+    <dgm:cxn modelId="{AD25A8A0-4628-40E2-8C9E-64E6AD4D4D91}" srcId="{B4F1B46E-22B2-4721-950C-8704487586DC}" destId="{F9D46839-CD06-4669-AAE4-4D1E9AFEDA78}" srcOrd="1" destOrd="0" parTransId="{B6B535D8-00AB-4FA1-AAEC-92498ABC6F4C}" sibTransId="{6497F199-DC2A-41F9-A449-D395E6BC4900}"/>
+    <dgm:cxn modelId="{38749AAD-83CE-43CF-A9D8-330190BFCD33}" srcId="{6352CA33-6755-44BE-808F-400DA4CF80A7}" destId="{6228884D-F0B1-4AF8-AAF2-BFB01761BCE6}" srcOrd="3" destOrd="0" parTransId="{71DA794C-5F85-450E-A83A-FA6DCED22F24}" sibTransId="{52DFCF56-BFBB-495D-B0E3-E325AE7F8B8B}"/>
+    <dgm:cxn modelId="{3EF668B1-7B6A-40A1-9E64-0829B2EF0539}" type="presOf" srcId="{F9D46839-CD06-4669-AAE4-4D1E9AFEDA78}" destId="{4AE7D907-B6F4-4647-AB3F-ABE94C438AE8}" srcOrd="1" destOrd="0" presId="urn:microsoft.com/office/officeart/2005/8/layout/hList9"/>
+    <dgm:cxn modelId="{2C8317B2-2EBB-4589-86EA-C77B3B6E81AA}" srcId="{00C18FBF-3FF5-4C16-97CF-AF03740D7AB6}" destId="{B4F1B46E-22B2-4721-950C-8704487586DC}" srcOrd="0" destOrd="0" parTransId="{E8A66543-CC4D-4785-A93E-5B125E09F826}" sibTransId="{A7E2530A-34E2-4E9F-BC78-8920BA140C41}"/>
+    <dgm:cxn modelId="{CD5EFFB3-C9FD-4DAC-8D97-0C2FB02B380B}" srcId="{B4F1B46E-22B2-4721-950C-8704487586DC}" destId="{7CB6360B-4022-4E96-922B-A12DE0E2A39F}" srcOrd="2" destOrd="0" parTransId="{44B2858F-607B-47DF-B44B-EA7D73FDC9F2}" sibTransId="{B35ED9D1-2A17-4034-8D08-4945CA54F6C9}"/>
+    <dgm:cxn modelId="{70E22FBE-4510-487A-BD3F-D791559A8263}" type="presOf" srcId="{3D5CDB25-F8FA-444B-8D4A-1D29D0CBA282}" destId="{5314AADB-0AD3-4BAE-9F15-B0FE4F44C802}" srcOrd="0" destOrd="0" presId="urn:microsoft.com/office/officeart/2005/8/layout/hList9"/>
+    <dgm:cxn modelId="{8B101FC2-2ADA-4F97-9F50-0384A77BA75A}" type="presOf" srcId="{870940FE-9B2D-48B5-BF1C-26D4B6CE9EA3}" destId="{AC6748CF-2E6E-4F6D-AD83-272912B7C127}" srcOrd="1" destOrd="0" presId="urn:microsoft.com/office/officeart/2005/8/layout/hList9"/>
+    <dgm:cxn modelId="{2DF4FDC6-9998-45E2-B49B-7BDDAE43878E}" type="presOf" srcId="{B4F1B46E-22B2-4721-950C-8704487586DC}" destId="{FC7ED273-8CFD-43C2-9C05-44FADF3E0637}" srcOrd="0" destOrd="0" presId="urn:microsoft.com/office/officeart/2005/8/layout/hList9"/>
+    <dgm:cxn modelId="{A587C2CB-6562-4021-B4BF-D479DBE9444F}" type="presOf" srcId="{D5197DDB-D5D2-499F-B255-CF7BB5AE2B43}" destId="{F660F4B9-35DB-4256-A868-A35C6DCCF6B2}" srcOrd="0" destOrd="0" presId="urn:microsoft.com/office/officeart/2005/8/layout/hList9"/>
+    <dgm:cxn modelId="{77F620CE-FC2D-42CF-890C-6A28A43BA06E}" type="presOf" srcId="{F2881FB1-6580-4F21-A283-BFAA6F91D5D2}" destId="{FD776C1E-557E-4553-9447-49B69EEC7907}" srcOrd="0" destOrd="0" presId="urn:microsoft.com/office/officeart/2005/8/layout/hList9"/>
+    <dgm:cxn modelId="{AACC54D1-0243-46E9-9624-A663799E8A06}" type="presOf" srcId="{9D72CDD3-5859-43DB-BD75-0C3C30E3DE62}" destId="{6B08AC4B-4CEC-41E5-AE19-47A4E2720563}" srcOrd="0" destOrd="0" presId="urn:microsoft.com/office/officeart/2005/8/layout/hList9"/>
+    <dgm:cxn modelId="{F3210AD4-6CEB-4017-A75B-E24F2FA3B062}" type="presOf" srcId="{70879558-61CA-4CCD-B2D6-5349B01EF337}" destId="{51F68A05-A560-4C6F-BC90-521AEF3B0907}" srcOrd="0" destOrd="0" presId="urn:microsoft.com/office/officeart/2005/8/layout/hList9"/>
+    <dgm:cxn modelId="{311348D8-FDE3-4C22-99F5-3B98C5F51F0D}" srcId="{F2881FB1-6580-4F21-A283-BFAA6F91D5D2}" destId="{29E78340-8EBE-415C-B973-78A91A054B9C}" srcOrd="1" destOrd="0" parTransId="{FF4E5F97-6974-4E39-A85D-DCB2E100798E}" sibTransId="{B4B9A51E-FA34-465E-B5B4-81CD76EB3FC2}"/>
+    <dgm:cxn modelId="{FFB2A7D8-2CDC-4EA6-88FE-1D79B60EF00D}" srcId="{F2881FB1-6580-4F21-A283-BFAA6F91D5D2}" destId="{26D93F56-AD64-459D-A454-2E847E0AE5AD}" srcOrd="3" destOrd="0" parTransId="{E06BA073-F5E8-40E1-BBF5-DFA8A607EEA9}" sibTransId="{7BF89819-96F6-4A9C-BC11-3B6EBEEFA256}"/>
+    <dgm:cxn modelId="{82BAE5DD-3A79-4870-9019-1254385E0650}" srcId="{00C18FBF-3FF5-4C16-97CF-AF03740D7AB6}" destId="{6352CA33-6755-44BE-808F-400DA4CF80A7}" srcOrd="2" destOrd="0" parTransId="{AEB59203-63BA-4A96-BADC-40BAEBD9AA40}" sibTransId="{AAB4CF73-4B9B-4AA0-9074-16C2D2AE00A1}"/>
+    <dgm:cxn modelId="{2E3C97E6-67D4-4948-B47A-1115C2B2979F}" srcId="{6352CA33-6755-44BE-808F-400DA4CF80A7}" destId="{3D5CDB25-F8FA-444B-8D4A-1D29D0CBA282}" srcOrd="1" destOrd="0" parTransId="{4C229933-AC16-44B7-98EC-4C0F07FABCB0}" sibTransId="{189DA4C5-2A22-4C71-A806-7B4AB57767CC}"/>
+    <dgm:cxn modelId="{59E871E8-E7D2-4CCC-B749-A714977AF5E6}" type="presOf" srcId="{D5197DDB-D5D2-499F-B255-CF7BB5AE2B43}" destId="{10C9E3CF-3A8F-4100-8ACD-91E2373197A2}" srcOrd="1" destOrd="0" presId="urn:microsoft.com/office/officeart/2005/8/layout/hList9"/>
+    <dgm:cxn modelId="{92B5CCEF-1CDF-4025-ACF6-0780E13B9A00}" type="presOf" srcId="{7CB6360B-4022-4E96-922B-A12DE0E2A39F}" destId="{1877502C-A892-4DC0-ADA6-FA065097BB90}" srcOrd="0" destOrd="0" presId="urn:microsoft.com/office/officeart/2005/8/layout/hList9"/>
+    <dgm:cxn modelId="{62ECA4F6-D6A0-41F0-AB7C-2AA480A6F080}" type="presOf" srcId="{70879558-61CA-4CCD-B2D6-5349B01EF337}" destId="{3EBE42F0-6491-49CC-95DC-985BA00CD458}" srcOrd="1" destOrd="0" presId="urn:microsoft.com/office/officeart/2005/8/layout/hList9"/>
+    <dgm:cxn modelId="{E1D1E23B-EC87-45CC-9E87-38B27A23764D}" type="presParOf" srcId="{0DC7A063-583D-4B0F-88B2-BD54F95D95AF}" destId="{3B23570A-ECC9-4DF8-BCB4-0465C69CBB88}" srcOrd="0" destOrd="0" presId="urn:microsoft.com/office/officeart/2005/8/layout/hList9"/>
+    <dgm:cxn modelId="{82537023-5CD7-4BB7-84CF-DE8196338CF2}" type="presParOf" srcId="{0DC7A063-583D-4B0F-88B2-BD54F95D95AF}" destId="{FC66A233-6BBA-46AF-B2F6-28E379B158E2}" srcOrd="1" destOrd="0" presId="urn:microsoft.com/office/officeart/2005/8/layout/hList9"/>
+    <dgm:cxn modelId="{5DFED7C8-2E54-4441-B032-3A4788B2A8D3}" type="presParOf" srcId="{FC66A233-6BBA-46AF-B2F6-28E379B158E2}" destId="{46739A04-1AA3-49C6-8EA7-EB1DE975B900}" srcOrd="0" destOrd="0" presId="urn:microsoft.com/office/officeart/2005/8/layout/hList9"/>
+    <dgm:cxn modelId="{59D81910-4316-4EAE-9A67-0B3EDF027306}" type="presParOf" srcId="{FC66A233-6BBA-46AF-B2F6-28E379B158E2}" destId="{535C6EC9-8098-42C5-8527-E62FF045E4EB}" srcOrd="1" destOrd="0" presId="urn:microsoft.com/office/officeart/2005/8/layout/hList9"/>
+    <dgm:cxn modelId="{C4FBC461-0B5D-4B7E-9CAF-A88B1223F18A}" type="presParOf" srcId="{535C6EC9-8098-42C5-8527-E62FF045E4EB}" destId="{6B08AC4B-4CEC-41E5-AE19-47A4E2720563}" srcOrd="0" destOrd="0" presId="urn:microsoft.com/office/officeart/2005/8/layout/hList9"/>
+    <dgm:cxn modelId="{16A1B336-CE68-4171-8D18-284543992BEA}" type="presParOf" srcId="{535C6EC9-8098-42C5-8527-E62FF045E4EB}" destId="{187D4E8C-5C91-4D00-870C-2C45D4EA263C}" srcOrd="1" destOrd="0" presId="urn:microsoft.com/office/officeart/2005/8/layout/hList9"/>
+    <dgm:cxn modelId="{7A41C261-6E27-4943-9CD0-4E08EB7E56A7}" type="presParOf" srcId="{FC66A233-6BBA-46AF-B2F6-28E379B158E2}" destId="{ADF61BBD-28F4-4815-BC7F-82CF00464E8B}" srcOrd="2" destOrd="0" presId="urn:microsoft.com/office/officeart/2005/8/layout/hList9"/>
+    <dgm:cxn modelId="{03CD72CE-2160-4837-B2C9-B73CABBC437B}" type="presParOf" srcId="{ADF61BBD-28F4-4815-BC7F-82CF00464E8B}" destId="{59179C9B-8BA4-4AC7-ACB1-A12DE00142E2}" srcOrd="0" destOrd="0" presId="urn:microsoft.com/office/officeart/2005/8/layout/hList9"/>
+    <dgm:cxn modelId="{F9662DB2-653F-4128-AA82-4C07C6F00722}" type="presParOf" srcId="{ADF61BBD-28F4-4815-BC7F-82CF00464E8B}" destId="{4AE7D907-B6F4-4647-AB3F-ABE94C438AE8}" srcOrd="1" destOrd="0" presId="urn:microsoft.com/office/officeart/2005/8/layout/hList9"/>
+    <dgm:cxn modelId="{03977053-B57D-4C39-B7C2-51CB96F9B4FC}" type="presParOf" srcId="{FC66A233-6BBA-46AF-B2F6-28E379B158E2}" destId="{E50A9A83-9985-4184-A476-E3402BD8E76E}" srcOrd="3" destOrd="0" presId="urn:microsoft.com/office/officeart/2005/8/layout/hList9"/>
+    <dgm:cxn modelId="{8AFFD233-399B-4D57-9BB6-80A351FA6A3B}" type="presParOf" srcId="{E50A9A83-9985-4184-A476-E3402BD8E76E}" destId="{1877502C-A892-4DC0-ADA6-FA065097BB90}" srcOrd="0" destOrd="0" presId="urn:microsoft.com/office/officeart/2005/8/layout/hList9"/>
+    <dgm:cxn modelId="{9909963A-5660-453F-8E99-8BCC82487A65}" type="presParOf" srcId="{E50A9A83-9985-4184-A476-E3402BD8E76E}" destId="{D685DD23-B321-4B5E-842F-394CB33239FA}" srcOrd="1" destOrd="0" presId="urn:microsoft.com/office/officeart/2005/8/layout/hList9"/>
+    <dgm:cxn modelId="{B628A148-8501-42F8-B49E-281D353B606E}" type="presParOf" srcId="{FC66A233-6BBA-46AF-B2F6-28E379B158E2}" destId="{E5677DE7-299C-4C9C-A4BC-6335CC601D12}" srcOrd="4" destOrd="0" presId="urn:microsoft.com/office/officeart/2005/8/layout/hList9"/>
+    <dgm:cxn modelId="{8D569982-26E1-4090-9C18-DC58158F325D}" type="presParOf" srcId="{E5677DE7-299C-4C9C-A4BC-6335CC601D12}" destId="{51F68A05-A560-4C6F-BC90-521AEF3B0907}" srcOrd="0" destOrd="0" presId="urn:microsoft.com/office/officeart/2005/8/layout/hList9"/>
+    <dgm:cxn modelId="{2FA9E744-008C-4725-86D6-3B7B8883E6D9}" type="presParOf" srcId="{E5677DE7-299C-4C9C-A4BC-6335CC601D12}" destId="{3EBE42F0-6491-49CC-95DC-985BA00CD458}" srcOrd="1" destOrd="0" presId="urn:microsoft.com/office/officeart/2005/8/layout/hList9"/>
+    <dgm:cxn modelId="{DEF99A7A-98F1-424D-AC92-7C6B69A0E544}" type="presParOf" srcId="{0DC7A063-583D-4B0F-88B2-BD54F95D95AF}" destId="{3845DB9A-BEF3-4D5D-B9C7-5FC0456401AC}" srcOrd="2" destOrd="0" presId="urn:microsoft.com/office/officeart/2005/8/layout/hList9"/>
+    <dgm:cxn modelId="{ACD8FD0D-39C9-49DB-B77E-B03522FDF5FC}" type="presParOf" srcId="{0DC7A063-583D-4B0F-88B2-BD54F95D95AF}" destId="{FC7ED273-8CFD-43C2-9C05-44FADF3E0637}" srcOrd="3" destOrd="0" presId="urn:microsoft.com/office/officeart/2005/8/layout/hList9"/>
+    <dgm:cxn modelId="{2C72EC61-81F4-4DCD-A533-255CBC66AE34}" type="presParOf" srcId="{0DC7A063-583D-4B0F-88B2-BD54F95D95AF}" destId="{13C564B0-C27E-4ABA-AFDA-59E145B256BA}" srcOrd="4" destOrd="0" presId="urn:microsoft.com/office/officeart/2005/8/layout/hList9"/>
+    <dgm:cxn modelId="{775600F8-FCFE-4862-8108-85F84EA9DEE2}" type="presParOf" srcId="{0DC7A063-583D-4B0F-88B2-BD54F95D95AF}" destId="{6300E233-87DF-4270-9808-160BFEB8A5BE}" srcOrd="5" destOrd="0" presId="urn:microsoft.com/office/officeart/2005/8/layout/hList9"/>
+    <dgm:cxn modelId="{AE3B7A69-67E7-41D2-BC1A-3586A3CC259D}" type="presParOf" srcId="{0DC7A063-583D-4B0F-88B2-BD54F95D95AF}" destId="{6E53DEF7-499E-42EE-802D-59B2F8915392}" srcOrd="6" destOrd="0" presId="urn:microsoft.com/office/officeart/2005/8/layout/hList9"/>
+    <dgm:cxn modelId="{76A9B804-07B5-4060-AA61-249A1765ECB9}" type="presParOf" srcId="{6E53DEF7-499E-42EE-802D-59B2F8915392}" destId="{E08C30D1-35EA-4D05-9731-5D01E3FCBD09}" srcOrd="0" destOrd="0" presId="urn:microsoft.com/office/officeart/2005/8/layout/hList9"/>
+    <dgm:cxn modelId="{6162898E-21FD-497B-BFEE-B78CF45F7D9A}" type="presParOf" srcId="{6E53DEF7-499E-42EE-802D-59B2F8915392}" destId="{2F3BD88A-9166-4A26-B941-B9BAEE1A11D5}" srcOrd="1" destOrd="0" presId="urn:microsoft.com/office/officeart/2005/8/layout/hList9"/>
+    <dgm:cxn modelId="{71D4EFDE-15BC-4327-9242-5F72F9DAFAD4}" type="presParOf" srcId="{2F3BD88A-9166-4A26-B941-B9BAEE1A11D5}" destId="{F660F4B9-35DB-4256-A868-A35C6DCCF6B2}" srcOrd="0" destOrd="0" presId="urn:microsoft.com/office/officeart/2005/8/layout/hList9"/>
+    <dgm:cxn modelId="{9B414BA4-2018-40DF-8E7D-AD7E78EF0217}" type="presParOf" srcId="{2F3BD88A-9166-4A26-B941-B9BAEE1A11D5}" destId="{10C9E3CF-3A8F-4100-8ACD-91E2373197A2}" srcOrd="1" destOrd="0" presId="urn:microsoft.com/office/officeart/2005/8/layout/hList9"/>
+    <dgm:cxn modelId="{28BA3997-5DD1-4713-9F4F-B2881F36E8DC}" type="presParOf" srcId="{6E53DEF7-499E-42EE-802D-59B2F8915392}" destId="{60887C36-4733-46AC-A452-5444F6BC3B23}" srcOrd="2" destOrd="0" presId="urn:microsoft.com/office/officeart/2005/8/layout/hList9"/>
+    <dgm:cxn modelId="{7A6208FE-C5A8-4871-9488-BEEAE472C061}" type="presParOf" srcId="{60887C36-4733-46AC-A452-5444F6BC3B23}" destId="{614EBA0E-D12B-447E-B378-B0FA2DEBEA2F}" srcOrd="0" destOrd="0" presId="urn:microsoft.com/office/officeart/2005/8/layout/hList9"/>
+    <dgm:cxn modelId="{2148A8C9-9BA6-45BD-9008-59301C4B49FC}" type="presParOf" srcId="{60887C36-4733-46AC-A452-5444F6BC3B23}" destId="{B12AEB83-0A64-4B36-BF01-B2F834861BAA}" srcOrd="1" destOrd="0" presId="urn:microsoft.com/office/officeart/2005/8/layout/hList9"/>
+    <dgm:cxn modelId="{32E6E4AD-0BFD-4285-AC4A-131E4A0904F2}" type="presParOf" srcId="{6E53DEF7-499E-42EE-802D-59B2F8915392}" destId="{3055F178-D8CA-413A-99F2-20C8231C0651}" srcOrd="3" destOrd="0" presId="urn:microsoft.com/office/officeart/2005/8/layout/hList9"/>
+    <dgm:cxn modelId="{A1DB4BC0-DADA-4058-A3BB-D04BE7DF689A}" type="presParOf" srcId="{3055F178-D8CA-413A-99F2-20C8231C0651}" destId="{68509703-D239-4E1B-8CF0-EF08079E1226}" srcOrd="0" destOrd="0" presId="urn:microsoft.com/office/officeart/2005/8/layout/hList9"/>
+    <dgm:cxn modelId="{5B5F83FC-F721-4241-90AB-7117B39AABD5}" type="presParOf" srcId="{3055F178-D8CA-413A-99F2-20C8231C0651}" destId="{E1767793-EDD5-4203-A612-8120A71CA906}" srcOrd="1" destOrd="0" presId="urn:microsoft.com/office/officeart/2005/8/layout/hList9"/>
+    <dgm:cxn modelId="{BEB6D2F7-BA85-402F-969C-FCD0964553AF}" type="presParOf" srcId="{6E53DEF7-499E-42EE-802D-59B2F8915392}" destId="{CD9453B6-7DF9-461C-A729-2A76924B180F}" srcOrd="4" destOrd="0" presId="urn:microsoft.com/office/officeart/2005/8/layout/hList9"/>
+    <dgm:cxn modelId="{D9D062BD-B709-4391-955F-7496A5AAB9EC}" type="presParOf" srcId="{CD9453B6-7DF9-461C-A729-2A76924B180F}" destId="{C2FA5ED9-6193-4272-AE12-125169DCCBBD}" srcOrd="0" destOrd="0" presId="urn:microsoft.com/office/officeart/2005/8/layout/hList9"/>
+    <dgm:cxn modelId="{6B0FEA24-84EA-40CD-8B8F-C3CEDDED6A16}" type="presParOf" srcId="{CD9453B6-7DF9-461C-A729-2A76924B180F}" destId="{C502B76B-48AF-469D-B6AC-E487DC04AD5E}" srcOrd="1" destOrd="0" presId="urn:microsoft.com/office/officeart/2005/8/layout/hList9"/>
+    <dgm:cxn modelId="{D8406746-50BE-425E-A523-9ED524500743}" type="presParOf" srcId="{0DC7A063-583D-4B0F-88B2-BD54F95D95AF}" destId="{69136330-53DB-4978-A56B-160862279381}" srcOrd="7" destOrd="0" presId="urn:microsoft.com/office/officeart/2005/8/layout/hList9"/>
+    <dgm:cxn modelId="{A91BC494-75AC-4CCA-8CC1-7E9884C2F3AD}" type="presParOf" srcId="{0DC7A063-583D-4B0F-88B2-BD54F95D95AF}" destId="{FD776C1E-557E-4553-9447-49B69EEC7907}" srcOrd="8" destOrd="0" presId="urn:microsoft.com/office/officeart/2005/8/layout/hList9"/>
+    <dgm:cxn modelId="{487F9920-08DF-4AC5-BA64-D35F42602B66}" type="presParOf" srcId="{0DC7A063-583D-4B0F-88B2-BD54F95D95AF}" destId="{FC2522F1-14BB-4B37-B60E-2E8A7E8A6C30}" srcOrd="9" destOrd="0" presId="urn:microsoft.com/office/officeart/2005/8/layout/hList9"/>
+    <dgm:cxn modelId="{DC194D92-7E98-42DD-A8CA-BCD1EDD2C95D}" type="presParOf" srcId="{0DC7A063-583D-4B0F-88B2-BD54F95D95AF}" destId="{2C2F6211-85A7-47FE-9239-DE94DF41A263}" srcOrd="10" destOrd="0" presId="urn:microsoft.com/office/officeart/2005/8/layout/hList9"/>
+    <dgm:cxn modelId="{575F4FD6-9E0F-4F5E-88EE-9B265B6FD4F4}" type="presParOf" srcId="{0DC7A063-583D-4B0F-88B2-BD54F95D95AF}" destId="{7B0C2EAE-70CB-4160-863D-210C3C66D5FD}" srcOrd="11" destOrd="0" presId="urn:microsoft.com/office/officeart/2005/8/layout/hList9"/>
+    <dgm:cxn modelId="{8AE96C49-A416-4FC7-84EE-2BDAF35C57FF}" type="presParOf" srcId="{7B0C2EAE-70CB-4160-863D-210C3C66D5FD}" destId="{5AF3752E-55A6-443C-AD35-C49DF50A4566}" srcOrd="0" destOrd="0" presId="urn:microsoft.com/office/officeart/2005/8/layout/hList9"/>
+    <dgm:cxn modelId="{235B263C-399E-4245-95BD-2AA1F19D4AB4}" type="presParOf" srcId="{7B0C2EAE-70CB-4160-863D-210C3C66D5FD}" destId="{53567A66-F0E9-4EF8-ADA9-764BA36AA6A9}" srcOrd="1" destOrd="0" presId="urn:microsoft.com/office/officeart/2005/8/layout/hList9"/>
+    <dgm:cxn modelId="{265DA8D6-D429-4956-8CB8-10EE7EF20F0C}" type="presParOf" srcId="{53567A66-F0E9-4EF8-ADA9-764BA36AA6A9}" destId="{AD2806AC-6A03-4F05-9F4D-F72EA0E56FBF}" srcOrd="0" destOrd="0" presId="urn:microsoft.com/office/officeart/2005/8/layout/hList9"/>
+    <dgm:cxn modelId="{35A8C2CA-EB30-45FD-8152-A7470BE42B4C}" type="presParOf" srcId="{53567A66-F0E9-4EF8-ADA9-764BA36AA6A9}" destId="{F8977219-728E-448F-AE8B-46B14F4F17DE}" srcOrd="1" destOrd="0" presId="urn:microsoft.com/office/officeart/2005/8/layout/hList9"/>
+    <dgm:cxn modelId="{6ACEADBE-023B-4505-93FF-04069F754490}" type="presParOf" srcId="{7B0C2EAE-70CB-4160-863D-210C3C66D5FD}" destId="{46A8623B-DC64-4ED6-B73D-98FEAB030508}" srcOrd="2" destOrd="0" presId="urn:microsoft.com/office/officeart/2005/8/layout/hList9"/>
+    <dgm:cxn modelId="{AD010A9C-D63C-4BD8-BA56-A4D20026F974}" type="presParOf" srcId="{46A8623B-DC64-4ED6-B73D-98FEAB030508}" destId="{5314AADB-0AD3-4BAE-9F15-B0FE4F44C802}" srcOrd="0" destOrd="0" presId="urn:microsoft.com/office/officeart/2005/8/layout/hList9"/>
+    <dgm:cxn modelId="{10F973FE-8000-468C-900B-4ED99BE40E65}" type="presParOf" srcId="{46A8623B-DC64-4ED6-B73D-98FEAB030508}" destId="{96624143-7928-48E9-817F-BC4A07250C32}" srcOrd="1" destOrd="0" presId="urn:microsoft.com/office/officeart/2005/8/layout/hList9"/>
+    <dgm:cxn modelId="{7AE9F846-35F0-4965-A50D-E846F437A4D3}" type="presParOf" srcId="{7B0C2EAE-70CB-4160-863D-210C3C66D5FD}" destId="{82602046-1952-4D45-A6EE-0BF451CD61DD}" srcOrd="3" destOrd="0" presId="urn:microsoft.com/office/officeart/2005/8/layout/hList9"/>
+    <dgm:cxn modelId="{3263D6B8-CDAA-4424-8A86-7B89CC138725}" type="presParOf" srcId="{82602046-1952-4D45-A6EE-0BF451CD61DD}" destId="{2C25B9A8-296C-4B38-B2D5-77934B9B3D6F}" srcOrd="0" destOrd="0" presId="urn:microsoft.com/office/officeart/2005/8/layout/hList9"/>
+    <dgm:cxn modelId="{E0852AD5-F1B4-4C1F-A299-C3C5AF243896}" type="presParOf" srcId="{82602046-1952-4D45-A6EE-0BF451CD61DD}" destId="{AC6748CF-2E6E-4F6D-AD83-272912B7C127}" srcOrd="1" destOrd="0" presId="urn:microsoft.com/office/officeart/2005/8/layout/hList9"/>
+    <dgm:cxn modelId="{9E83DAC9-9CBE-4AE0-847D-8808BF7F1C9D}" type="presParOf" srcId="{7B0C2EAE-70CB-4160-863D-210C3C66D5FD}" destId="{0B71BEAF-42DC-4E15-8C9E-7146C8C0AA10}" srcOrd="4" destOrd="0" presId="urn:microsoft.com/office/officeart/2005/8/layout/hList9"/>
+    <dgm:cxn modelId="{C50AF402-AC7F-4F91-9ECC-C1F8B6B71CDD}" type="presParOf" srcId="{0B71BEAF-42DC-4E15-8C9E-7146C8C0AA10}" destId="{92809064-2543-4FD9-BF7E-6960E0917672}" srcOrd="0" destOrd="0" presId="urn:microsoft.com/office/officeart/2005/8/layout/hList9"/>
+    <dgm:cxn modelId="{75DCDE8F-D83C-4477-85E3-4BED4E3DB2A3}" type="presParOf" srcId="{0B71BEAF-42DC-4E15-8C9E-7146C8C0AA10}" destId="{E18AA0DC-13CE-4E93-AFA1-C31FD0744A32}" srcOrd="1" destOrd="0" presId="urn:microsoft.com/office/officeart/2005/8/layout/hList9"/>
+    <dgm:cxn modelId="{EF3F399A-E096-436A-AD74-CF747D62B02A}" type="presParOf" srcId="{0DC7A063-583D-4B0F-88B2-BD54F95D95AF}" destId="{FBCC4E74-37C0-494F-ABC0-7D18132E1437}" srcOrd="12" destOrd="0" presId="urn:microsoft.com/office/officeart/2005/8/layout/hList9"/>
+    <dgm:cxn modelId="{5EA17F20-F6C6-4B5A-AFEB-38BD8F975065}" type="presParOf" srcId="{0DC7A063-583D-4B0F-88B2-BD54F95D95AF}" destId="{89E6DA6E-7A23-44BD-8A99-378091FF741D}" srcOrd="13" destOrd="0" presId="urn:microsoft.com/office/officeart/2005/8/layout/hList9"/>
+  </dgm:cxnLst>
+  <dgm:bg/>
+  <dgm:whole/>
+  <dgm:extLst>
+    <a:ext uri="http://schemas.microsoft.com/office/drawing/2008/diagram">
+      <dsp:dataModelExt xmlns:dsp="http://schemas.microsoft.com/office/drawing/2008/diagram" relId="rId6" minVer="http://schemas.openxmlformats.org/drawingml/2006/diagram"/>
+    </a:ext>
+  </dgm:extLst>
+</dgm:dataModel>
+</file>
+
+<file path=ppt/diagrams/data2.xml><?xml version="1.0" encoding="utf-8"?>
+<dgm:dataModel xmlns:dgm="http://schemas.openxmlformats.org/drawingml/2006/diagram" xmlns:a="http://schemas.openxmlformats.org/drawingml/2006/main">
+  <dgm:ptLst>
+    <dgm:pt modelId="{00C18FBF-3FF5-4C16-97CF-AF03740D7AB6}" type="doc">
+      <dgm:prSet loTypeId="urn:microsoft.com/office/officeart/2005/8/layout/hList9" loCatId="list" qsTypeId="urn:microsoft.com/office/officeart/2005/8/quickstyle/simple4" qsCatId="simple" csTypeId="urn:microsoft.com/office/officeart/2005/8/colors/accent1_2" csCatId="accent1" phldr="1"/>
+      <dgm:spPr/>
+      <dgm:t>
+        <a:bodyPr/>
+        <a:lstStyle/>
+        <a:p>
+          <a:endParaRPr lang="en-US"/>
+        </a:p>
+      </dgm:t>
+    </dgm:pt>
+    <dgm:pt modelId="{B4F1B46E-22B2-4721-950C-8704487586DC}">
+      <dgm:prSet phldrT="[Text]"/>
+      <dgm:spPr/>
+      <dgm:t>
+        <a:bodyPr/>
+        <a:lstStyle/>
+        <a:p>
+          <a:r>
+            <a:rPr lang="en-US" dirty="0"/>
+            <a:t>L4: Choices</a:t>
+          </a:r>
+        </a:p>
+      </dgm:t>
+    </dgm:pt>
+    <dgm:pt modelId="{E8A66543-CC4D-4785-A93E-5B125E09F826}" type="parTrans" cxnId="{2C8317B2-2EBB-4589-86EA-C77B3B6E81AA}">
+      <dgm:prSet/>
+      <dgm:spPr/>
+      <dgm:t>
+        <a:bodyPr/>
+        <a:lstStyle/>
+        <a:p>
+          <a:endParaRPr lang="en-US"/>
+        </a:p>
+      </dgm:t>
+    </dgm:pt>
+    <dgm:pt modelId="{A7E2530A-34E2-4E9F-BC78-8920BA140C41}" type="sibTrans" cxnId="{2C8317B2-2EBB-4589-86EA-C77B3B6E81AA}">
+      <dgm:prSet/>
+      <dgm:spPr/>
+      <dgm:t>
+        <a:bodyPr/>
+        <a:lstStyle/>
+        <a:p>
+          <a:endParaRPr lang="en-US"/>
+        </a:p>
+      </dgm:t>
+    </dgm:pt>
+    <dgm:pt modelId="{9D72CDD3-5859-43DB-BD75-0C3C30E3DE62}">
+      <dgm:prSet phldrT="[Text]"/>
+      <dgm:spPr/>
+      <dgm:t>
+        <a:bodyPr/>
+        <a:lstStyle/>
+        <a:p>
+          <a:r>
+            <a:rPr lang="en-US" dirty="0"/>
+            <a:t>Task description</a:t>
+          </a:r>
+        </a:p>
+      </dgm:t>
+    </dgm:pt>
+    <dgm:pt modelId="{1D5B1F83-33A7-4298-BC11-2B1252AFAEA5}" type="parTrans" cxnId="{DDB5AD9A-40B0-48EF-AF2C-8CCDA330F7FE}">
+      <dgm:prSet/>
+      <dgm:spPr/>
+      <dgm:t>
+        <a:bodyPr/>
+        <a:lstStyle/>
+        <a:p>
+          <a:endParaRPr lang="en-US"/>
+        </a:p>
+      </dgm:t>
+    </dgm:pt>
+    <dgm:pt modelId="{15E25BD4-1EBF-43C2-8885-DBF66B8429E1}" type="sibTrans" cxnId="{DDB5AD9A-40B0-48EF-AF2C-8CCDA330F7FE}">
+      <dgm:prSet/>
+      <dgm:spPr/>
+      <dgm:t>
+        <a:bodyPr/>
+        <a:lstStyle/>
+        <a:p>
+          <a:endParaRPr lang="en-US"/>
+        </a:p>
+      </dgm:t>
+    </dgm:pt>
+    <dgm:pt modelId="{F9D46839-CD06-4669-AAE4-4D1E9AFEDA78}">
+      <dgm:prSet phldrT="[Text]"/>
+      <dgm:spPr/>
+      <dgm:t>
+        <a:bodyPr/>
+        <a:lstStyle/>
+        <a:p>
+          <a:r>
+            <a:rPr lang="en-US" dirty="0"/>
+            <a:t>Task description</a:t>
+          </a:r>
+        </a:p>
+      </dgm:t>
+    </dgm:pt>
+    <dgm:pt modelId="{B6B535D8-00AB-4FA1-AAEC-92498ABC6F4C}" type="parTrans" cxnId="{AD25A8A0-4628-40E2-8C9E-64E6AD4D4D91}">
+      <dgm:prSet/>
+      <dgm:spPr/>
+      <dgm:t>
+        <a:bodyPr/>
+        <a:lstStyle/>
+        <a:p>
+          <a:endParaRPr lang="en-US"/>
+        </a:p>
+      </dgm:t>
+    </dgm:pt>
+    <dgm:pt modelId="{6497F199-DC2A-41F9-A449-D395E6BC4900}" type="sibTrans" cxnId="{AD25A8A0-4628-40E2-8C9E-64E6AD4D4D91}">
+      <dgm:prSet/>
+      <dgm:spPr/>
+      <dgm:t>
+        <a:bodyPr/>
+        <a:lstStyle/>
+        <a:p>
+          <a:endParaRPr lang="en-US"/>
+        </a:p>
+      </dgm:t>
+    </dgm:pt>
+    <dgm:pt modelId="{7CB6360B-4022-4E96-922B-A12DE0E2A39F}">
+      <dgm:prSet phldrT="[Text]"/>
+      <dgm:spPr/>
+      <dgm:t>
+        <a:bodyPr/>
+        <a:lstStyle/>
+        <a:p>
+          <a:r>
+            <a:rPr lang="en-US" dirty="0"/>
+            <a:t>Task description</a:t>
+          </a:r>
+        </a:p>
+      </dgm:t>
+    </dgm:pt>
+    <dgm:pt modelId="{44B2858F-607B-47DF-B44B-EA7D73FDC9F2}" type="parTrans" cxnId="{CD5EFFB3-C9FD-4DAC-8D97-0C2FB02B380B}">
+      <dgm:prSet/>
+      <dgm:spPr/>
+      <dgm:t>
+        <a:bodyPr/>
+        <a:lstStyle/>
+        <a:p>
+          <a:endParaRPr lang="en-US"/>
+        </a:p>
+      </dgm:t>
+    </dgm:pt>
+    <dgm:pt modelId="{B35ED9D1-2A17-4034-8D08-4945CA54F6C9}" type="sibTrans" cxnId="{CD5EFFB3-C9FD-4DAC-8D97-0C2FB02B380B}">
+      <dgm:prSet/>
+      <dgm:spPr/>
+      <dgm:t>
+        <a:bodyPr/>
+        <a:lstStyle/>
+        <a:p>
+          <a:endParaRPr lang="en-US"/>
+        </a:p>
+      </dgm:t>
+    </dgm:pt>
+    <dgm:pt modelId="{70879558-61CA-4CCD-B2D6-5349B01EF337}">
+      <dgm:prSet phldrT="[Text]"/>
+      <dgm:spPr/>
+      <dgm:t>
+        <a:bodyPr/>
+        <a:lstStyle/>
+        <a:p>
+          <a:r>
+            <a:rPr lang="en-US" dirty="0"/>
+            <a:t>Task description</a:t>
+          </a:r>
+        </a:p>
+      </dgm:t>
+    </dgm:pt>
+    <dgm:pt modelId="{95F5E6EE-4E8D-49F8-8C9E-8BBFD01B6A0E}" type="parTrans" cxnId="{8FAB4659-6291-457D-941A-93BCD304031A}">
+      <dgm:prSet/>
+      <dgm:spPr/>
+      <dgm:t>
+        <a:bodyPr/>
+        <a:lstStyle/>
+        <a:p>
+          <a:endParaRPr lang="en-US"/>
+        </a:p>
+      </dgm:t>
+    </dgm:pt>
+    <dgm:pt modelId="{053E317B-DD3F-4AFF-90D1-A55D37D325DC}" type="sibTrans" cxnId="{8FAB4659-6291-457D-941A-93BCD304031A}">
+      <dgm:prSet/>
+      <dgm:spPr/>
+      <dgm:t>
+        <a:bodyPr/>
+        <a:lstStyle/>
+        <a:p>
+          <a:endParaRPr lang="en-US"/>
+        </a:p>
+      </dgm:t>
+    </dgm:pt>
+    <dgm:pt modelId="{F2881FB1-6580-4F21-A283-BFAA6F91D5D2}">
+      <dgm:prSet phldrT="[Text]"/>
+      <dgm:spPr/>
+      <dgm:t>
+        <a:bodyPr/>
+        <a:lstStyle/>
+        <a:p>
+          <a:r>
+            <a:rPr lang="en-US" dirty="0"/>
+            <a:t>L5: Time Horizons</a:t>
+          </a:r>
+        </a:p>
+      </dgm:t>
+    </dgm:pt>
+    <dgm:pt modelId="{2D960FDD-BADA-480D-9043-497C56588AD3}" type="parTrans" cxnId="{4A31D641-1B5D-46D3-B685-0C4DC6EFE71B}">
+      <dgm:prSet/>
+      <dgm:spPr/>
+      <dgm:t>
+        <a:bodyPr/>
+        <a:lstStyle/>
+        <a:p>
+          <a:endParaRPr lang="en-US"/>
+        </a:p>
+      </dgm:t>
+    </dgm:pt>
+    <dgm:pt modelId="{A5ABDC17-7AB5-4F0E-992A-F9343F5D74EB}" type="sibTrans" cxnId="{4A31D641-1B5D-46D3-B685-0C4DC6EFE71B}">
+      <dgm:prSet/>
+      <dgm:spPr/>
+      <dgm:t>
+        <a:bodyPr/>
+        <a:lstStyle/>
+        <a:p>
+          <a:endParaRPr lang="en-US"/>
+        </a:p>
+      </dgm:t>
+    </dgm:pt>
+    <dgm:pt modelId="{D5197DDB-D5D2-499F-B255-CF7BB5AE2B43}">
+      <dgm:prSet phldrT="[Text]"/>
+      <dgm:spPr/>
+      <dgm:t>
+        <a:bodyPr/>
+        <a:lstStyle/>
+        <a:p>
+          <a:r>
+            <a:rPr lang="en-US" dirty="0"/>
+            <a:t>Task description</a:t>
+          </a:r>
+        </a:p>
+      </dgm:t>
+    </dgm:pt>
+    <dgm:pt modelId="{B14A4DC9-F40A-4867-ADB8-4BA8A1F83766}" type="parTrans" cxnId="{3204ED53-15A0-4643-A582-021A785F1BA2}">
+      <dgm:prSet/>
+      <dgm:spPr/>
+      <dgm:t>
+        <a:bodyPr/>
+        <a:lstStyle/>
+        <a:p>
+          <a:endParaRPr lang="en-US"/>
+        </a:p>
+      </dgm:t>
+    </dgm:pt>
+    <dgm:pt modelId="{29F2454A-2FA8-4B3A-AC63-4A0B9FD04A75}" type="sibTrans" cxnId="{3204ED53-15A0-4643-A582-021A785F1BA2}">
+      <dgm:prSet/>
+      <dgm:spPr/>
+      <dgm:t>
+        <a:bodyPr/>
+        <a:lstStyle/>
+        <a:p>
+          <a:endParaRPr lang="en-US"/>
+        </a:p>
+      </dgm:t>
+    </dgm:pt>
+    <dgm:pt modelId="{29E78340-8EBE-415C-B973-78A91A054B9C}">
+      <dgm:prSet phldrT="[Text]"/>
+      <dgm:spPr/>
+      <dgm:t>
+        <a:bodyPr/>
+        <a:lstStyle/>
+        <a:p>
+          <a:r>
+            <a:rPr lang="en-US" dirty="0"/>
+            <a:t>Task description</a:t>
+          </a:r>
+        </a:p>
+      </dgm:t>
+    </dgm:pt>
+    <dgm:pt modelId="{FF4E5F97-6974-4E39-A85D-DCB2E100798E}" type="parTrans" cxnId="{311348D8-FDE3-4C22-99F5-3B98C5F51F0D}">
+      <dgm:prSet/>
+      <dgm:spPr/>
+      <dgm:t>
+        <a:bodyPr/>
+        <a:lstStyle/>
+        <a:p>
+          <a:endParaRPr lang="en-US"/>
+        </a:p>
+      </dgm:t>
+    </dgm:pt>
+    <dgm:pt modelId="{B4B9A51E-FA34-465E-B5B4-81CD76EB3FC2}" type="sibTrans" cxnId="{311348D8-FDE3-4C22-99F5-3B98C5F51F0D}">
+      <dgm:prSet/>
+      <dgm:spPr/>
+      <dgm:t>
+        <a:bodyPr/>
+        <a:lstStyle/>
+        <a:p>
+          <a:endParaRPr lang="en-US"/>
+        </a:p>
+      </dgm:t>
+    </dgm:pt>
+    <dgm:pt modelId="{8321AB85-EA8C-4958-B404-B4C118CB3C18}">
+      <dgm:prSet phldrT="[Text]"/>
+      <dgm:spPr/>
+      <dgm:t>
+        <a:bodyPr/>
+        <a:lstStyle/>
+        <a:p>
+          <a:r>
+            <a:rPr lang="en-US" dirty="0"/>
+            <a:t>Task description</a:t>
+          </a:r>
+        </a:p>
+      </dgm:t>
+    </dgm:pt>
+    <dgm:pt modelId="{24ABE8B3-7220-436D-9636-F7B4C0B99576}" type="parTrans" cxnId="{129AEA77-5D2A-49D4-956D-99009974B6C5}">
+      <dgm:prSet/>
+      <dgm:spPr/>
+      <dgm:t>
+        <a:bodyPr/>
+        <a:lstStyle/>
+        <a:p>
+          <a:endParaRPr lang="en-US"/>
+        </a:p>
+      </dgm:t>
+    </dgm:pt>
+    <dgm:pt modelId="{AA5F76CE-8FD4-4692-8BB1-EF84CF9D365E}" type="sibTrans" cxnId="{129AEA77-5D2A-49D4-956D-99009974B6C5}">
+      <dgm:prSet/>
+      <dgm:spPr/>
+      <dgm:t>
+        <a:bodyPr/>
+        <a:lstStyle/>
+        <a:p>
+          <a:endParaRPr lang="en-US"/>
+        </a:p>
+      </dgm:t>
+    </dgm:pt>
+    <dgm:pt modelId="{6352CA33-6755-44BE-808F-400DA4CF80A7}">
+      <dgm:prSet phldrT="[Text]"/>
+      <dgm:spPr/>
+      <dgm:t>
+        <a:bodyPr/>
+        <a:lstStyle/>
+        <a:p>
+          <a:r>
+            <a:rPr lang="en-US" dirty="0"/>
+            <a:t>L6: Techniques and Tools</a:t>
+          </a:r>
+        </a:p>
+      </dgm:t>
+    </dgm:pt>
+    <dgm:pt modelId="{AEB59203-63BA-4A96-BADC-40BAEBD9AA40}" type="parTrans" cxnId="{82BAE5DD-3A79-4870-9019-1254385E0650}">
+      <dgm:prSet/>
+      <dgm:spPr/>
+      <dgm:t>
+        <a:bodyPr/>
+        <a:lstStyle/>
+        <a:p>
+          <a:endParaRPr lang="en-US"/>
+        </a:p>
+      </dgm:t>
+    </dgm:pt>
+    <dgm:pt modelId="{AAB4CF73-4B9B-4AA0-9074-16C2D2AE00A1}" type="sibTrans" cxnId="{82BAE5DD-3A79-4870-9019-1254385E0650}">
+      <dgm:prSet/>
+      <dgm:spPr/>
+      <dgm:t>
+        <a:bodyPr/>
+        <a:lstStyle/>
+        <a:p>
+          <a:endParaRPr lang="en-US"/>
+        </a:p>
+      </dgm:t>
+    </dgm:pt>
+    <dgm:pt modelId="{9614A323-64B1-4077-A841-022051EC749A}">
+      <dgm:prSet phldrT="[Text]"/>
+      <dgm:spPr/>
+      <dgm:t>
+        <a:bodyPr/>
+        <a:lstStyle/>
+        <a:p>
+          <a:r>
+            <a:rPr lang="en-US" dirty="0"/>
+            <a:t>Task description</a:t>
+          </a:r>
+        </a:p>
+      </dgm:t>
+    </dgm:pt>
+    <dgm:pt modelId="{E5F6BCBD-B84E-4018-BE9E-BF57FF3B4B36}" type="parTrans" cxnId="{FC7BD086-74EA-4D6C-9657-E916D355F209}">
+      <dgm:prSet/>
+      <dgm:spPr/>
+      <dgm:t>
+        <a:bodyPr/>
+        <a:lstStyle/>
+        <a:p>
+          <a:endParaRPr lang="en-US"/>
+        </a:p>
+      </dgm:t>
+    </dgm:pt>
+    <dgm:pt modelId="{FEC2A79F-8857-403A-A738-E8CE75C965E2}" type="sibTrans" cxnId="{FC7BD086-74EA-4D6C-9657-E916D355F209}">
+      <dgm:prSet/>
+      <dgm:spPr/>
+      <dgm:t>
+        <a:bodyPr/>
+        <a:lstStyle/>
+        <a:p>
+          <a:endParaRPr lang="en-US"/>
+        </a:p>
+      </dgm:t>
+    </dgm:pt>
+    <dgm:pt modelId="{3D5CDB25-F8FA-444B-8D4A-1D29D0CBA282}">
+      <dgm:prSet phldrT="[Text]"/>
+      <dgm:spPr/>
+      <dgm:t>
+        <a:bodyPr/>
+        <a:lstStyle/>
+        <a:p>
+          <a:r>
+            <a:rPr lang="en-US" dirty="0"/>
+            <a:t>Task description</a:t>
+          </a:r>
+        </a:p>
+      </dgm:t>
+    </dgm:pt>
+    <dgm:pt modelId="{4C229933-AC16-44B7-98EC-4C0F07FABCB0}" type="parTrans" cxnId="{2E3C97E6-67D4-4948-B47A-1115C2B2979F}">
+      <dgm:prSet/>
+      <dgm:spPr/>
+      <dgm:t>
+        <a:bodyPr/>
+        <a:lstStyle/>
+        <a:p>
+          <a:endParaRPr lang="en-US"/>
+        </a:p>
+      </dgm:t>
+    </dgm:pt>
+    <dgm:pt modelId="{189DA4C5-2A22-4C71-A806-7B4AB57767CC}" type="sibTrans" cxnId="{2E3C97E6-67D4-4948-B47A-1115C2B2979F}">
+      <dgm:prSet/>
+      <dgm:spPr/>
+      <dgm:t>
+        <a:bodyPr/>
+        <a:lstStyle/>
+        <a:p>
+          <a:endParaRPr lang="en-US"/>
+        </a:p>
+      </dgm:t>
+    </dgm:pt>
+    <dgm:pt modelId="{0DC7A063-583D-4B0F-88B2-BD54F95D95AF}" type="pres">
+      <dgm:prSet presAssocID="{00C18FBF-3FF5-4C16-97CF-AF03740D7AB6}" presName="list" presStyleCnt="0">
+        <dgm:presLayoutVars>
+          <dgm:dir/>
+          <dgm:animLvl val="lvl"/>
+        </dgm:presLayoutVars>
+      </dgm:prSet>
+      <dgm:spPr/>
+    </dgm:pt>
+    <dgm:pt modelId="{3B23570A-ECC9-4DF8-BCB4-0465C69CBB88}" type="pres">
+      <dgm:prSet presAssocID="{B4F1B46E-22B2-4721-950C-8704487586DC}" presName="posSpace" presStyleCnt="0"/>
+      <dgm:spPr/>
+    </dgm:pt>
+    <dgm:pt modelId="{FC66A233-6BBA-46AF-B2F6-28E379B158E2}" type="pres">
+      <dgm:prSet presAssocID="{B4F1B46E-22B2-4721-950C-8704487586DC}" presName="vertFlow" presStyleCnt="0"/>
+      <dgm:spPr/>
+    </dgm:pt>
+    <dgm:pt modelId="{46739A04-1AA3-49C6-8EA7-EB1DE975B900}" type="pres">
+      <dgm:prSet presAssocID="{B4F1B46E-22B2-4721-950C-8704487586DC}" presName="topSpace" presStyleCnt="0"/>
+      <dgm:spPr/>
+    </dgm:pt>
+    <dgm:pt modelId="{535C6EC9-8098-42C5-8527-E62FF045E4EB}" type="pres">
+      <dgm:prSet presAssocID="{B4F1B46E-22B2-4721-950C-8704487586DC}" presName="firstComp" presStyleCnt="0"/>
+      <dgm:spPr/>
+    </dgm:pt>
+    <dgm:pt modelId="{6B08AC4B-4CEC-41E5-AE19-47A4E2720563}" type="pres">
+      <dgm:prSet presAssocID="{B4F1B46E-22B2-4721-950C-8704487586DC}" presName="firstChild" presStyleLbl="bgAccFollowNode1" presStyleIdx="0" presStyleCnt="9"/>
+      <dgm:spPr/>
+    </dgm:pt>
+    <dgm:pt modelId="{187D4E8C-5C91-4D00-870C-2C45D4EA263C}" type="pres">
+      <dgm:prSet presAssocID="{B4F1B46E-22B2-4721-950C-8704487586DC}" presName="firstChildTx" presStyleLbl="bgAccFollowNode1" presStyleIdx="0" presStyleCnt="9">
+        <dgm:presLayoutVars>
+          <dgm:bulletEnabled val="1"/>
+        </dgm:presLayoutVars>
+      </dgm:prSet>
+      <dgm:spPr/>
+    </dgm:pt>
+    <dgm:pt modelId="{ADF61BBD-28F4-4815-BC7F-82CF00464E8B}" type="pres">
+      <dgm:prSet presAssocID="{F9D46839-CD06-4669-AAE4-4D1E9AFEDA78}" presName="comp" presStyleCnt="0"/>
+      <dgm:spPr/>
+    </dgm:pt>
+    <dgm:pt modelId="{59179C9B-8BA4-4AC7-ACB1-A12DE00142E2}" type="pres">
+      <dgm:prSet presAssocID="{F9D46839-CD06-4669-AAE4-4D1E9AFEDA78}" presName="child" presStyleLbl="bgAccFollowNode1" presStyleIdx="1" presStyleCnt="9"/>
+      <dgm:spPr/>
+    </dgm:pt>
+    <dgm:pt modelId="{4AE7D907-B6F4-4647-AB3F-ABE94C438AE8}" type="pres">
+      <dgm:prSet presAssocID="{F9D46839-CD06-4669-AAE4-4D1E9AFEDA78}" presName="childTx" presStyleLbl="bgAccFollowNode1" presStyleIdx="1" presStyleCnt="9">
+        <dgm:presLayoutVars>
+          <dgm:bulletEnabled val="1"/>
+        </dgm:presLayoutVars>
+      </dgm:prSet>
+      <dgm:spPr/>
+    </dgm:pt>
+    <dgm:pt modelId="{E50A9A83-9985-4184-A476-E3402BD8E76E}" type="pres">
+      <dgm:prSet presAssocID="{7CB6360B-4022-4E96-922B-A12DE0E2A39F}" presName="comp" presStyleCnt="0"/>
+      <dgm:spPr/>
+    </dgm:pt>
+    <dgm:pt modelId="{1877502C-A892-4DC0-ADA6-FA065097BB90}" type="pres">
+      <dgm:prSet presAssocID="{7CB6360B-4022-4E96-922B-A12DE0E2A39F}" presName="child" presStyleLbl="bgAccFollowNode1" presStyleIdx="2" presStyleCnt="9"/>
+      <dgm:spPr/>
+    </dgm:pt>
+    <dgm:pt modelId="{D685DD23-B321-4B5E-842F-394CB33239FA}" type="pres">
+      <dgm:prSet presAssocID="{7CB6360B-4022-4E96-922B-A12DE0E2A39F}" presName="childTx" presStyleLbl="bgAccFollowNode1" presStyleIdx="2" presStyleCnt="9">
+        <dgm:presLayoutVars>
+          <dgm:bulletEnabled val="1"/>
+        </dgm:presLayoutVars>
+      </dgm:prSet>
+      <dgm:spPr/>
+    </dgm:pt>
+    <dgm:pt modelId="{E5677DE7-299C-4C9C-A4BC-6335CC601D12}" type="pres">
+      <dgm:prSet presAssocID="{70879558-61CA-4CCD-B2D6-5349B01EF337}" presName="comp" presStyleCnt="0"/>
+      <dgm:spPr/>
+    </dgm:pt>
+    <dgm:pt modelId="{51F68A05-A560-4C6F-BC90-521AEF3B0907}" type="pres">
+      <dgm:prSet presAssocID="{70879558-61CA-4CCD-B2D6-5349B01EF337}" presName="child" presStyleLbl="bgAccFollowNode1" presStyleIdx="3" presStyleCnt="9"/>
+      <dgm:spPr/>
+    </dgm:pt>
+    <dgm:pt modelId="{3EBE42F0-6491-49CC-95DC-985BA00CD458}" type="pres">
+      <dgm:prSet presAssocID="{70879558-61CA-4CCD-B2D6-5349B01EF337}" presName="childTx" presStyleLbl="bgAccFollowNode1" presStyleIdx="3" presStyleCnt="9">
+        <dgm:presLayoutVars>
+          <dgm:bulletEnabled val="1"/>
+        </dgm:presLayoutVars>
+      </dgm:prSet>
+      <dgm:spPr/>
+    </dgm:pt>
+    <dgm:pt modelId="{3845DB9A-BEF3-4D5D-B9C7-5FC0456401AC}" type="pres">
+      <dgm:prSet presAssocID="{B4F1B46E-22B2-4721-950C-8704487586DC}" presName="negSpace" presStyleCnt="0"/>
+      <dgm:spPr/>
+    </dgm:pt>
+    <dgm:pt modelId="{FC7ED273-8CFD-43C2-9C05-44FADF3E0637}" type="pres">
+      <dgm:prSet presAssocID="{B4F1B46E-22B2-4721-950C-8704487586DC}" presName="circle" presStyleLbl="node1" presStyleIdx="0" presStyleCnt="3"/>
+      <dgm:spPr/>
+    </dgm:pt>
+    <dgm:pt modelId="{13C564B0-C27E-4ABA-AFDA-59E145B256BA}" type="pres">
+      <dgm:prSet presAssocID="{A7E2530A-34E2-4E9F-BC78-8920BA140C41}" presName="transSpace" presStyleCnt="0"/>
+      <dgm:spPr/>
+    </dgm:pt>
+    <dgm:pt modelId="{6300E233-87DF-4270-9808-160BFEB8A5BE}" type="pres">
+      <dgm:prSet presAssocID="{F2881FB1-6580-4F21-A283-BFAA6F91D5D2}" presName="posSpace" presStyleCnt="0"/>
+      <dgm:spPr/>
+    </dgm:pt>
+    <dgm:pt modelId="{6E53DEF7-499E-42EE-802D-59B2F8915392}" type="pres">
+      <dgm:prSet presAssocID="{F2881FB1-6580-4F21-A283-BFAA6F91D5D2}" presName="vertFlow" presStyleCnt="0"/>
+      <dgm:spPr/>
+    </dgm:pt>
+    <dgm:pt modelId="{E08C30D1-35EA-4D05-9731-5D01E3FCBD09}" type="pres">
+      <dgm:prSet presAssocID="{F2881FB1-6580-4F21-A283-BFAA6F91D5D2}" presName="topSpace" presStyleCnt="0"/>
+      <dgm:spPr/>
+    </dgm:pt>
+    <dgm:pt modelId="{2F3BD88A-9166-4A26-B941-B9BAEE1A11D5}" type="pres">
+      <dgm:prSet presAssocID="{F2881FB1-6580-4F21-A283-BFAA6F91D5D2}" presName="firstComp" presStyleCnt="0"/>
+      <dgm:spPr/>
+    </dgm:pt>
+    <dgm:pt modelId="{F660F4B9-35DB-4256-A868-A35C6DCCF6B2}" type="pres">
+      <dgm:prSet presAssocID="{F2881FB1-6580-4F21-A283-BFAA6F91D5D2}" presName="firstChild" presStyleLbl="bgAccFollowNode1" presStyleIdx="4" presStyleCnt="9"/>
+      <dgm:spPr/>
+    </dgm:pt>
+    <dgm:pt modelId="{10C9E3CF-3A8F-4100-8ACD-91E2373197A2}" type="pres">
+      <dgm:prSet presAssocID="{F2881FB1-6580-4F21-A283-BFAA6F91D5D2}" presName="firstChildTx" presStyleLbl="bgAccFollowNode1" presStyleIdx="4" presStyleCnt="9">
+        <dgm:presLayoutVars>
+          <dgm:bulletEnabled val="1"/>
+        </dgm:presLayoutVars>
+      </dgm:prSet>
+      <dgm:spPr/>
+    </dgm:pt>
+    <dgm:pt modelId="{60887C36-4733-46AC-A452-5444F6BC3B23}" type="pres">
+      <dgm:prSet presAssocID="{29E78340-8EBE-415C-B973-78A91A054B9C}" presName="comp" presStyleCnt="0"/>
+      <dgm:spPr/>
+    </dgm:pt>
+    <dgm:pt modelId="{614EBA0E-D12B-447E-B378-B0FA2DEBEA2F}" type="pres">
+      <dgm:prSet presAssocID="{29E78340-8EBE-415C-B973-78A91A054B9C}" presName="child" presStyleLbl="bgAccFollowNode1" presStyleIdx="5" presStyleCnt="9"/>
+      <dgm:spPr/>
+    </dgm:pt>
+    <dgm:pt modelId="{B12AEB83-0A64-4B36-BF01-B2F834861BAA}" type="pres">
+      <dgm:prSet presAssocID="{29E78340-8EBE-415C-B973-78A91A054B9C}" presName="childTx" presStyleLbl="bgAccFollowNode1" presStyleIdx="5" presStyleCnt="9">
+        <dgm:presLayoutVars>
+          <dgm:bulletEnabled val="1"/>
+        </dgm:presLayoutVars>
+      </dgm:prSet>
+      <dgm:spPr/>
+    </dgm:pt>
+    <dgm:pt modelId="{3055F178-D8CA-413A-99F2-20C8231C0651}" type="pres">
+      <dgm:prSet presAssocID="{8321AB85-EA8C-4958-B404-B4C118CB3C18}" presName="comp" presStyleCnt="0"/>
+      <dgm:spPr/>
+    </dgm:pt>
+    <dgm:pt modelId="{68509703-D239-4E1B-8CF0-EF08079E1226}" type="pres">
+      <dgm:prSet presAssocID="{8321AB85-EA8C-4958-B404-B4C118CB3C18}" presName="child" presStyleLbl="bgAccFollowNode1" presStyleIdx="6" presStyleCnt="9"/>
+      <dgm:spPr/>
+    </dgm:pt>
+    <dgm:pt modelId="{E1767793-EDD5-4203-A612-8120A71CA906}" type="pres">
+      <dgm:prSet presAssocID="{8321AB85-EA8C-4958-B404-B4C118CB3C18}" presName="childTx" presStyleLbl="bgAccFollowNode1" presStyleIdx="6" presStyleCnt="9">
+        <dgm:presLayoutVars>
+          <dgm:bulletEnabled val="1"/>
+        </dgm:presLayoutVars>
+      </dgm:prSet>
+      <dgm:spPr/>
+    </dgm:pt>
+    <dgm:pt modelId="{69136330-53DB-4978-A56B-160862279381}" type="pres">
+      <dgm:prSet presAssocID="{F2881FB1-6580-4F21-A283-BFAA6F91D5D2}" presName="negSpace" presStyleCnt="0"/>
+      <dgm:spPr/>
+    </dgm:pt>
+    <dgm:pt modelId="{FD776C1E-557E-4553-9447-49B69EEC7907}" type="pres">
+      <dgm:prSet presAssocID="{F2881FB1-6580-4F21-A283-BFAA6F91D5D2}" presName="circle" presStyleLbl="node1" presStyleIdx="1" presStyleCnt="3"/>
+      <dgm:spPr/>
+    </dgm:pt>
+    <dgm:pt modelId="{FC2522F1-14BB-4B37-B60E-2E8A7E8A6C30}" type="pres">
+      <dgm:prSet presAssocID="{A5ABDC17-7AB5-4F0E-992A-F9343F5D74EB}" presName="transSpace" presStyleCnt="0"/>
+      <dgm:spPr/>
+    </dgm:pt>
+    <dgm:pt modelId="{2C2F6211-85A7-47FE-9239-DE94DF41A263}" type="pres">
+      <dgm:prSet presAssocID="{6352CA33-6755-44BE-808F-400DA4CF80A7}" presName="posSpace" presStyleCnt="0"/>
+      <dgm:spPr/>
+    </dgm:pt>
+    <dgm:pt modelId="{7B0C2EAE-70CB-4160-863D-210C3C66D5FD}" type="pres">
+      <dgm:prSet presAssocID="{6352CA33-6755-44BE-808F-400DA4CF80A7}" presName="vertFlow" presStyleCnt="0"/>
+      <dgm:spPr/>
+    </dgm:pt>
+    <dgm:pt modelId="{5AF3752E-55A6-443C-AD35-C49DF50A4566}" type="pres">
+      <dgm:prSet presAssocID="{6352CA33-6755-44BE-808F-400DA4CF80A7}" presName="topSpace" presStyleCnt="0"/>
+      <dgm:spPr/>
+    </dgm:pt>
+    <dgm:pt modelId="{53567A66-F0E9-4EF8-ADA9-764BA36AA6A9}" type="pres">
+      <dgm:prSet presAssocID="{6352CA33-6755-44BE-808F-400DA4CF80A7}" presName="firstComp" presStyleCnt="0"/>
+      <dgm:spPr/>
+    </dgm:pt>
+    <dgm:pt modelId="{AD2806AC-6A03-4F05-9F4D-F72EA0E56FBF}" type="pres">
+      <dgm:prSet presAssocID="{6352CA33-6755-44BE-808F-400DA4CF80A7}" presName="firstChild" presStyleLbl="bgAccFollowNode1" presStyleIdx="7" presStyleCnt="9"/>
+      <dgm:spPr/>
+    </dgm:pt>
+    <dgm:pt modelId="{F8977219-728E-448F-AE8B-46B14F4F17DE}" type="pres">
+      <dgm:prSet presAssocID="{6352CA33-6755-44BE-808F-400DA4CF80A7}" presName="firstChildTx" presStyleLbl="bgAccFollowNode1" presStyleIdx="7" presStyleCnt="9">
+        <dgm:presLayoutVars>
+          <dgm:bulletEnabled val="1"/>
+        </dgm:presLayoutVars>
+      </dgm:prSet>
+      <dgm:spPr/>
+    </dgm:pt>
+    <dgm:pt modelId="{46A8623B-DC64-4ED6-B73D-98FEAB030508}" type="pres">
+      <dgm:prSet presAssocID="{3D5CDB25-F8FA-444B-8D4A-1D29D0CBA282}" presName="comp" presStyleCnt="0"/>
+      <dgm:spPr/>
+    </dgm:pt>
+    <dgm:pt modelId="{5314AADB-0AD3-4BAE-9F15-B0FE4F44C802}" type="pres">
+      <dgm:prSet presAssocID="{3D5CDB25-F8FA-444B-8D4A-1D29D0CBA282}" presName="child" presStyleLbl="bgAccFollowNode1" presStyleIdx="8" presStyleCnt="9"/>
+      <dgm:spPr/>
+    </dgm:pt>
+    <dgm:pt modelId="{96624143-7928-48E9-817F-BC4A07250C32}" type="pres">
+      <dgm:prSet presAssocID="{3D5CDB25-F8FA-444B-8D4A-1D29D0CBA282}" presName="childTx" presStyleLbl="bgAccFollowNode1" presStyleIdx="8" presStyleCnt="9">
+        <dgm:presLayoutVars>
+          <dgm:bulletEnabled val="1"/>
+        </dgm:presLayoutVars>
+      </dgm:prSet>
+      <dgm:spPr/>
+    </dgm:pt>
+    <dgm:pt modelId="{FBCC4E74-37C0-494F-ABC0-7D18132E1437}" type="pres">
+      <dgm:prSet presAssocID="{6352CA33-6755-44BE-808F-400DA4CF80A7}" presName="negSpace" presStyleCnt="0"/>
+      <dgm:spPr/>
+    </dgm:pt>
+    <dgm:pt modelId="{89E6DA6E-7A23-44BD-8A99-378091FF741D}" type="pres">
+      <dgm:prSet presAssocID="{6352CA33-6755-44BE-808F-400DA4CF80A7}" presName="circle" presStyleLbl="node1" presStyleIdx="2" presStyleCnt="3"/>
+      <dgm:spPr/>
+    </dgm:pt>
+  </dgm:ptLst>
+  <dgm:cxnLst>
+    <dgm:cxn modelId="{0E640A01-5254-426D-9300-3ED2F4E3FC75}" type="presOf" srcId="{29E78340-8EBE-415C-B973-78A91A054B9C}" destId="{614EBA0E-D12B-447E-B378-B0FA2DEBEA2F}" srcOrd="0" destOrd="0" presId="urn:microsoft.com/office/officeart/2005/8/layout/hList9"/>
+    <dgm:cxn modelId="{91E5380B-556D-40F8-ABFD-10D81CAF19AA}" type="presOf" srcId="{7CB6360B-4022-4E96-922B-A12DE0E2A39F}" destId="{D685DD23-B321-4B5E-842F-394CB33239FA}" srcOrd="1" destOrd="0" presId="urn:microsoft.com/office/officeart/2005/8/layout/hList9"/>
+    <dgm:cxn modelId="{20AF3F0D-FCCC-4AE8-8B10-DDA56D69A389}" type="presOf" srcId="{6352CA33-6755-44BE-808F-400DA4CF80A7}" destId="{89E6DA6E-7A23-44BD-8A99-378091FF741D}" srcOrd="0" destOrd="0" presId="urn:microsoft.com/office/officeart/2005/8/layout/hList9"/>
+    <dgm:cxn modelId="{7F3B5912-CE3A-4F69-B6A0-82162798FA63}" type="presOf" srcId="{00C18FBF-3FF5-4C16-97CF-AF03740D7AB6}" destId="{0DC7A063-583D-4B0F-88B2-BD54F95D95AF}" srcOrd="0" destOrd="0" presId="urn:microsoft.com/office/officeart/2005/8/layout/hList9"/>
+    <dgm:cxn modelId="{9740321C-35B3-4F5F-BD46-905CB7B8FAEB}" type="presOf" srcId="{9614A323-64B1-4077-A841-022051EC749A}" destId="{AD2806AC-6A03-4F05-9F4D-F72EA0E56FBF}" srcOrd="0" destOrd="0" presId="urn:microsoft.com/office/officeart/2005/8/layout/hList9"/>
+    <dgm:cxn modelId="{C0DEB330-C4FA-4F66-86CA-0C9C52F1F01F}" type="presOf" srcId="{29E78340-8EBE-415C-B973-78A91A054B9C}" destId="{B12AEB83-0A64-4B36-BF01-B2F834861BAA}" srcOrd="1" destOrd="0" presId="urn:microsoft.com/office/officeart/2005/8/layout/hList9"/>
+    <dgm:cxn modelId="{70AA2139-FA57-4EAA-83C0-CFBB31F3B2CD}" type="presOf" srcId="{9D72CDD3-5859-43DB-BD75-0C3C30E3DE62}" destId="{187D4E8C-5C91-4D00-870C-2C45D4EA263C}" srcOrd="1" destOrd="0" presId="urn:microsoft.com/office/officeart/2005/8/layout/hList9"/>
+    <dgm:cxn modelId="{EDF0B63A-DCA1-49A5-910A-B447CA5609B2}" type="presOf" srcId="{3D5CDB25-F8FA-444B-8D4A-1D29D0CBA282}" destId="{96624143-7928-48E9-817F-BC4A07250C32}" srcOrd="1" destOrd="0" presId="urn:microsoft.com/office/officeart/2005/8/layout/hList9"/>
+    <dgm:cxn modelId="{FFE7CF3F-C427-4831-953F-615124811AB4}" type="presOf" srcId="{8321AB85-EA8C-4958-B404-B4C118CB3C18}" destId="{E1767793-EDD5-4203-A612-8120A71CA906}" srcOrd="1" destOrd="0" presId="urn:microsoft.com/office/officeart/2005/8/layout/hList9"/>
+    <dgm:cxn modelId="{4A31D641-1B5D-46D3-B685-0C4DC6EFE71B}" srcId="{00C18FBF-3FF5-4C16-97CF-AF03740D7AB6}" destId="{F2881FB1-6580-4F21-A283-BFAA6F91D5D2}" srcOrd="1" destOrd="0" parTransId="{2D960FDD-BADA-480D-9043-497C56588AD3}" sibTransId="{A5ABDC17-7AB5-4F0E-992A-F9343F5D74EB}"/>
     <dgm:cxn modelId="{B635AE6E-37F7-4F2E-8725-C1D81C11EBE6}" type="presOf" srcId="{8321AB85-EA8C-4958-B404-B4C118CB3C18}" destId="{68509703-D239-4E1B-8CF0-EF08079E1226}" srcOrd="0" destOrd="0" presId="urn:microsoft.com/office/officeart/2005/8/layout/hList9"/>
     <dgm:cxn modelId="{3F290A52-8A4A-4469-9AB4-D811A6E23C3C}" type="presOf" srcId="{F9D46839-CD06-4669-AAE4-4D1E9AFEDA78}" destId="{59179C9B-8BA4-4AC7-ACB1-A12DE00142E2}" srcOrd="0" destOrd="0" presId="urn:microsoft.com/office/officeart/2005/8/layout/hList9"/>
     <dgm:cxn modelId="{3204ED53-15A0-4643-A582-021A785F1BA2}" srcId="{F2881FB1-6580-4F21-A283-BFAA6F91D5D2}" destId="{D5197DDB-D5D2-499F-B255-CF7BB5AE2B43}" srcOrd="0" destOrd="0" parTransId="{B14A4DC9-F40A-4867-ADB8-4BA8A1F83766}" sibTransId="{29F2454A-2FA8-4B3A-AC63-4A0B9FD04A75}"/>
-    <dgm:cxn modelId="{B2647B56-8947-4632-AB4A-42CBB9B48494}" type="presOf" srcId="{7FCE83D9-631B-4420-BBFC-CA0AFA59F747}" destId="{7453D9C8-CD6E-4AA4-8A19-7F6F667528F0}" srcOrd="0" destOrd="0" presId="urn:microsoft.com/office/officeart/2005/8/layout/hList9"/>
     <dgm:cxn modelId="{129AEA77-5D2A-49D4-956D-99009974B6C5}" srcId="{F2881FB1-6580-4F21-A283-BFAA6F91D5D2}" destId="{8321AB85-EA8C-4958-B404-B4C118CB3C18}" srcOrd="2" destOrd="0" parTransId="{24ABE8B3-7220-436D-9636-F7B4C0B99576}" sibTransId="{AA5F76CE-8FD4-4692-8BB1-EF84CF9D365E}"/>
     <dgm:cxn modelId="{8FAB4659-6291-457D-941A-93BCD304031A}" srcId="{B4F1B46E-22B2-4721-950C-8704487586DC}" destId="{70879558-61CA-4CCD-B2D6-5349B01EF337}" srcOrd="3" destOrd="0" parTransId="{95F5E6EE-4E8D-49F8-8C9E-8BBFD01B6A0E}" sibTransId="{053E317B-DD3F-4AFF-90D1-A55D37D325DC}"/>
     <dgm:cxn modelId="{FC7BD086-74EA-4D6C-9657-E916D355F209}" srcId="{6352CA33-6755-44BE-808F-400DA4CF80A7}" destId="{9614A323-64B1-4077-A841-022051EC749A}" srcOrd="0" destOrd="0" parTransId="{E5F6BCBD-B84E-4018-BE9E-BF57FF3B4B36}" sibTransId="{FEC2A79F-8857-403A-A738-E8CE75C965E2}"/>
-    <dgm:cxn modelId="{E572418E-4340-4448-940D-253A2FA3B9B3}" srcId="{00C18FBF-3FF5-4C16-97CF-AF03740D7AB6}" destId="{7FCE83D9-631B-4420-BBFC-CA0AFA59F747}" srcOrd="3" destOrd="0" parTransId="{C61EC981-13FA-4710-B079-D35692EEB764}" sibTransId="{1B48A0DE-4031-4D45-86A1-94CDAF68824A}"/>
     <dgm:cxn modelId="{B736D792-8630-4423-BF25-ED6293A18ADD}" type="presOf" srcId="{9614A323-64B1-4077-A841-022051EC749A}" destId="{F8977219-728E-448F-AE8B-46B14F4F17DE}" srcOrd="1" destOrd="0" presId="urn:microsoft.com/office/officeart/2005/8/layout/hList9"/>
-    <dgm:cxn modelId="{6C9D5899-99E2-4916-98F9-1660647928E3}" type="presOf" srcId="{DB9FB862-4759-4D6A-84F3-01524B92723B}" destId="{5B88A17E-EFF5-4A04-9CC9-D2131DA9ECCC}" srcOrd="1" destOrd="0" presId="urn:microsoft.com/office/officeart/2005/8/layout/hList9"/>
     <dgm:cxn modelId="{DDB5AD9A-40B0-48EF-AF2C-8CCDA330F7FE}" srcId="{B4F1B46E-22B2-4721-950C-8704487586DC}" destId="{9D72CDD3-5859-43DB-BD75-0C3C30E3DE62}" srcOrd="0" destOrd="0" parTransId="{1D5B1F83-33A7-4298-BC11-2B1252AFAEA5}" sibTransId="{15E25BD4-1EBF-43C2-8885-DBF66B8429E1}"/>
     <dgm:cxn modelId="{AD25A8A0-4628-40E2-8C9E-64E6AD4D4D91}" srcId="{B4F1B46E-22B2-4721-950C-8704487586DC}" destId="{F9D46839-CD06-4669-AAE4-4D1E9AFEDA78}" srcOrd="1" destOrd="0" parTransId="{B6B535D8-00AB-4FA1-AAEC-92498ABC6F4C}" sibTransId="{6497F199-DC2A-41F9-A449-D395E6BC4900}"/>
     <dgm:cxn modelId="{3EF668B1-7B6A-40A1-9E64-0829B2EF0539}" type="presOf" srcId="{F9D46839-CD06-4669-AAE4-4D1E9AFEDA78}" destId="{4AE7D907-B6F4-4647-AB3F-ABE94C438AE8}" srcOrd="1" destOrd="0" presId="urn:microsoft.com/office/officeart/2005/8/layout/hList9"/>
@@ -2836,15 +4345,11 @@
     <dgm:cxn modelId="{AACC54D1-0243-46E9-9624-A663799E8A06}" type="presOf" srcId="{9D72CDD3-5859-43DB-BD75-0C3C30E3DE62}" destId="{6B08AC4B-4CEC-41E5-AE19-47A4E2720563}" srcOrd="0" destOrd="0" presId="urn:microsoft.com/office/officeart/2005/8/layout/hList9"/>
     <dgm:cxn modelId="{F3210AD4-6CEB-4017-A75B-E24F2FA3B062}" type="presOf" srcId="{70879558-61CA-4CCD-B2D6-5349B01EF337}" destId="{51F68A05-A560-4C6F-BC90-521AEF3B0907}" srcOrd="0" destOrd="0" presId="urn:microsoft.com/office/officeart/2005/8/layout/hList9"/>
     <dgm:cxn modelId="{311348D8-FDE3-4C22-99F5-3B98C5F51F0D}" srcId="{F2881FB1-6580-4F21-A283-BFAA6F91D5D2}" destId="{29E78340-8EBE-415C-B973-78A91A054B9C}" srcOrd="1" destOrd="0" parTransId="{FF4E5F97-6974-4E39-A85D-DCB2E100798E}" sibTransId="{B4B9A51E-FA34-465E-B5B4-81CD76EB3FC2}"/>
-    <dgm:cxn modelId="{0F86DBDB-3C4F-4C84-981B-7F4CA2A8EAF3}" srcId="{7FCE83D9-631B-4420-BBFC-CA0AFA59F747}" destId="{50451020-5E1A-4778-9E8D-169182A36191}" srcOrd="1" destOrd="0" parTransId="{7DFC3849-4A12-49FB-B614-8AFD597CCB9E}" sibTransId="{EEDE2474-4F18-4F59-8E58-6382D253E514}"/>
     <dgm:cxn modelId="{82BAE5DD-3A79-4870-9019-1254385E0650}" srcId="{00C18FBF-3FF5-4C16-97CF-AF03740D7AB6}" destId="{6352CA33-6755-44BE-808F-400DA4CF80A7}" srcOrd="2" destOrd="0" parTransId="{AEB59203-63BA-4A96-BADC-40BAEBD9AA40}" sibTransId="{AAB4CF73-4B9B-4AA0-9074-16C2D2AE00A1}"/>
     <dgm:cxn modelId="{2E3C97E6-67D4-4948-B47A-1115C2B2979F}" srcId="{6352CA33-6755-44BE-808F-400DA4CF80A7}" destId="{3D5CDB25-F8FA-444B-8D4A-1D29D0CBA282}" srcOrd="1" destOrd="0" parTransId="{4C229933-AC16-44B7-98EC-4C0F07FABCB0}" sibTransId="{189DA4C5-2A22-4C71-A806-7B4AB57767CC}"/>
     <dgm:cxn modelId="{59E871E8-E7D2-4CCC-B749-A714977AF5E6}" type="presOf" srcId="{D5197DDB-D5D2-499F-B255-CF7BB5AE2B43}" destId="{10C9E3CF-3A8F-4100-8ACD-91E2373197A2}" srcOrd="1" destOrd="0" presId="urn:microsoft.com/office/officeart/2005/8/layout/hList9"/>
-    <dgm:cxn modelId="{114529EA-CDEE-4574-B59D-8F35E4FE7A75}" type="presOf" srcId="{50451020-5E1A-4778-9E8D-169182A36191}" destId="{3086D0BF-AAD1-4310-88ED-4D81A687BD50}" srcOrd="0" destOrd="0" presId="urn:microsoft.com/office/officeart/2005/8/layout/hList9"/>
     <dgm:cxn modelId="{92B5CCEF-1CDF-4025-ACF6-0780E13B9A00}" type="presOf" srcId="{7CB6360B-4022-4E96-922B-A12DE0E2A39F}" destId="{1877502C-A892-4DC0-ADA6-FA065097BB90}" srcOrd="0" destOrd="0" presId="urn:microsoft.com/office/officeart/2005/8/layout/hList9"/>
     <dgm:cxn modelId="{62ECA4F6-D6A0-41F0-AB7C-2AA480A6F080}" type="presOf" srcId="{70879558-61CA-4CCD-B2D6-5349B01EF337}" destId="{3EBE42F0-6491-49CC-95DC-985BA00CD458}" srcOrd="1" destOrd="0" presId="urn:microsoft.com/office/officeart/2005/8/layout/hList9"/>
-    <dgm:cxn modelId="{4CCFFDF9-D8E9-43FF-9A5C-0D554AC5AAB1}" type="presOf" srcId="{50451020-5E1A-4778-9E8D-169182A36191}" destId="{2B18CCD9-D6B1-4225-8D26-4BA691BB1837}" srcOrd="1" destOrd="0" presId="urn:microsoft.com/office/officeart/2005/8/layout/hList9"/>
-    <dgm:cxn modelId="{70CAB4FC-3D17-49C2-8A7B-F387031FCDCA}" srcId="{7FCE83D9-631B-4420-BBFC-CA0AFA59F747}" destId="{DB9FB862-4759-4D6A-84F3-01524B92723B}" srcOrd="0" destOrd="0" parTransId="{CD1EE44C-3116-420B-89E3-1D797CB25D34}" sibTransId="{4BD4D4A5-043E-4ED5-A5CA-8D46DADC3150}"/>
     <dgm:cxn modelId="{E1D1E23B-EC87-45CC-9E87-38B27A23764D}" type="presParOf" srcId="{0DC7A063-583D-4B0F-88B2-BD54F95D95AF}" destId="{3B23570A-ECC9-4DF8-BCB4-0465C69CBB88}" srcOrd="0" destOrd="0" presId="urn:microsoft.com/office/officeart/2005/8/layout/hList9"/>
     <dgm:cxn modelId="{82537023-5CD7-4BB7-84CF-DE8196338CF2}" type="presParOf" srcId="{0DC7A063-583D-4B0F-88B2-BD54F95D95AF}" destId="{FC66A233-6BBA-46AF-B2F6-28E379B158E2}" srcOrd="1" destOrd="0" presId="urn:microsoft.com/office/officeart/2005/8/layout/hList9"/>
     <dgm:cxn modelId="{5DFED7C8-2E54-4441-B032-3A4788B2A8D3}" type="presParOf" srcId="{FC66A233-6BBA-46AF-B2F6-28E379B158E2}" destId="{46739A04-1AA3-49C6-8EA7-EB1DE975B900}" srcOrd="0" destOrd="0" presId="urn:microsoft.com/office/officeart/2005/8/layout/hList9"/>
@@ -2889,18 +4394,6 @@
     <dgm:cxn modelId="{10F973FE-8000-468C-900B-4ED99BE40E65}" type="presParOf" srcId="{46A8623B-DC64-4ED6-B73D-98FEAB030508}" destId="{96624143-7928-48E9-817F-BC4A07250C32}" srcOrd="1" destOrd="0" presId="urn:microsoft.com/office/officeart/2005/8/layout/hList9"/>
     <dgm:cxn modelId="{EF3F399A-E096-436A-AD74-CF747D62B02A}" type="presParOf" srcId="{0DC7A063-583D-4B0F-88B2-BD54F95D95AF}" destId="{FBCC4E74-37C0-494F-ABC0-7D18132E1437}" srcOrd="12" destOrd="0" presId="urn:microsoft.com/office/officeart/2005/8/layout/hList9"/>
     <dgm:cxn modelId="{5EA17F20-F6C6-4B5A-AFEB-38BD8F975065}" type="presParOf" srcId="{0DC7A063-583D-4B0F-88B2-BD54F95D95AF}" destId="{89E6DA6E-7A23-44BD-8A99-378091FF741D}" srcOrd="13" destOrd="0" presId="urn:microsoft.com/office/officeart/2005/8/layout/hList9"/>
-    <dgm:cxn modelId="{463280A8-1DBA-4FE7-B5B2-8151A298EB35}" type="presParOf" srcId="{0DC7A063-583D-4B0F-88B2-BD54F95D95AF}" destId="{E966790E-26B5-4EB8-981F-1094BF4B7611}" srcOrd="14" destOrd="0" presId="urn:microsoft.com/office/officeart/2005/8/layout/hList9"/>
-    <dgm:cxn modelId="{A4221FEF-656B-43DD-8382-199EAB5F1E7B}" type="presParOf" srcId="{0DC7A063-583D-4B0F-88B2-BD54F95D95AF}" destId="{229B7655-E1F4-4CF5-84B8-30F0491D32B5}" srcOrd="15" destOrd="0" presId="urn:microsoft.com/office/officeart/2005/8/layout/hList9"/>
-    <dgm:cxn modelId="{48FA6F14-4694-4C77-8D75-48D3A22A3540}" type="presParOf" srcId="{0DC7A063-583D-4B0F-88B2-BD54F95D95AF}" destId="{F85FFCDF-8E5F-492B-B22D-55A08EACE783}" srcOrd="16" destOrd="0" presId="urn:microsoft.com/office/officeart/2005/8/layout/hList9"/>
-    <dgm:cxn modelId="{3995A447-6B53-4DFA-8494-06C3A1F8D7F7}" type="presParOf" srcId="{F85FFCDF-8E5F-492B-B22D-55A08EACE783}" destId="{600B3FB2-1315-4A84-8613-B445666BC7D2}" srcOrd="0" destOrd="0" presId="urn:microsoft.com/office/officeart/2005/8/layout/hList9"/>
-    <dgm:cxn modelId="{C652D75D-BE73-43BB-9138-B232AAF272A1}" type="presParOf" srcId="{F85FFCDF-8E5F-492B-B22D-55A08EACE783}" destId="{E47C73E9-FBEE-4370-9B3F-E04EB7C4023A}" srcOrd="1" destOrd="0" presId="urn:microsoft.com/office/officeart/2005/8/layout/hList9"/>
-    <dgm:cxn modelId="{5F19BD3C-10AC-4F51-A8FD-00351A52371B}" type="presParOf" srcId="{E47C73E9-FBEE-4370-9B3F-E04EB7C4023A}" destId="{402C2C77-A32C-4D99-9940-12535E1181F2}" srcOrd="0" destOrd="0" presId="urn:microsoft.com/office/officeart/2005/8/layout/hList9"/>
-    <dgm:cxn modelId="{1D14EEBA-2351-4066-8BB7-C42885F1D780}" type="presParOf" srcId="{E47C73E9-FBEE-4370-9B3F-E04EB7C4023A}" destId="{5B88A17E-EFF5-4A04-9CC9-D2131DA9ECCC}" srcOrd="1" destOrd="0" presId="urn:microsoft.com/office/officeart/2005/8/layout/hList9"/>
-    <dgm:cxn modelId="{D230C2D8-6446-403F-971D-BA59F9482A7E}" type="presParOf" srcId="{F85FFCDF-8E5F-492B-B22D-55A08EACE783}" destId="{F3C2D87B-A5E7-46E2-B3D3-58E6D9562663}" srcOrd="2" destOrd="0" presId="urn:microsoft.com/office/officeart/2005/8/layout/hList9"/>
-    <dgm:cxn modelId="{71EFAC4F-7BC1-470A-9459-DE14D03A3B20}" type="presParOf" srcId="{F3C2D87B-A5E7-46E2-B3D3-58E6D9562663}" destId="{3086D0BF-AAD1-4310-88ED-4D81A687BD50}" srcOrd="0" destOrd="0" presId="urn:microsoft.com/office/officeart/2005/8/layout/hList9"/>
-    <dgm:cxn modelId="{6035C1AD-47FA-47BC-9D78-974272EBB1D2}" type="presParOf" srcId="{F3C2D87B-A5E7-46E2-B3D3-58E6D9562663}" destId="{2B18CCD9-D6B1-4225-8D26-4BA691BB1837}" srcOrd="1" destOrd="0" presId="urn:microsoft.com/office/officeart/2005/8/layout/hList9"/>
-    <dgm:cxn modelId="{ADA815FB-429E-4ABD-97FC-4AEA97B4630C}" type="presParOf" srcId="{0DC7A063-583D-4B0F-88B2-BD54F95D95AF}" destId="{9051EF7D-7D6C-4B43-A6C4-239F9933C94D}" srcOrd="17" destOrd="0" presId="urn:microsoft.com/office/officeart/2005/8/layout/hList9"/>
-    <dgm:cxn modelId="{7961C21C-3FE8-4B71-95E5-AB5835F91CC1}" type="presParOf" srcId="{0DC7A063-583D-4B0F-88B2-BD54F95D95AF}" destId="{7453D9C8-CD6E-4AA4-8A19-7F6F667528F0}" srcOrd="18" destOrd="0" presId="urn:microsoft.com/office/officeart/2005/8/layout/hList9"/>
   </dgm:cxnLst>
   <dgm:bg/>
   <dgm:whole/>
@@ -2927,8 +4420,8 @@
       </dsp:nvSpPr>
       <dsp:spPr>
         <a:xfrm>
-          <a:off x="819461" y="453531"/>
-          <a:ext cx="1526209" cy="1017981"/>
+          <a:off x="1591217" y="478256"/>
+          <a:ext cx="1789411" cy="1193537"/>
         </a:xfrm>
         <a:prstGeom prst="rect">
           <a:avLst/>
@@ -2971,12 +4464,12 @@
         <a:fontRef idx="minor"/>
       </dsp:style>
       <dsp:txBody>
-        <a:bodyPr spcFirstLastPara="0" vert="horz" wrap="square" lIns="0" tIns="120904" rIns="120904" bIns="120904" numCol="1" spcCol="1270" anchor="ctr" anchorCtr="0">
+        <a:bodyPr spcFirstLastPara="0" vert="horz" wrap="square" lIns="0" tIns="71120" rIns="71120" bIns="71120" numCol="1" spcCol="1270" anchor="ctr" anchorCtr="0">
           <a:noAutofit/>
         </a:bodyPr>
         <a:lstStyle/>
         <a:p>
-          <a:pPr marL="0" lvl="0" indent="0" algn="l" defTabSz="755650">
+          <a:pPr marL="0" lvl="0" indent="0" algn="l" defTabSz="444500">
             <a:lnSpc>
               <a:spcPct val="90000"/>
             </a:lnSpc>
@@ -2989,14 +4482,15 @@
             <a:buNone/>
           </a:pPr>
           <a:r>
-            <a:rPr lang="en-US" sz="1700" kern="1200" dirty="0"/>
-            <a:t>Task description</a:t>
+            <a:rPr lang="en-IE" sz="1000" b="1" kern="1200" dirty="0"/>
+            <a:t>POSITIVISM (from Epistemology).</a:t>
           </a:r>
+          <a:endParaRPr lang="en-US" sz="1000" b="1" kern="1200" dirty="0"/>
         </a:p>
       </dsp:txBody>
       <dsp:txXfrm>
-        <a:off x="1063655" y="453531"/>
-        <a:ext cx="1282015" cy="1017981"/>
+        <a:off x="1877523" y="478256"/>
+        <a:ext cx="1503105" cy="1193537"/>
       </dsp:txXfrm>
     </dsp:sp>
     <dsp:sp modelId="{59179C9B-8BA4-4AC7-ACB1-A12DE00142E2}">
@@ -3006,8 +4500,8 @@
       </dsp:nvSpPr>
       <dsp:spPr>
         <a:xfrm>
-          <a:off x="819461" y="1471513"/>
-          <a:ext cx="1526209" cy="1017981"/>
+          <a:off x="1591217" y="1671794"/>
+          <a:ext cx="1789411" cy="1193537"/>
         </a:xfrm>
         <a:prstGeom prst="rect">
           <a:avLst/>
@@ -3050,12 +4544,12 @@
         <a:fontRef idx="minor"/>
       </dsp:style>
       <dsp:txBody>
-        <a:bodyPr spcFirstLastPara="0" vert="horz" wrap="square" lIns="0" tIns="120904" rIns="120904" bIns="120904" numCol="1" spcCol="1270" anchor="ctr" anchorCtr="0">
+        <a:bodyPr spcFirstLastPara="0" vert="horz" wrap="square" lIns="0" tIns="71120" rIns="71120" bIns="71120" numCol="1" spcCol="1270" anchor="ctr" anchorCtr="0">
           <a:noAutofit/>
         </a:bodyPr>
         <a:lstStyle/>
         <a:p>
-          <a:pPr marL="0" lvl="0" indent="0" algn="l" defTabSz="755650">
+          <a:pPr marL="0" lvl="0" indent="0" algn="l" defTabSz="444500">
             <a:lnSpc>
               <a:spcPct val="90000"/>
             </a:lnSpc>
@@ -3068,14 +4562,14 @@
             <a:buNone/>
           </a:pPr>
           <a:r>
-            <a:rPr lang="en-US" sz="1700" kern="1200" dirty="0"/>
-            <a:t>Task description</a:t>
+            <a:rPr lang="en-US" sz="1000" kern="1200" dirty="0"/>
+            <a:t>Research works with datasets of known fraud and non-fraud.</a:t>
           </a:r>
         </a:p>
       </dsp:txBody>
       <dsp:txXfrm>
-        <a:off x="1063655" y="1471513"/>
-        <a:ext cx="1282015" cy="1017981"/>
+        <a:off x="1877523" y="1671794"/>
+        <a:ext cx="1503105" cy="1193537"/>
       </dsp:txXfrm>
     </dsp:sp>
     <dsp:sp modelId="{1877502C-A892-4DC0-ADA6-FA065097BB90}">
@@ -3085,8 +4579,8 @@
       </dsp:nvSpPr>
       <dsp:spPr>
         <a:xfrm>
-          <a:off x="819461" y="2489494"/>
-          <a:ext cx="1526209" cy="1017981"/>
+          <a:off x="1591217" y="2865331"/>
+          <a:ext cx="1789411" cy="1193537"/>
         </a:xfrm>
         <a:prstGeom prst="rect">
           <a:avLst/>
@@ -3129,12 +4623,12 @@
         <a:fontRef idx="minor"/>
       </dsp:style>
       <dsp:txBody>
-        <a:bodyPr spcFirstLastPara="0" vert="horz" wrap="square" lIns="0" tIns="120904" rIns="120904" bIns="120904" numCol="1" spcCol="1270" anchor="ctr" anchorCtr="0">
+        <a:bodyPr spcFirstLastPara="0" vert="horz" wrap="square" lIns="0" tIns="71120" rIns="71120" bIns="71120" numCol="1" spcCol="1270" anchor="ctr" anchorCtr="0">
           <a:noAutofit/>
         </a:bodyPr>
         <a:lstStyle/>
         <a:p>
-          <a:pPr marL="0" lvl="0" indent="0" algn="l" defTabSz="755650">
+          <a:pPr marL="0" lvl="0" indent="0" algn="l" defTabSz="444500">
             <a:lnSpc>
               <a:spcPct val="90000"/>
             </a:lnSpc>
@@ -3147,14 +4641,14 @@
             <a:buNone/>
           </a:pPr>
           <a:r>
-            <a:rPr lang="en-US" sz="1700" kern="1200" dirty="0"/>
-            <a:t>Task description</a:t>
+            <a:rPr lang="en-US" sz="1000" kern="1200" dirty="0"/>
+            <a:t>The levels of historical fraud are statistically quantified.</a:t>
           </a:r>
         </a:p>
       </dsp:txBody>
       <dsp:txXfrm>
-        <a:off x="1063655" y="2489494"/>
-        <a:ext cx="1282015" cy="1017981"/>
+        <a:off x="1877523" y="2865331"/>
+        <a:ext cx="1503105" cy="1193537"/>
       </dsp:txXfrm>
     </dsp:sp>
     <dsp:sp modelId="{51F68A05-A560-4C6F-BC90-521AEF3B0907}">
@@ -3164,8 +4658,8 @@
       </dsp:nvSpPr>
       <dsp:spPr>
         <a:xfrm>
-          <a:off x="819461" y="3507476"/>
-          <a:ext cx="1526209" cy="1017981"/>
+          <a:off x="1591217" y="4058869"/>
+          <a:ext cx="1789411" cy="1193537"/>
         </a:xfrm>
         <a:prstGeom prst="rect">
           <a:avLst/>
@@ -3208,12 +4702,12 @@
         <a:fontRef idx="minor"/>
       </dsp:style>
       <dsp:txBody>
-        <a:bodyPr spcFirstLastPara="0" vert="horz" wrap="square" lIns="0" tIns="120904" rIns="120904" bIns="120904" numCol="1" spcCol="1270" anchor="ctr" anchorCtr="0">
+        <a:bodyPr spcFirstLastPara="0" vert="horz" wrap="square" lIns="0" tIns="71120" rIns="71120" bIns="71120" numCol="1" spcCol="1270" anchor="ctr" anchorCtr="0">
           <a:noAutofit/>
         </a:bodyPr>
         <a:lstStyle/>
         <a:p>
-          <a:pPr marL="0" lvl="0" indent="0" algn="l" defTabSz="755650">
+          <a:pPr marL="0" lvl="0" indent="0" algn="l" defTabSz="444500">
             <a:lnSpc>
               <a:spcPct val="90000"/>
             </a:lnSpc>
@@ -3226,14 +4720,14 @@
             <a:buNone/>
           </a:pPr>
           <a:r>
-            <a:rPr lang="en-US" sz="1700" kern="1200" dirty="0"/>
-            <a:t>Task description</a:t>
+            <a:rPr lang="en-US" sz="1000" kern="1200" dirty="0"/>
+            <a:t>ML model testing can be replicated many times to test changes in accuracy.</a:t>
           </a:r>
         </a:p>
       </dsp:txBody>
       <dsp:txXfrm>
-        <a:off x="1063655" y="3507476"/>
-        <a:ext cx="1282015" cy="1017981"/>
+        <a:off x="1877523" y="4058869"/>
+        <a:ext cx="1503105" cy="1193537"/>
       </dsp:txXfrm>
     </dsp:sp>
     <dsp:sp modelId="{FC7ED273-8CFD-43C2-9C05-44FADF3E0637}">
@@ -3243,8 +4737,8 @@
       </dsp:nvSpPr>
       <dsp:spPr>
         <a:xfrm>
-          <a:off x="5483" y="46542"/>
-          <a:ext cx="1017472" cy="1017472"/>
+          <a:off x="636864" y="1080"/>
+          <a:ext cx="1192941" cy="1192941"/>
         </a:xfrm>
         <a:prstGeom prst="ellipse">
           <a:avLst/>
@@ -3317,7 +4811,7 @@
         </a:bodyPr>
         <a:lstStyle/>
         <a:p>
-          <a:pPr marL="0" lvl="0" indent="0" algn="ctr" defTabSz="889000">
+          <a:pPr marL="0" lvl="0" indent="0" algn="ctr" defTabSz="577850">
             <a:lnSpc>
               <a:spcPct val="90000"/>
             </a:lnSpc>
@@ -3330,15 +4824,14 @@
             <a:buNone/>
           </a:pPr>
           <a:r>
-            <a:rPr lang="en-US" sz="2000" kern="1200"/>
-            <a:t>Step 1 Title</a:t>
+            <a:rPr lang="en-US" sz="1300" kern="1200" dirty="0"/>
+            <a:t>L1: Philosophy</a:t>
           </a:r>
-          <a:endParaRPr lang="en-US" sz="2000" kern="1200" dirty="0"/>
         </a:p>
       </dsp:txBody>
       <dsp:txXfrm>
-        <a:off x="154488" y="195547"/>
-        <a:ext cx="719462" cy="719462"/>
+        <a:off x="811566" y="175782"/>
+        <a:ext cx="843537" cy="843537"/>
       </dsp:txXfrm>
     </dsp:sp>
     <dsp:sp modelId="{F660F4B9-35DB-4256-A868-A35C6DCCF6B2}">
@@ -3348,8 +4841,8 @@
       </dsp:nvSpPr>
       <dsp:spPr>
         <a:xfrm>
-          <a:off x="3363143" y="453531"/>
-          <a:ext cx="1526209" cy="1017981"/>
+          <a:off x="4573570" y="478256"/>
+          <a:ext cx="1789411" cy="1193537"/>
         </a:xfrm>
         <a:prstGeom prst="rect">
           <a:avLst/>
@@ -3392,12 +4885,12 @@
         <a:fontRef idx="minor"/>
       </dsp:style>
       <dsp:txBody>
-        <a:bodyPr spcFirstLastPara="0" vert="horz" wrap="square" lIns="0" tIns="120904" rIns="120904" bIns="120904" numCol="1" spcCol="1270" anchor="ctr" anchorCtr="0">
+        <a:bodyPr spcFirstLastPara="0" vert="horz" wrap="square" lIns="0" tIns="71120" rIns="71120" bIns="71120" numCol="1" spcCol="1270" anchor="ctr" anchorCtr="0">
           <a:noAutofit/>
         </a:bodyPr>
         <a:lstStyle/>
         <a:p>
-          <a:pPr marL="0" lvl="0" indent="0" algn="l" defTabSz="755650">
+          <a:pPr marL="0" lvl="0" indent="0" algn="l" defTabSz="444500">
             <a:lnSpc>
               <a:spcPct val="90000"/>
             </a:lnSpc>
@@ -3410,14 +4903,15 @@
             <a:buNone/>
           </a:pPr>
           <a:r>
-            <a:rPr lang="en-US" sz="1700" kern="1200" dirty="0"/>
-            <a:t>Task description</a:t>
+            <a:rPr lang="en-IE" sz="1000" b="1" kern="1200" dirty="0"/>
+            <a:t>DEDUCTIVE</a:t>
           </a:r>
+          <a:endParaRPr lang="en-US" sz="1000" b="1" kern="1200" dirty="0"/>
         </a:p>
       </dsp:txBody>
       <dsp:txXfrm>
-        <a:off x="3607337" y="453531"/>
-        <a:ext cx="1282015" cy="1017981"/>
+        <a:off x="4859876" y="478256"/>
+        <a:ext cx="1503105" cy="1193537"/>
       </dsp:txXfrm>
     </dsp:sp>
     <dsp:sp modelId="{614EBA0E-D12B-447E-B378-B0FA2DEBEA2F}">
@@ -3427,8 +4921,8 @@
       </dsp:nvSpPr>
       <dsp:spPr>
         <a:xfrm>
-          <a:off x="3363143" y="1471513"/>
-          <a:ext cx="1526209" cy="1017981"/>
+          <a:off x="4573570" y="1671794"/>
+          <a:ext cx="1789411" cy="1193537"/>
         </a:xfrm>
         <a:prstGeom prst="rect">
           <a:avLst/>
@@ -3471,12 +4965,12 @@
         <a:fontRef idx="minor"/>
       </dsp:style>
       <dsp:txBody>
-        <a:bodyPr spcFirstLastPara="0" vert="horz" wrap="square" lIns="0" tIns="120904" rIns="120904" bIns="120904" numCol="1" spcCol="1270" anchor="ctr" anchorCtr="0">
+        <a:bodyPr spcFirstLastPara="0" vert="horz" wrap="square" lIns="0" tIns="71120" rIns="71120" bIns="71120" numCol="1" spcCol="1270" anchor="ctr" anchorCtr="0">
           <a:noAutofit/>
         </a:bodyPr>
         <a:lstStyle/>
         <a:p>
-          <a:pPr marL="0" lvl="0" indent="0" algn="l" defTabSz="755650">
+          <a:pPr marL="0" lvl="0" indent="0" algn="l" defTabSz="444500">
             <a:lnSpc>
               <a:spcPct val="90000"/>
             </a:lnSpc>
@@ -3489,14 +4983,14 @@
             <a:buNone/>
           </a:pPr>
           <a:r>
-            <a:rPr lang="en-US" sz="1700" kern="1200" dirty="0"/>
-            <a:t>Task description</a:t>
+            <a:rPr lang="en-US" sz="1000" kern="1200" dirty="0"/>
+            <a:t>Research begins with the statement: ML techniques can classify a given transaction as fraud or non-fraud.</a:t>
           </a:r>
         </a:p>
       </dsp:txBody>
       <dsp:txXfrm>
-        <a:off x="3607337" y="1471513"/>
-        <a:ext cx="1282015" cy="1017981"/>
+        <a:off x="4859876" y="1671794"/>
+        <a:ext cx="1503105" cy="1193537"/>
       </dsp:txXfrm>
     </dsp:sp>
     <dsp:sp modelId="{68509703-D239-4E1B-8CF0-EF08079E1226}">
@@ -3506,8 +5000,8 @@
       </dsp:nvSpPr>
       <dsp:spPr>
         <a:xfrm>
-          <a:off x="3363143" y="2489494"/>
-          <a:ext cx="1526209" cy="1017981"/>
+          <a:off x="4573570" y="2865331"/>
+          <a:ext cx="1789411" cy="1193537"/>
         </a:xfrm>
         <a:prstGeom prst="rect">
           <a:avLst/>
@@ -3550,12 +5044,12 @@
         <a:fontRef idx="minor"/>
       </dsp:style>
       <dsp:txBody>
-        <a:bodyPr spcFirstLastPara="0" vert="horz" wrap="square" lIns="0" tIns="120904" rIns="120904" bIns="120904" numCol="1" spcCol="1270" anchor="ctr" anchorCtr="0">
+        <a:bodyPr spcFirstLastPara="0" vert="horz" wrap="square" lIns="0" tIns="71120" rIns="71120" bIns="71120" numCol="1" spcCol="1270" anchor="ctr" anchorCtr="0">
           <a:noAutofit/>
         </a:bodyPr>
         <a:lstStyle/>
         <a:p>
-          <a:pPr marL="0" lvl="0" indent="0" algn="l" defTabSz="755650">
+          <a:pPr marL="0" lvl="0" indent="0" algn="l" defTabSz="444500">
             <a:lnSpc>
               <a:spcPct val="90000"/>
             </a:lnSpc>
@@ -3568,14 +5062,93 @@
             <a:buNone/>
           </a:pPr>
           <a:r>
-            <a:rPr lang="en-US" sz="1700" kern="1200" dirty="0"/>
-            <a:t>Task description</a:t>
+            <a:rPr lang="en-US" sz="1000" kern="1200" dirty="0"/>
+            <a:t>The features of fraud/non-fraud credit card transactions for a domain/period are collated.</a:t>
           </a:r>
         </a:p>
       </dsp:txBody>
       <dsp:txXfrm>
-        <a:off x="3607337" y="2489494"/>
-        <a:ext cx="1282015" cy="1017981"/>
+        <a:off x="4859876" y="2865331"/>
+        <a:ext cx="1503105" cy="1193537"/>
+      </dsp:txXfrm>
+    </dsp:sp>
+    <dsp:sp modelId="{C2FA5ED9-6193-4272-AE12-125169DCCBBD}">
+      <dsp:nvSpPr>
+        <dsp:cNvPr id="0" name=""/>
+        <dsp:cNvSpPr/>
+      </dsp:nvSpPr>
+      <dsp:spPr>
+        <a:xfrm>
+          <a:off x="4573570" y="4058869"/>
+          <a:ext cx="1789411" cy="1193537"/>
+        </a:xfrm>
+        <a:prstGeom prst="rect">
+          <a:avLst/>
+        </a:prstGeom>
+        <a:solidFill>
+          <a:schemeClr val="accent1">
+            <a:alpha val="90000"/>
+            <a:tint val="40000"/>
+            <a:hueOff val="0"/>
+            <a:satOff val="0"/>
+            <a:lumOff val="0"/>
+            <a:alphaOff val="0"/>
+          </a:schemeClr>
+        </a:solidFill>
+        <a:ln w="6350" cap="rnd" cmpd="sng" algn="ctr">
+          <a:solidFill>
+            <a:schemeClr val="accent1">
+              <a:alpha val="90000"/>
+              <a:tint val="40000"/>
+              <a:hueOff val="0"/>
+              <a:satOff val="0"/>
+              <a:lumOff val="0"/>
+              <a:alphaOff val="0"/>
+            </a:schemeClr>
+          </a:solidFill>
+          <a:prstDash val="solid"/>
+        </a:ln>
+        <a:effectLst/>
+      </dsp:spPr>
+      <dsp:style>
+        <a:lnRef idx="1">
+          <a:scrgbClr r="0" g="0" b="0"/>
+        </a:lnRef>
+        <a:fillRef idx="1">
+          <a:scrgbClr r="0" g="0" b="0"/>
+        </a:fillRef>
+        <a:effectRef idx="0">
+          <a:scrgbClr r="0" g="0" b="0"/>
+        </a:effectRef>
+        <a:fontRef idx="minor"/>
+      </dsp:style>
+      <dsp:txBody>
+        <a:bodyPr spcFirstLastPara="0" vert="horz" wrap="square" lIns="0" tIns="71120" rIns="71120" bIns="71120" numCol="1" spcCol="1270" anchor="ctr" anchorCtr="0">
+          <a:noAutofit/>
+        </a:bodyPr>
+        <a:lstStyle/>
+        <a:p>
+          <a:pPr marL="0" lvl="0" indent="0" algn="l" defTabSz="444500">
+            <a:lnSpc>
+              <a:spcPct val="90000"/>
+            </a:lnSpc>
+            <a:spcBef>
+              <a:spcPct val="0"/>
+            </a:spcBef>
+            <a:spcAft>
+              <a:spcPct val="35000"/>
+            </a:spcAft>
+            <a:buNone/>
+          </a:pPr>
+          <a:r>
+            <a:rPr lang="en-US" sz="1000" kern="1200" dirty="0"/>
+            <a:t>Given algorithms and approaches can be revised if they show possible improvements in accuracy. </a:t>
+          </a:r>
+        </a:p>
+      </dsp:txBody>
+      <dsp:txXfrm>
+        <a:off x="4859876" y="4058869"/>
+        <a:ext cx="1503105" cy="1193537"/>
       </dsp:txXfrm>
     </dsp:sp>
     <dsp:sp modelId="{FD776C1E-557E-4553-9447-49B69EEC7907}">
@@ -3585,8 +5158,8 @@
       </dsp:nvSpPr>
       <dsp:spPr>
         <a:xfrm>
-          <a:off x="2549165" y="46542"/>
-          <a:ext cx="1017472" cy="1017472"/>
+          <a:off x="3619217" y="1080"/>
+          <a:ext cx="1192941" cy="1192941"/>
         </a:xfrm>
         <a:prstGeom prst="ellipse">
           <a:avLst/>
@@ -3659,7 +5232,7 @@
         </a:bodyPr>
         <a:lstStyle/>
         <a:p>
-          <a:pPr marL="0" lvl="0" indent="0" algn="ctr" defTabSz="889000">
+          <a:pPr marL="0" lvl="0" indent="0" algn="ctr" defTabSz="577850">
             <a:lnSpc>
               <a:spcPct val="90000"/>
             </a:lnSpc>
@@ -3672,14 +5245,14 @@
             <a:buNone/>
           </a:pPr>
           <a:r>
-            <a:rPr lang="en-US" sz="2000" kern="1200" dirty="0"/>
-            <a:t>Step 2 Title</a:t>
+            <a:rPr lang="en-US" sz="1300" kern="1200" dirty="0"/>
+            <a:t>L2: Approach</a:t>
           </a:r>
         </a:p>
       </dsp:txBody>
       <dsp:txXfrm>
-        <a:off x="2698170" y="195547"/>
-        <a:ext cx="719462" cy="719462"/>
+        <a:off x="3793919" y="175782"/>
+        <a:ext cx="843537" cy="843537"/>
       </dsp:txXfrm>
     </dsp:sp>
     <dsp:sp modelId="{AD2806AC-6A03-4F05-9F4D-F72EA0E56FBF}">
@@ -3689,8 +5262,8 @@
       </dsp:nvSpPr>
       <dsp:spPr>
         <a:xfrm>
-          <a:off x="5906825" y="453531"/>
-          <a:ext cx="1526209" cy="1017981"/>
+          <a:off x="7555923" y="478256"/>
+          <a:ext cx="1789411" cy="1193537"/>
         </a:xfrm>
         <a:prstGeom prst="rect">
           <a:avLst/>
@@ -3733,12 +5306,12 @@
         <a:fontRef idx="minor"/>
       </dsp:style>
       <dsp:txBody>
-        <a:bodyPr spcFirstLastPara="0" vert="horz" wrap="square" lIns="0" tIns="120904" rIns="120904" bIns="120904" numCol="1" spcCol="1270" anchor="ctr" anchorCtr="0">
+        <a:bodyPr spcFirstLastPara="0" vert="horz" wrap="square" lIns="0" tIns="71120" rIns="71120" bIns="71120" numCol="1" spcCol="1270" anchor="ctr" anchorCtr="0">
           <a:noAutofit/>
         </a:bodyPr>
         <a:lstStyle/>
         <a:p>
-          <a:pPr marL="0" lvl="0" indent="0" algn="l" defTabSz="755650">
+          <a:pPr marL="0" lvl="0" indent="0" algn="l" defTabSz="444500">
             <a:lnSpc>
               <a:spcPct val="90000"/>
             </a:lnSpc>
@@ -3751,14 +5324,14 @@
             <a:buNone/>
           </a:pPr>
           <a:r>
-            <a:rPr lang="en-US" sz="1700" kern="1200" dirty="0"/>
-            <a:t>Task description</a:t>
+            <a:rPr lang="en-US" sz="1000" b="1" kern="1200" dirty="0"/>
+            <a:t>ARCHIVAL RESEARCH</a:t>
           </a:r>
         </a:p>
       </dsp:txBody>
       <dsp:txXfrm>
-        <a:off x="6151018" y="453531"/>
-        <a:ext cx="1282015" cy="1017981"/>
+        <a:off x="7842229" y="478256"/>
+        <a:ext cx="1503105" cy="1193537"/>
       </dsp:txXfrm>
     </dsp:sp>
     <dsp:sp modelId="{5314AADB-0AD3-4BAE-9F15-B0FE4F44C802}">
@@ -3768,8 +5341,8 @@
       </dsp:nvSpPr>
       <dsp:spPr>
         <a:xfrm>
-          <a:off x="5906825" y="1471513"/>
-          <a:ext cx="1526209" cy="1017981"/>
+          <a:off x="7555923" y="1671794"/>
+          <a:ext cx="1789411" cy="1193537"/>
         </a:xfrm>
         <a:prstGeom prst="rect">
           <a:avLst/>
@@ -3812,12 +5385,12 @@
         <a:fontRef idx="minor"/>
       </dsp:style>
       <dsp:txBody>
-        <a:bodyPr spcFirstLastPara="0" vert="horz" wrap="square" lIns="0" tIns="120904" rIns="120904" bIns="120904" numCol="1" spcCol="1270" anchor="ctr" anchorCtr="0">
+        <a:bodyPr spcFirstLastPara="0" vert="horz" wrap="square" lIns="0" tIns="71120" rIns="71120" bIns="71120" numCol="1" spcCol="1270" anchor="ctr" anchorCtr="0">
           <a:noAutofit/>
         </a:bodyPr>
         <a:lstStyle/>
         <a:p>
-          <a:pPr marL="0" lvl="0" indent="0" algn="l" defTabSz="755650">
+          <a:pPr marL="0" lvl="0" indent="0" algn="l" defTabSz="444500">
             <a:lnSpc>
               <a:spcPct val="90000"/>
             </a:lnSpc>
@@ -3830,14 +5403,172 @@
             <a:buNone/>
           </a:pPr>
           <a:r>
-            <a:rPr lang="en-US" sz="1700" kern="1200" dirty="0"/>
-            <a:t>Task description</a:t>
+            <a:rPr lang="en-US" sz="1000" kern="1200" dirty="0"/>
+            <a:t>CC Fraud research frequently begins with historical datasets with know fraud patterns.</a:t>
           </a:r>
         </a:p>
       </dsp:txBody>
       <dsp:txXfrm>
-        <a:off x="6151018" y="1471513"/>
-        <a:ext cx="1282015" cy="1017981"/>
+        <a:off x="7842229" y="1671794"/>
+        <a:ext cx="1503105" cy="1193537"/>
+      </dsp:txXfrm>
+    </dsp:sp>
+    <dsp:sp modelId="{2C25B9A8-296C-4B38-B2D5-77934B9B3D6F}">
+      <dsp:nvSpPr>
+        <dsp:cNvPr id="0" name=""/>
+        <dsp:cNvSpPr/>
+      </dsp:nvSpPr>
+      <dsp:spPr>
+        <a:xfrm>
+          <a:off x="7555923" y="2865331"/>
+          <a:ext cx="1789411" cy="1193537"/>
+        </a:xfrm>
+        <a:prstGeom prst="rect">
+          <a:avLst/>
+        </a:prstGeom>
+        <a:solidFill>
+          <a:schemeClr val="accent1">
+            <a:alpha val="90000"/>
+            <a:tint val="40000"/>
+            <a:hueOff val="0"/>
+            <a:satOff val="0"/>
+            <a:lumOff val="0"/>
+            <a:alphaOff val="0"/>
+          </a:schemeClr>
+        </a:solidFill>
+        <a:ln w="6350" cap="rnd" cmpd="sng" algn="ctr">
+          <a:solidFill>
+            <a:schemeClr val="accent1">
+              <a:alpha val="90000"/>
+              <a:tint val="40000"/>
+              <a:hueOff val="0"/>
+              <a:satOff val="0"/>
+              <a:lumOff val="0"/>
+              <a:alphaOff val="0"/>
+            </a:schemeClr>
+          </a:solidFill>
+          <a:prstDash val="solid"/>
+        </a:ln>
+        <a:effectLst/>
+      </dsp:spPr>
+      <dsp:style>
+        <a:lnRef idx="1">
+          <a:scrgbClr r="0" g="0" b="0"/>
+        </a:lnRef>
+        <a:fillRef idx="1">
+          <a:scrgbClr r="0" g="0" b="0"/>
+        </a:fillRef>
+        <a:effectRef idx="0">
+          <a:scrgbClr r="0" g="0" b="0"/>
+        </a:effectRef>
+        <a:fontRef idx="minor"/>
+      </dsp:style>
+      <dsp:txBody>
+        <a:bodyPr spcFirstLastPara="0" vert="horz" wrap="square" lIns="0" tIns="71120" rIns="71120" bIns="71120" numCol="1" spcCol="1270" anchor="ctr" anchorCtr="0">
+          <a:noAutofit/>
+        </a:bodyPr>
+        <a:lstStyle/>
+        <a:p>
+          <a:pPr marL="0" lvl="0" indent="0" algn="l" defTabSz="444500">
+            <a:lnSpc>
+              <a:spcPct val="90000"/>
+            </a:lnSpc>
+            <a:spcBef>
+              <a:spcPct val="0"/>
+            </a:spcBef>
+            <a:spcAft>
+              <a:spcPct val="35000"/>
+            </a:spcAft>
+            <a:buNone/>
+          </a:pPr>
+          <a:r>
+            <a:rPr lang="en-US" sz="1000" b="1" kern="1200" dirty="0"/>
+            <a:t>EXPERIMENT</a:t>
+          </a:r>
+        </a:p>
+      </dsp:txBody>
+      <dsp:txXfrm>
+        <a:off x="7842229" y="2865331"/>
+        <a:ext cx="1503105" cy="1193537"/>
+      </dsp:txXfrm>
+    </dsp:sp>
+    <dsp:sp modelId="{92809064-2543-4FD9-BF7E-6960E0917672}">
+      <dsp:nvSpPr>
+        <dsp:cNvPr id="0" name=""/>
+        <dsp:cNvSpPr/>
+      </dsp:nvSpPr>
+      <dsp:spPr>
+        <a:xfrm>
+          <a:off x="7555923" y="4058869"/>
+          <a:ext cx="1789411" cy="1193537"/>
+        </a:xfrm>
+        <a:prstGeom prst="rect">
+          <a:avLst/>
+        </a:prstGeom>
+        <a:solidFill>
+          <a:schemeClr val="accent1">
+            <a:alpha val="90000"/>
+            <a:tint val="40000"/>
+            <a:hueOff val="0"/>
+            <a:satOff val="0"/>
+            <a:lumOff val="0"/>
+            <a:alphaOff val="0"/>
+          </a:schemeClr>
+        </a:solidFill>
+        <a:ln w="6350" cap="rnd" cmpd="sng" algn="ctr">
+          <a:solidFill>
+            <a:schemeClr val="accent1">
+              <a:alpha val="90000"/>
+              <a:tint val="40000"/>
+              <a:hueOff val="0"/>
+              <a:satOff val="0"/>
+              <a:lumOff val="0"/>
+              <a:alphaOff val="0"/>
+            </a:schemeClr>
+          </a:solidFill>
+          <a:prstDash val="solid"/>
+        </a:ln>
+        <a:effectLst/>
+      </dsp:spPr>
+      <dsp:style>
+        <a:lnRef idx="1">
+          <a:scrgbClr r="0" g="0" b="0"/>
+        </a:lnRef>
+        <a:fillRef idx="1">
+          <a:scrgbClr r="0" g="0" b="0"/>
+        </a:fillRef>
+        <a:effectRef idx="0">
+          <a:scrgbClr r="0" g="0" b="0"/>
+        </a:effectRef>
+        <a:fontRef idx="minor"/>
+      </dsp:style>
+      <dsp:txBody>
+        <a:bodyPr spcFirstLastPara="0" vert="horz" wrap="square" lIns="0" tIns="71120" rIns="71120" bIns="71120" numCol="1" spcCol="1270" anchor="ctr" anchorCtr="0">
+          <a:noAutofit/>
+        </a:bodyPr>
+        <a:lstStyle/>
+        <a:p>
+          <a:pPr marL="0" lvl="0" indent="0" algn="l" defTabSz="444500">
+            <a:lnSpc>
+              <a:spcPct val="90000"/>
+            </a:lnSpc>
+            <a:spcBef>
+              <a:spcPct val="0"/>
+            </a:spcBef>
+            <a:spcAft>
+              <a:spcPct val="35000"/>
+            </a:spcAft>
+            <a:buNone/>
+          </a:pPr>
+          <a:r>
+            <a:rPr lang="en-US" sz="1000" kern="1200" dirty="0"/>
+            <a:t>Data scientists iterate through multiple experiments using different algorithms and parameters to assess accuracy.</a:t>
+          </a:r>
+        </a:p>
+      </dsp:txBody>
+      <dsp:txXfrm>
+        <a:off x="7842229" y="4058869"/>
+        <a:ext cx="1503105" cy="1193537"/>
       </dsp:txXfrm>
     </dsp:sp>
     <dsp:sp modelId="{89E6DA6E-7A23-44BD-8A99-378091FF741D}">
@@ -3847,8 +5578,8 @@
       </dsp:nvSpPr>
       <dsp:spPr>
         <a:xfrm>
-          <a:off x="5092847" y="46542"/>
-          <a:ext cx="1017472" cy="1017472"/>
+          <a:off x="6601570" y="1080"/>
+          <a:ext cx="1192941" cy="1192941"/>
         </a:xfrm>
         <a:prstGeom prst="ellipse">
           <a:avLst/>
@@ -3921,7 +5652,7 @@
         </a:bodyPr>
         <a:lstStyle/>
         <a:p>
-          <a:pPr marL="0" lvl="0" indent="0" algn="ctr" defTabSz="889000">
+          <a:pPr marL="0" lvl="0" indent="0" algn="ctr" defTabSz="577850">
             <a:lnSpc>
               <a:spcPct val="90000"/>
             </a:lnSpc>
@@ -3934,25 +5665,37 @@
             <a:buNone/>
           </a:pPr>
           <a:r>
-            <a:rPr lang="en-US" sz="2000" kern="1200" dirty="0"/>
-            <a:t>Step 3 Title</a:t>
+            <a:rPr lang="en-US" sz="1300" kern="1200" dirty="0"/>
+            <a:t>L3: Research Strategies</a:t>
           </a:r>
         </a:p>
       </dsp:txBody>
       <dsp:txXfrm>
-        <a:off x="5241852" y="195547"/>
-        <a:ext cx="719462" cy="719462"/>
+        <a:off x="6776272" y="175782"/>
+        <a:ext cx="843537" cy="843537"/>
       </dsp:txXfrm>
     </dsp:sp>
-    <dsp:sp modelId="{402C2C77-A32C-4D99-9940-12535E1181F2}">
+  </dsp:spTree>
+</dsp:drawing>
+</file>
+
+<file path=ppt/diagrams/drawing2.xml><?xml version="1.0" encoding="utf-8"?>
+<dsp:drawing xmlns:dgm="http://schemas.openxmlformats.org/drawingml/2006/diagram" xmlns:dsp="http://schemas.microsoft.com/office/drawing/2008/diagram" xmlns:a="http://schemas.openxmlformats.org/drawingml/2006/main">
+  <dsp:spTree>
+    <dsp:nvGrpSpPr>
+      <dsp:cNvPr id="0" name=""/>
+      <dsp:cNvGrpSpPr/>
+    </dsp:nvGrpSpPr>
+    <dsp:grpSpPr/>
+    <dsp:sp modelId="{6B08AC4B-4CEC-41E5-AE19-47A4E2720563}">
       <dsp:nvSpPr>
         <dsp:cNvPr id="0" name=""/>
         <dsp:cNvSpPr/>
       </dsp:nvSpPr>
       <dsp:spPr>
         <a:xfrm>
-          <a:off x="8450507" y="453531"/>
-          <a:ext cx="1526209" cy="1017981"/>
+          <a:off x="2032264" y="416223"/>
+          <a:ext cx="1557281" cy="1038706"/>
         </a:xfrm>
         <a:prstGeom prst="rect">
           <a:avLst/>
@@ -3995,12 +5738,12 @@
         <a:fontRef idx="minor"/>
       </dsp:style>
       <dsp:txBody>
-        <a:bodyPr spcFirstLastPara="0" vert="horz" wrap="square" lIns="0" tIns="120904" rIns="120904" bIns="120904" numCol="1" spcCol="1270" anchor="ctr" anchorCtr="0">
+        <a:bodyPr spcFirstLastPara="0" vert="horz" wrap="square" lIns="0" tIns="128016" rIns="128016" bIns="128016" numCol="1" spcCol="1270" anchor="ctr" anchorCtr="0">
           <a:noAutofit/>
         </a:bodyPr>
         <a:lstStyle/>
         <a:p>
-          <a:pPr marL="0" lvl="0" indent="0" algn="l" defTabSz="755650">
+          <a:pPr marL="0" lvl="0" indent="0" algn="l" defTabSz="800100">
             <a:lnSpc>
               <a:spcPct val="90000"/>
             </a:lnSpc>
@@ -4013,25 +5756,25 @@
             <a:buNone/>
           </a:pPr>
           <a:r>
-            <a:rPr lang="en-US" sz="1700" kern="1200" dirty="0"/>
+            <a:rPr lang="en-US" sz="1800" kern="1200" dirty="0"/>
             <a:t>Task description</a:t>
           </a:r>
         </a:p>
       </dsp:txBody>
       <dsp:txXfrm>
-        <a:off x="8694700" y="453531"/>
-        <a:ext cx="1282015" cy="1017981"/>
+        <a:off x="2281429" y="416223"/>
+        <a:ext cx="1308116" cy="1038706"/>
       </dsp:txXfrm>
     </dsp:sp>
-    <dsp:sp modelId="{3086D0BF-AAD1-4310-88ED-4D81A687BD50}">
+    <dsp:sp modelId="{59179C9B-8BA4-4AC7-ACB1-A12DE00142E2}">
       <dsp:nvSpPr>
         <dsp:cNvPr id="0" name=""/>
         <dsp:cNvSpPr/>
       </dsp:nvSpPr>
       <dsp:spPr>
         <a:xfrm>
-          <a:off x="8450507" y="1471513"/>
-          <a:ext cx="1526209" cy="1017981"/>
+          <a:off x="2032264" y="1454930"/>
+          <a:ext cx="1557281" cy="1038706"/>
         </a:xfrm>
         <a:prstGeom prst="rect">
           <a:avLst/>
@@ -4074,12 +5817,12 @@
         <a:fontRef idx="minor"/>
       </dsp:style>
       <dsp:txBody>
-        <a:bodyPr spcFirstLastPara="0" vert="horz" wrap="square" lIns="0" tIns="120904" rIns="120904" bIns="120904" numCol="1" spcCol="1270" anchor="ctr" anchorCtr="0">
+        <a:bodyPr spcFirstLastPara="0" vert="horz" wrap="square" lIns="0" tIns="128016" rIns="128016" bIns="128016" numCol="1" spcCol="1270" anchor="ctr" anchorCtr="0">
           <a:noAutofit/>
         </a:bodyPr>
         <a:lstStyle/>
         <a:p>
-          <a:pPr marL="0" lvl="0" indent="0" algn="l" defTabSz="755650">
+          <a:pPr marL="0" lvl="0" indent="0" algn="l" defTabSz="800100">
             <a:lnSpc>
               <a:spcPct val="90000"/>
             </a:lnSpc>
@@ -4092,25 +5835,183 @@
             <a:buNone/>
           </a:pPr>
           <a:r>
-            <a:rPr lang="en-US" sz="1700" kern="1200" dirty="0"/>
+            <a:rPr lang="en-US" sz="1800" kern="1200" dirty="0"/>
             <a:t>Task description</a:t>
           </a:r>
         </a:p>
       </dsp:txBody>
       <dsp:txXfrm>
-        <a:off x="8694700" y="1471513"/>
-        <a:ext cx="1282015" cy="1017981"/>
+        <a:off x="2281429" y="1454930"/>
+        <a:ext cx="1308116" cy="1038706"/>
       </dsp:txXfrm>
     </dsp:sp>
-    <dsp:sp modelId="{7453D9C8-CD6E-4AA4-8A19-7F6F667528F0}">
+    <dsp:sp modelId="{1877502C-A892-4DC0-ADA6-FA065097BB90}">
       <dsp:nvSpPr>
         <dsp:cNvPr id="0" name=""/>
         <dsp:cNvSpPr/>
       </dsp:nvSpPr>
       <dsp:spPr>
         <a:xfrm>
-          <a:off x="7636529" y="46542"/>
-          <a:ext cx="1017472" cy="1017472"/>
+          <a:off x="2032264" y="2493637"/>
+          <a:ext cx="1557281" cy="1038706"/>
+        </a:xfrm>
+        <a:prstGeom prst="rect">
+          <a:avLst/>
+        </a:prstGeom>
+        <a:solidFill>
+          <a:schemeClr val="accent1">
+            <a:alpha val="90000"/>
+            <a:tint val="40000"/>
+            <a:hueOff val="0"/>
+            <a:satOff val="0"/>
+            <a:lumOff val="0"/>
+            <a:alphaOff val="0"/>
+          </a:schemeClr>
+        </a:solidFill>
+        <a:ln w="6350" cap="rnd" cmpd="sng" algn="ctr">
+          <a:solidFill>
+            <a:schemeClr val="accent1">
+              <a:alpha val="90000"/>
+              <a:tint val="40000"/>
+              <a:hueOff val="0"/>
+              <a:satOff val="0"/>
+              <a:lumOff val="0"/>
+              <a:alphaOff val="0"/>
+            </a:schemeClr>
+          </a:solidFill>
+          <a:prstDash val="solid"/>
+        </a:ln>
+        <a:effectLst/>
+      </dsp:spPr>
+      <dsp:style>
+        <a:lnRef idx="1">
+          <a:scrgbClr r="0" g="0" b="0"/>
+        </a:lnRef>
+        <a:fillRef idx="1">
+          <a:scrgbClr r="0" g="0" b="0"/>
+        </a:fillRef>
+        <a:effectRef idx="0">
+          <a:scrgbClr r="0" g="0" b="0"/>
+        </a:effectRef>
+        <a:fontRef idx="minor"/>
+      </dsp:style>
+      <dsp:txBody>
+        <a:bodyPr spcFirstLastPara="0" vert="horz" wrap="square" lIns="0" tIns="128016" rIns="128016" bIns="128016" numCol="1" spcCol="1270" anchor="ctr" anchorCtr="0">
+          <a:noAutofit/>
+        </a:bodyPr>
+        <a:lstStyle/>
+        <a:p>
+          <a:pPr marL="0" lvl="0" indent="0" algn="l" defTabSz="800100">
+            <a:lnSpc>
+              <a:spcPct val="90000"/>
+            </a:lnSpc>
+            <a:spcBef>
+              <a:spcPct val="0"/>
+            </a:spcBef>
+            <a:spcAft>
+              <a:spcPct val="35000"/>
+            </a:spcAft>
+            <a:buNone/>
+          </a:pPr>
+          <a:r>
+            <a:rPr lang="en-US" sz="1800" kern="1200" dirty="0"/>
+            <a:t>Task description</a:t>
+          </a:r>
+        </a:p>
+      </dsp:txBody>
+      <dsp:txXfrm>
+        <a:off x="2281429" y="2493637"/>
+        <a:ext cx="1308116" cy="1038706"/>
+      </dsp:txXfrm>
+    </dsp:sp>
+    <dsp:sp modelId="{51F68A05-A560-4C6F-BC90-521AEF3B0907}">
+      <dsp:nvSpPr>
+        <dsp:cNvPr id="0" name=""/>
+        <dsp:cNvSpPr/>
+      </dsp:nvSpPr>
+      <dsp:spPr>
+        <a:xfrm>
+          <a:off x="2032264" y="3532344"/>
+          <a:ext cx="1557281" cy="1038706"/>
+        </a:xfrm>
+        <a:prstGeom prst="rect">
+          <a:avLst/>
+        </a:prstGeom>
+        <a:solidFill>
+          <a:schemeClr val="accent1">
+            <a:alpha val="90000"/>
+            <a:tint val="40000"/>
+            <a:hueOff val="0"/>
+            <a:satOff val="0"/>
+            <a:lumOff val="0"/>
+            <a:alphaOff val="0"/>
+          </a:schemeClr>
+        </a:solidFill>
+        <a:ln w="6350" cap="rnd" cmpd="sng" algn="ctr">
+          <a:solidFill>
+            <a:schemeClr val="accent1">
+              <a:alpha val="90000"/>
+              <a:tint val="40000"/>
+              <a:hueOff val="0"/>
+              <a:satOff val="0"/>
+              <a:lumOff val="0"/>
+              <a:alphaOff val="0"/>
+            </a:schemeClr>
+          </a:solidFill>
+          <a:prstDash val="solid"/>
+        </a:ln>
+        <a:effectLst/>
+      </dsp:spPr>
+      <dsp:style>
+        <a:lnRef idx="1">
+          <a:scrgbClr r="0" g="0" b="0"/>
+        </a:lnRef>
+        <a:fillRef idx="1">
+          <a:scrgbClr r="0" g="0" b="0"/>
+        </a:fillRef>
+        <a:effectRef idx="0">
+          <a:scrgbClr r="0" g="0" b="0"/>
+        </a:effectRef>
+        <a:fontRef idx="minor"/>
+      </dsp:style>
+      <dsp:txBody>
+        <a:bodyPr spcFirstLastPara="0" vert="horz" wrap="square" lIns="0" tIns="128016" rIns="128016" bIns="128016" numCol="1" spcCol="1270" anchor="ctr" anchorCtr="0">
+          <a:noAutofit/>
+        </a:bodyPr>
+        <a:lstStyle/>
+        <a:p>
+          <a:pPr marL="0" lvl="0" indent="0" algn="l" defTabSz="800100">
+            <a:lnSpc>
+              <a:spcPct val="90000"/>
+            </a:lnSpc>
+            <a:spcBef>
+              <a:spcPct val="0"/>
+            </a:spcBef>
+            <a:spcAft>
+              <a:spcPct val="35000"/>
+            </a:spcAft>
+            <a:buNone/>
+          </a:pPr>
+          <a:r>
+            <a:rPr lang="en-US" sz="1800" kern="1200" dirty="0"/>
+            <a:t>Task description</a:t>
+          </a:r>
+        </a:p>
+      </dsp:txBody>
+      <dsp:txXfrm>
+        <a:off x="2281429" y="3532344"/>
+        <a:ext cx="1308116" cy="1038706"/>
+      </dsp:txXfrm>
+    </dsp:sp>
+    <dsp:sp modelId="{FC7ED273-8CFD-43C2-9C05-44FADF3E0637}">
+      <dsp:nvSpPr>
+        <dsp:cNvPr id="0" name=""/>
+        <dsp:cNvSpPr/>
+      </dsp:nvSpPr>
+      <dsp:spPr>
+        <a:xfrm>
+          <a:off x="1201714" y="948"/>
+          <a:ext cx="1038187" cy="1038187"/>
         </a:xfrm>
         <a:prstGeom prst="ellipse">
           <a:avLst/>
@@ -4183,7 +6084,7 @@
         </a:bodyPr>
         <a:lstStyle/>
         <a:p>
-          <a:pPr marL="0" lvl="0" indent="0" algn="ctr" defTabSz="889000">
+          <a:pPr marL="0" lvl="0" indent="0" algn="ctr" defTabSz="488950">
             <a:lnSpc>
               <a:spcPct val="90000"/>
             </a:lnSpc>
@@ -4196,14 +6097,617 @@
             <a:buNone/>
           </a:pPr>
           <a:r>
-            <a:rPr lang="en-US" sz="2000" kern="1200" dirty="0"/>
-            <a:t>Step 4 Title</a:t>
+            <a:rPr lang="en-US" sz="1100" kern="1200" dirty="0"/>
+            <a:t>L4: Choices</a:t>
           </a:r>
         </a:p>
       </dsp:txBody>
       <dsp:txXfrm>
-        <a:off x="7785534" y="195547"/>
-        <a:ext cx="719462" cy="719462"/>
+        <a:off x="1353753" y="152987"/>
+        <a:ext cx="734109" cy="734109"/>
+      </dsp:txXfrm>
+    </dsp:sp>
+    <dsp:sp modelId="{F660F4B9-35DB-4256-A868-A35C6DCCF6B2}">
+      <dsp:nvSpPr>
+        <dsp:cNvPr id="0" name=""/>
+        <dsp:cNvSpPr/>
+      </dsp:nvSpPr>
+      <dsp:spPr>
+        <a:xfrm>
+          <a:off x="4627734" y="416223"/>
+          <a:ext cx="1557281" cy="1038706"/>
+        </a:xfrm>
+        <a:prstGeom prst="rect">
+          <a:avLst/>
+        </a:prstGeom>
+        <a:solidFill>
+          <a:schemeClr val="accent1">
+            <a:alpha val="90000"/>
+            <a:tint val="40000"/>
+            <a:hueOff val="0"/>
+            <a:satOff val="0"/>
+            <a:lumOff val="0"/>
+            <a:alphaOff val="0"/>
+          </a:schemeClr>
+        </a:solidFill>
+        <a:ln w="6350" cap="rnd" cmpd="sng" algn="ctr">
+          <a:solidFill>
+            <a:schemeClr val="accent1">
+              <a:alpha val="90000"/>
+              <a:tint val="40000"/>
+              <a:hueOff val="0"/>
+              <a:satOff val="0"/>
+              <a:lumOff val="0"/>
+              <a:alphaOff val="0"/>
+            </a:schemeClr>
+          </a:solidFill>
+          <a:prstDash val="solid"/>
+        </a:ln>
+        <a:effectLst/>
+      </dsp:spPr>
+      <dsp:style>
+        <a:lnRef idx="1">
+          <a:scrgbClr r="0" g="0" b="0"/>
+        </a:lnRef>
+        <a:fillRef idx="1">
+          <a:scrgbClr r="0" g="0" b="0"/>
+        </a:fillRef>
+        <a:effectRef idx="0">
+          <a:scrgbClr r="0" g="0" b="0"/>
+        </a:effectRef>
+        <a:fontRef idx="minor"/>
+      </dsp:style>
+      <dsp:txBody>
+        <a:bodyPr spcFirstLastPara="0" vert="horz" wrap="square" lIns="0" tIns="128016" rIns="128016" bIns="128016" numCol="1" spcCol="1270" anchor="ctr" anchorCtr="0">
+          <a:noAutofit/>
+        </a:bodyPr>
+        <a:lstStyle/>
+        <a:p>
+          <a:pPr marL="0" lvl="0" indent="0" algn="l" defTabSz="800100">
+            <a:lnSpc>
+              <a:spcPct val="90000"/>
+            </a:lnSpc>
+            <a:spcBef>
+              <a:spcPct val="0"/>
+            </a:spcBef>
+            <a:spcAft>
+              <a:spcPct val="35000"/>
+            </a:spcAft>
+            <a:buNone/>
+          </a:pPr>
+          <a:r>
+            <a:rPr lang="en-US" sz="1800" kern="1200" dirty="0"/>
+            <a:t>Task description</a:t>
+          </a:r>
+        </a:p>
+      </dsp:txBody>
+      <dsp:txXfrm>
+        <a:off x="4876899" y="416223"/>
+        <a:ext cx="1308116" cy="1038706"/>
+      </dsp:txXfrm>
+    </dsp:sp>
+    <dsp:sp modelId="{614EBA0E-D12B-447E-B378-B0FA2DEBEA2F}">
+      <dsp:nvSpPr>
+        <dsp:cNvPr id="0" name=""/>
+        <dsp:cNvSpPr/>
+      </dsp:nvSpPr>
+      <dsp:spPr>
+        <a:xfrm>
+          <a:off x="4627734" y="1454930"/>
+          <a:ext cx="1557281" cy="1038706"/>
+        </a:xfrm>
+        <a:prstGeom prst="rect">
+          <a:avLst/>
+        </a:prstGeom>
+        <a:solidFill>
+          <a:schemeClr val="accent1">
+            <a:alpha val="90000"/>
+            <a:tint val="40000"/>
+            <a:hueOff val="0"/>
+            <a:satOff val="0"/>
+            <a:lumOff val="0"/>
+            <a:alphaOff val="0"/>
+          </a:schemeClr>
+        </a:solidFill>
+        <a:ln w="6350" cap="rnd" cmpd="sng" algn="ctr">
+          <a:solidFill>
+            <a:schemeClr val="accent1">
+              <a:alpha val="90000"/>
+              <a:tint val="40000"/>
+              <a:hueOff val="0"/>
+              <a:satOff val="0"/>
+              <a:lumOff val="0"/>
+              <a:alphaOff val="0"/>
+            </a:schemeClr>
+          </a:solidFill>
+          <a:prstDash val="solid"/>
+        </a:ln>
+        <a:effectLst/>
+      </dsp:spPr>
+      <dsp:style>
+        <a:lnRef idx="1">
+          <a:scrgbClr r="0" g="0" b="0"/>
+        </a:lnRef>
+        <a:fillRef idx="1">
+          <a:scrgbClr r="0" g="0" b="0"/>
+        </a:fillRef>
+        <a:effectRef idx="0">
+          <a:scrgbClr r="0" g="0" b="0"/>
+        </a:effectRef>
+        <a:fontRef idx="minor"/>
+      </dsp:style>
+      <dsp:txBody>
+        <a:bodyPr spcFirstLastPara="0" vert="horz" wrap="square" lIns="0" tIns="128016" rIns="128016" bIns="128016" numCol="1" spcCol="1270" anchor="ctr" anchorCtr="0">
+          <a:noAutofit/>
+        </a:bodyPr>
+        <a:lstStyle/>
+        <a:p>
+          <a:pPr marL="0" lvl="0" indent="0" algn="l" defTabSz="800100">
+            <a:lnSpc>
+              <a:spcPct val="90000"/>
+            </a:lnSpc>
+            <a:spcBef>
+              <a:spcPct val="0"/>
+            </a:spcBef>
+            <a:spcAft>
+              <a:spcPct val="35000"/>
+            </a:spcAft>
+            <a:buNone/>
+          </a:pPr>
+          <a:r>
+            <a:rPr lang="en-US" sz="1800" kern="1200" dirty="0"/>
+            <a:t>Task description</a:t>
+          </a:r>
+        </a:p>
+      </dsp:txBody>
+      <dsp:txXfrm>
+        <a:off x="4876899" y="1454930"/>
+        <a:ext cx="1308116" cy="1038706"/>
+      </dsp:txXfrm>
+    </dsp:sp>
+    <dsp:sp modelId="{68509703-D239-4E1B-8CF0-EF08079E1226}">
+      <dsp:nvSpPr>
+        <dsp:cNvPr id="0" name=""/>
+        <dsp:cNvSpPr/>
+      </dsp:nvSpPr>
+      <dsp:spPr>
+        <a:xfrm>
+          <a:off x="4627734" y="2493637"/>
+          <a:ext cx="1557281" cy="1038706"/>
+        </a:xfrm>
+        <a:prstGeom prst="rect">
+          <a:avLst/>
+        </a:prstGeom>
+        <a:solidFill>
+          <a:schemeClr val="accent1">
+            <a:alpha val="90000"/>
+            <a:tint val="40000"/>
+            <a:hueOff val="0"/>
+            <a:satOff val="0"/>
+            <a:lumOff val="0"/>
+            <a:alphaOff val="0"/>
+          </a:schemeClr>
+        </a:solidFill>
+        <a:ln w="6350" cap="rnd" cmpd="sng" algn="ctr">
+          <a:solidFill>
+            <a:schemeClr val="accent1">
+              <a:alpha val="90000"/>
+              <a:tint val="40000"/>
+              <a:hueOff val="0"/>
+              <a:satOff val="0"/>
+              <a:lumOff val="0"/>
+              <a:alphaOff val="0"/>
+            </a:schemeClr>
+          </a:solidFill>
+          <a:prstDash val="solid"/>
+        </a:ln>
+        <a:effectLst/>
+      </dsp:spPr>
+      <dsp:style>
+        <a:lnRef idx="1">
+          <a:scrgbClr r="0" g="0" b="0"/>
+        </a:lnRef>
+        <a:fillRef idx="1">
+          <a:scrgbClr r="0" g="0" b="0"/>
+        </a:fillRef>
+        <a:effectRef idx="0">
+          <a:scrgbClr r="0" g="0" b="0"/>
+        </a:effectRef>
+        <a:fontRef idx="minor"/>
+      </dsp:style>
+      <dsp:txBody>
+        <a:bodyPr spcFirstLastPara="0" vert="horz" wrap="square" lIns="0" tIns="128016" rIns="128016" bIns="128016" numCol="1" spcCol="1270" anchor="ctr" anchorCtr="0">
+          <a:noAutofit/>
+        </a:bodyPr>
+        <a:lstStyle/>
+        <a:p>
+          <a:pPr marL="0" lvl="0" indent="0" algn="l" defTabSz="800100">
+            <a:lnSpc>
+              <a:spcPct val="90000"/>
+            </a:lnSpc>
+            <a:spcBef>
+              <a:spcPct val="0"/>
+            </a:spcBef>
+            <a:spcAft>
+              <a:spcPct val="35000"/>
+            </a:spcAft>
+            <a:buNone/>
+          </a:pPr>
+          <a:r>
+            <a:rPr lang="en-US" sz="1800" kern="1200" dirty="0"/>
+            <a:t>Task description</a:t>
+          </a:r>
+        </a:p>
+      </dsp:txBody>
+      <dsp:txXfrm>
+        <a:off x="4876899" y="2493637"/>
+        <a:ext cx="1308116" cy="1038706"/>
+      </dsp:txXfrm>
+    </dsp:sp>
+    <dsp:sp modelId="{FD776C1E-557E-4553-9447-49B69EEC7907}">
+      <dsp:nvSpPr>
+        <dsp:cNvPr id="0" name=""/>
+        <dsp:cNvSpPr/>
+      </dsp:nvSpPr>
+      <dsp:spPr>
+        <a:xfrm>
+          <a:off x="3797184" y="948"/>
+          <a:ext cx="1038187" cy="1038187"/>
+        </a:xfrm>
+        <a:prstGeom prst="ellipse">
+          <a:avLst/>
+        </a:prstGeom>
+        <a:gradFill rotWithShape="0">
+          <a:gsLst>
+            <a:gs pos="0">
+              <a:schemeClr val="accent1">
+                <a:hueOff val="0"/>
+                <a:satOff val="0"/>
+                <a:lumOff val="0"/>
+                <a:alphaOff val="0"/>
+                <a:shade val="100000"/>
+                <a:satMod val="137000"/>
+              </a:schemeClr>
+            </a:gs>
+            <a:gs pos="71000">
+              <a:schemeClr val="accent1">
+                <a:hueOff val="0"/>
+                <a:satOff val="0"/>
+                <a:lumOff val="0"/>
+                <a:alphaOff val="0"/>
+                <a:shade val="98000"/>
+                <a:satMod val="137000"/>
+              </a:schemeClr>
+            </a:gs>
+            <a:gs pos="100000">
+              <a:schemeClr val="accent1">
+                <a:hueOff val="0"/>
+                <a:satOff val="0"/>
+                <a:lumOff val="0"/>
+                <a:alphaOff val="0"/>
+                <a:shade val="75000"/>
+                <a:satMod val="137000"/>
+              </a:schemeClr>
+            </a:gs>
+          </a:gsLst>
+          <a:path path="rect">
+            <a:fillToRect l="50000" t="50000" r="50000" b="50000"/>
+          </a:path>
+        </a:gradFill>
+        <a:ln>
+          <a:noFill/>
+        </a:ln>
+        <a:effectLst>
+          <a:outerShdw blurRad="39000" dist="25400" dir="5400000" rotWithShape="0">
+            <a:srgbClr val="000000">
+              <a:alpha val="38000"/>
+            </a:srgbClr>
+          </a:outerShdw>
+        </a:effectLst>
+      </dsp:spPr>
+      <dsp:style>
+        <a:lnRef idx="0">
+          <a:scrgbClr r="0" g="0" b="0"/>
+        </a:lnRef>
+        <a:fillRef idx="3">
+          <a:scrgbClr r="0" g="0" b="0"/>
+        </a:fillRef>
+        <a:effectRef idx="2">
+          <a:scrgbClr r="0" g="0" b="0"/>
+        </a:effectRef>
+        <a:fontRef idx="minor">
+          <a:schemeClr val="lt1"/>
+        </a:fontRef>
+      </dsp:style>
+      <dsp:txBody>
+        <a:bodyPr spcFirstLastPara="0" vert="horz" wrap="square" lIns="0" tIns="0" rIns="0" bIns="0" numCol="1" spcCol="1270" anchor="ctr" anchorCtr="0">
+          <a:noAutofit/>
+        </a:bodyPr>
+        <a:lstStyle/>
+        <a:p>
+          <a:pPr marL="0" lvl="0" indent="0" algn="ctr" defTabSz="488950">
+            <a:lnSpc>
+              <a:spcPct val="90000"/>
+            </a:lnSpc>
+            <a:spcBef>
+              <a:spcPct val="0"/>
+            </a:spcBef>
+            <a:spcAft>
+              <a:spcPct val="35000"/>
+            </a:spcAft>
+            <a:buNone/>
+          </a:pPr>
+          <a:r>
+            <a:rPr lang="en-US" sz="1100" kern="1200" dirty="0"/>
+            <a:t>L5: Time Horizons</a:t>
+          </a:r>
+        </a:p>
+      </dsp:txBody>
+      <dsp:txXfrm>
+        <a:off x="3949223" y="152987"/>
+        <a:ext cx="734109" cy="734109"/>
+      </dsp:txXfrm>
+    </dsp:sp>
+    <dsp:sp modelId="{AD2806AC-6A03-4F05-9F4D-F72EA0E56FBF}">
+      <dsp:nvSpPr>
+        <dsp:cNvPr id="0" name=""/>
+        <dsp:cNvSpPr/>
+      </dsp:nvSpPr>
+      <dsp:spPr>
+        <a:xfrm>
+          <a:off x="7223203" y="416223"/>
+          <a:ext cx="1557281" cy="1038706"/>
+        </a:xfrm>
+        <a:prstGeom prst="rect">
+          <a:avLst/>
+        </a:prstGeom>
+        <a:solidFill>
+          <a:schemeClr val="accent1">
+            <a:alpha val="90000"/>
+            <a:tint val="40000"/>
+            <a:hueOff val="0"/>
+            <a:satOff val="0"/>
+            <a:lumOff val="0"/>
+            <a:alphaOff val="0"/>
+          </a:schemeClr>
+        </a:solidFill>
+        <a:ln w="6350" cap="rnd" cmpd="sng" algn="ctr">
+          <a:solidFill>
+            <a:schemeClr val="accent1">
+              <a:alpha val="90000"/>
+              <a:tint val="40000"/>
+              <a:hueOff val="0"/>
+              <a:satOff val="0"/>
+              <a:lumOff val="0"/>
+              <a:alphaOff val="0"/>
+            </a:schemeClr>
+          </a:solidFill>
+          <a:prstDash val="solid"/>
+        </a:ln>
+        <a:effectLst/>
+      </dsp:spPr>
+      <dsp:style>
+        <a:lnRef idx="1">
+          <a:scrgbClr r="0" g="0" b="0"/>
+        </a:lnRef>
+        <a:fillRef idx="1">
+          <a:scrgbClr r="0" g="0" b="0"/>
+        </a:fillRef>
+        <a:effectRef idx="0">
+          <a:scrgbClr r="0" g="0" b="0"/>
+        </a:effectRef>
+        <a:fontRef idx="minor"/>
+      </dsp:style>
+      <dsp:txBody>
+        <a:bodyPr spcFirstLastPara="0" vert="horz" wrap="square" lIns="0" tIns="128016" rIns="128016" bIns="128016" numCol="1" spcCol="1270" anchor="ctr" anchorCtr="0">
+          <a:noAutofit/>
+        </a:bodyPr>
+        <a:lstStyle/>
+        <a:p>
+          <a:pPr marL="0" lvl="0" indent="0" algn="l" defTabSz="800100">
+            <a:lnSpc>
+              <a:spcPct val="90000"/>
+            </a:lnSpc>
+            <a:spcBef>
+              <a:spcPct val="0"/>
+            </a:spcBef>
+            <a:spcAft>
+              <a:spcPct val="35000"/>
+            </a:spcAft>
+            <a:buNone/>
+          </a:pPr>
+          <a:r>
+            <a:rPr lang="en-US" sz="1800" kern="1200" dirty="0"/>
+            <a:t>Task description</a:t>
+          </a:r>
+        </a:p>
+      </dsp:txBody>
+      <dsp:txXfrm>
+        <a:off x="7472368" y="416223"/>
+        <a:ext cx="1308116" cy="1038706"/>
+      </dsp:txXfrm>
+    </dsp:sp>
+    <dsp:sp modelId="{5314AADB-0AD3-4BAE-9F15-B0FE4F44C802}">
+      <dsp:nvSpPr>
+        <dsp:cNvPr id="0" name=""/>
+        <dsp:cNvSpPr/>
+      </dsp:nvSpPr>
+      <dsp:spPr>
+        <a:xfrm>
+          <a:off x="7223203" y="1454930"/>
+          <a:ext cx="1557281" cy="1038706"/>
+        </a:xfrm>
+        <a:prstGeom prst="rect">
+          <a:avLst/>
+        </a:prstGeom>
+        <a:solidFill>
+          <a:schemeClr val="accent1">
+            <a:alpha val="90000"/>
+            <a:tint val="40000"/>
+            <a:hueOff val="0"/>
+            <a:satOff val="0"/>
+            <a:lumOff val="0"/>
+            <a:alphaOff val="0"/>
+          </a:schemeClr>
+        </a:solidFill>
+        <a:ln w="6350" cap="rnd" cmpd="sng" algn="ctr">
+          <a:solidFill>
+            <a:schemeClr val="accent1">
+              <a:alpha val="90000"/>
+              <a:tint val="40000"/>
+              <a:hueOff val="0"/>
+              <a:satOff val="0"/>
+              <a:lumOff val="0"/>
+              <a:alphaOff val="0"/>
+            </a:schemeClr>
+          </a:solidFill>
+          <a:prstDash val="solid"/>
+        </a:ln>
+        <a:effectLst/>
+      </dsp:spPr>
+      <dsp:style>
+        <a:lnRef idx="1">
+          <a:scrgbClr r="0" g="0" b="0"/>
+        </a:lnRef>
+        <a:fillRef idx="1">
+          <a:scrgbClr r="0" g="0" b="0"/>
+        </a:fillRef>
+        <a:effectRef idx="0">
+          <a:scrgbClr r="0" g="0" b="0"/>
+        </a:effectRef>
+        <a:fontRef idx="minor"/>
+      </dsp:style>
+      <dsp:txBody>
+        <a:bodyPr spcFirstLastPara="0" vert="horz" wrap="square" lIns="0" tIns="128016" rIns="128016" bIns="128016" numCol="1" spcCol="1270" anchor="ctr" anchorCtr="0">
+          <a:noAutofit/>
+        </a:bodyPr>
+        <a:lstStyle/>
+        <a:p>
+          <a:pPr marL="0" lvl="0" indent="0" algn="l" defTabSz="800100">
+            <a:lnSpc>
+              <a:spcPct val="90000"/>
+            </a:lnSpc>
+            <a:spcBef>
+              <a:spcPct val="0"/>
+            </a:spcBef>
+            <a:spcAft>
+              <a:spcPct val="35000"/>
+            </a:spcAft>
+            <a:buNone/>
+          </a:pPr>
+          <a:r>
+            <a:rPr lang="en-US" sz="1800" kern="1200" dirty="0"/>
+            <a:t>Task description</a:t>
+          </a:r>
+        </a:p>
+      </dsp:txBody>
+      <dsp:txXfrm>
+        <a:off x="7472368" y="1454930"/>
+        <a:ext cx="1308116" cy="1038706"/>
+      </dsp:txXfrm>
+    </dsp:sp>
+    <dsp:sp modelId="{89E6DA6E-7A23-44BD-8A99-378091FF741D}">
+      <dsp:nvSpPr>
+        <dsp:cNvPr id="0" name=""/>
+        <dsp:cNvSpPr/>
+      </dsp:nvSpPr>
+      <dsp:spPr>
+        <a:xfrm>
+          <a:off x="6392653" y="948"/>
+          <a:ext cx="1038187" cy="1038187"/>
+        </a:xfrm>
+        <a:prstGeom prst="ellipse">
+          <a:avLst/>
+        </a:prstGeom>
+        <a:gradFill rotWithShape="0">
+          <a:gsLst>
+            <a:gs pos="0">
+              <a:schemeClr val="accent1">
+                <a:hueOff val="0"/>
+                <a:satOff val="0"/>
+                <a:lumOff val="0"/>
+                <a:alphaOff val="0"/>
+                <a:shade val="100000"/>
+                <a:satMod val="137000"/>
+              </a:schemeClr>
+            </a:gs>
+            <a:gs pos="71000">
+              <a:schemeClr val="accent1">
+                <a:hueOff val="0"/>
+                <a:satOff val="0"/>
+                <a:lumOff val="0"/>
+                <a:alphaOff val="0"/>
+                <a:shade val="98000"/>
+                <a:satMod val="137000"/>
+              </a:schemeClr>
+            </a:gs>
+            <a:gs pos="100000">
+              <a:schemeClr val="accent1">
+                <a:hueOff val="0"/>
+                <a:satOff val="0"/>
+                <a:lumOff val="0"/>
+                <a:alphaOff val="0"/>
+                <a:shade val="75000"/>
+                <a:satMod val="137000"/>
+              </a:schemeClr>
+            </a:gs>
+          </a:gsLst>
+          <a:path path="rect">
+            <a:fillToRect l="50000" t="50000" r="50000" b="50000"/>
+          </a:path>
+        </a:gradFill>
+        <a:ln>
+          <a:noFill/>
+        </a:ln>
+        <a:effectLst>
+          <a:outerShdw blurRad="39000" dist="25400" dir="5400000" rotWithShape="0">
+            <a:srgbClr val="000000">
+              <a:alpha val="38000"/>
+            </a:srgbClr>
+          </a:outerShdw>
+        </a:effectLst>
+      </dsp:spPr>
+      <dsp:style>
+        <a:lnRef idx="0">
+          <a:scrgbClr r="0" g="0" b="0"/>
+        </a:lnRef>
+        <a:fillRef idx="3">
+          <a:scrgbClr r="0" g="0" b="0"/>
+        </a:fillRef>
+        <a:effectRef idx="2">
+          <a:scrgbClr r="0" g="0" b="0"/>
+        </a:effectRef>
+        <a:fontRef idx="minor">
+          <a:schemeClr val="lt1"/>
+        </a:fontRef>
+      </dsp:style>
+      <dsp:txBody>
+        <a:bodyPr spcFirstLastPara="0" vert="horz" wrap="square" lIns="0" tIns="0" rIns="0" bIns="0" numCol="1" spcCol="1270" anchor="ctr" anchorCtr="0">
+          <a:noAutofit/>
+        </a:bodyPr>
+        <a:lstStyle/>
+        <a:p>
+          <a:pPr marL="0" lvl="0" indent="0" algn="ctr" defTabSz="488950">
+            <a:lnSpc>
+              <a:spcPct val="90000"/>
+            </a:lnSpc>
+            <a:spcBef>
+              <a:spcPct val="0"/>
+            </a:spcBef>
+            <a:spcAft>
+              <a:spcPct val="35000"/>
+            </a:spcAft>
+            <a:buNone/>
+          </a:pPr>
+          <a:r>
+            <a:rPr lang="en-US" sz="1100" kern="1200" dirty="0"/>
+            <a:t>L6: Techniques and Tools</a:t>
+          </a:r>
+        </a:p>
+      </dsp:txBody>
+      <dsp:txXfrm>
+        <a:off x="6544692" y="152987"/>
+        <a:ext cx="734109" cy="734109"/>
       </dsp:txXfrm>
     </dsp:sp>
   </dsp:spTree>
@@ -4211,6 +6715,360 @@
 </file>
 
 <file path=ppt/diagrams/layout1.xml><?xml version="1.0" encoding="utf-8"?>
+<dgm:layoutDef xmlns:dgm="http://schemas.openxmlformats.org/drawingml/2006/diagram" xmlns:a="http://schemas.openxmlformats.org/drawingml/2006/main" uniqueId="urn:microsoft.com/office/officeart/2005/8/layout/hList9">
+  <dgm:title val=""/>
+  <dgm:desc val=""/>
+  <dgm:catLst>
+    <dgm:cat type="list" pri="8000"/>
+  </dgm:catLst>
+  <dgm:sampData>
+    <dgm:dataModel>
+      <dgm:ptLst>
+        <dgm:pt modelId="0" type="doc"/>
+        <dgm:pt modelId="1">
+          <dgm:prSet phldr="1"/>
+        </dgm:pt>
+        <dgm:pt modelId="11">
+          <dgm:prSet phldr="1"/>
+        </dgm:pt>
+        <dgm:pt modelId="12">
+          <dgm:prSet phldr="1"/>
+        </dgm:pt>
+        <dgm:pt modelId="2">
+          <dgm:prSet phldr="1"/>
+        </dgm:pt>
+        <dgm:pt modelId="21">
+          <dgm:prSet phldr="1"/>
+        </dgm:pt>
+        <dgm:pt modelId="22">
+          <dgm:prSet phldr="1"/>
+        </dgm:pt>
+      </dgm:ptLst>
+      <dgm:cxnLst>
+        <dgm:cxn modelId="3" srcId="0" destId="1" srcOrd="0" destOrd="0"/>
+        <dgm:cxn modelId="4" srcId="0" destId="2" srcOrd="1" destOrd="0"/>
+        <dgm:cxn modelId="13" srcId="1" destId="11" srcOrd="0" destOrd="0"/>
+        <dgm:cxn modelId="14" srcId="1" destId="12" srcOrd="0" destOrd="0"/>
+        <dgm:cxn modelId="23" srcId="2" destId="21" srcOrd="0" destOrd="0"/>
+        <dgm:cxn modelId="24" srcId="2" destId="22" srcOrd="0" destOrd="0"/>
+      </dgm:cxnLst>
+      <dgm:bg/>
+      <dgm:whole/>
+    </dgm:dataModel>
+  </dgm:sampData>
+  <dgm:styleData>
+    <dgm:dataModel>
+      <dgm:ptLst>
+        <dgm:pt modelId="0" type="doc"/>
+        <dgm:pt modelId="1"/>
+        <dgm:pt modelId="2"/>
+      </dgm:ptLst>
+      <dgm:cxnLst>
+        <dgm:cxn modelId="3" srcId="0" destId="1" srcOrd="0" destOrd="0"/>
+        <dgm:cxn modelId="4" srcId="1" destId="2" srcOrd="0" destOrd="0"/>
+      </dgm:cxnLst>
+      <dgm:bg/>
+      <dgm:whole/>
+    </dgm:dataModel>
+  </dgm:styleData>
+  <dgm:clrData>
+    <dgm:dataModel>
+      <dgm:ptLst>
+        <dgm:pt modelId="0" type="doc"/>
+        <dgm:pt modelId="1"/>
+        <dgm:pt modelId="11"/>
+        <dgm:pt modelId="12"/>
+        <dgm:pt modelId="13"/>
+        <dgm:pt modelId="14"/>
+        <dgm:pt modelId="2"/>
+        <dgm:pt modelId="21"/>
+        <dgm:pt modelId="22"/>
+        <dgm:pt modelId="23"/>
+        <dgm:pt modelId="24"/>
+        <dgm:pt modelId="3"/>
+        <dgm:pt modelId="31"/>
+        <dgm:pt modelId="32"/>
+        <dgm:pt modelId="33"/>
+        <dgm:pt modelId="34"/>
+      </dgm:ptLst>
+      <dgm:cxnLst>
+        <dgm:cxn modelId="4" srcId="0" destId="1" srcOrd="0" destOrd="0"/>
+        <dgm:cxn modelId="5" srcId="0" destId="2" srcOrd="1" destOrd="0"/>
+        <dgm:cxn modelId="6" srcId="0" destId="3" srcOrd="1" destOrd="0"/>
+        <dgm:cxn modelId="15" srcId="1" destId="11" srcOrd="0" destOrd="0"/>
+        <dgm:cxn modelId="16" srcId="1" destId="12" srcOrd="0" destOrd="0"/>
+        <dgm:cxn modelId="17" srcId="1" destId="13" srcOrd="0" destOrd="0"/>
+        <dgm:cxn modelId="18" srcId="1" destId="14" srcOrd="0" destOrd="0"/>
+        <dgm:cxn modelId="25" srcId="2" destId="21" srcOrd="0" destOrd="0"/>
+        <dgm:cxn modelId="26" srcId="2" destId="22" srcOrd="0" destOrd="0"/>
+        <dgm:cxn modelId="27" srcId="2" destId="23" srcOrd="0" destOrd="0"/>
+        <dgm:cxn modelId="28" srcId="2" destId="24" srcOrd="0" destOrd="0"/>
+        <dgm:cxn modelId="35" srcId="3" destId="31" srcOrd="0" destOrd="0"/>
+        <dgm:cxn modelId="36" srcId="3" destId="32" srcOrd="0" destOrd="0"/>
+        <dgm:cxn modelId="37" srcId="3" destId="33" srcOrd="0" destOrd="0"/>
+        <dgm:cxn modelId="38" srcId="3" destId="34" srcOrd="0" destOrd="0"/>
+      </dgm:cxnLst>
+      <dgm:bg/>
+      <dgm:whole/>
+    </dgm:dataModel>
+  </dgm:clrData>
+  <dgm:layoutNode name="list">
+    <dgm:varLst>
+      <dgm:dir/>
+      <dgm:animLvl val="lvl"/>
+    </dgm:varLst>
+    <dgm:choose name="Name0">
+      <dgm:if name="Name1" func="var" arg="dir" op="equ" val="norm">
+        <dgm:alg type="lin">
+          <dgm:param type="linDir" val="fromL"/>
+          <dgm:param type="fallback" val="2D"/>
+          <dgm:param type="nodeVertAlign" val="t"/>
+        </dgm:alg>
+      </dgm:if>
+      <dgm:else name="Name2">
+        <dgm:alg type="lin">
+          <dgm:param type="linDir" val="fromR"/>
+          <dgm:param type="fallback" val="2D"/>
+          <dgm:param type="nodeVertAlign" val="t"/>
+        </dgm:alg>
+      </dgm:else>
+    </dgm:choose>
+    <dgm:shape xmlns:r="http://schemas.openxmlformats.org/officeDocument/2006/relationships" r:blip="">
+      <dgm:adjLst/>
+    </dgm:shape>
+    <dgm:presOf/>
+    <dgm:constrLst>
+      <dgm:constr type="w" for="ch" forName="circle" refType="w" fact="0.5"/>
+      <dgm:constr type="w" for="ch" forName="vertFlow" refType="w" fact="0.75"/>
+      <dgm:constr type="h" for="des" forName="firstComp" refType="w" refFor="ch" refForName="vertFlow" fact="0.667"/>
+      <dgm:constr type="h" for="des" forName="comp" refType="h" refFor="des" refForName="firstComp" op="equ"/>
+      <dgm:constr type="h" for="des" forName="topSpace" refType="w" refFor="ch" refForName="circle" op="equ" fact="0.4"/>
+      <dgm:constr type="w" for="ch" forName="posSpace" refType="w" fact="0.4"/>
+      <dgm:constr type="w" for="ch" forName="negSpace" refType="w" fact="-1.15"/>
+      <dgm:constr type="w" for="ch" forName="transSpace" refType="w" fact="0.75"/>
+      <dgm:constr type="primFontSz" for="ch" forName="circle" op="equ" val="65"/>
+      <dgm:constr type="primFontSz" for="des" forName="firstChildTx" val="65"/>
+      <dgm:constr type="primFontSz" for="des" forName="childTx" refType="primFontSz" refFor="des" refForName="firstChildTx" op="equ"/>
+    </dgm:constrLst>
+    <dgm:ruleLst/>
+    <dgm:forEach name="Name3" axis="ch" ptType="node">
+      <dgm:layoutNode name="posSpace">
+        <dgm:alg type="sp"/>
+        <dgm:shape xmlns:r="http://schemas.openxmlformats.org/officeDocument/2006/relationships" r:blip="">
+          <dgm:adjLst/>
+        </dgm:shape>
+        <dgm:presOf/>
+        <dgm:constrLst/>
+        <dgm:ruleLst/>
+      </dgm:layoutNode>
+      <dgm:layoutNode name="vertFlow">
+        <dgm:alg type="lin">
+          <dgm:param type="linDir" val="fromT"/>
+        </dgm:alg>
+        <dgm:shape xmlns:r="http://schemas.openxmlformats.org/officeDocument/2006/relationships" r:blip="">
+          <dgm:adjLst/>
+        </dgm:shape>
+        <dgm:presOf/>
+        <dgm:constrLst>
+          <dgm:constr type="w" for="ch" forName="firstComp" refType="w"/>
+          <dgm:constr type="w" for="ch" forName="comp" refType="w"/>
+        </dgm:constrLst>
+        <dgm:ruleLst/>
+        <dgm:layoutNode name="topSpace">
+          <dgm:alg type="sp"/>
+          <dgm:shape xmlns:r="http://schemas.openxmlformats.org/officeDocument/2006/relationships" r:blip="">
+            <dgm:adjLst/>
+          </dgm:shape>
+          <dgm:presOf/>
+          <dgm:constrLst/>
+          <dgm:ruleLst/>
+        </dgm:layoutNode>
+        <dgm:layoutNode name="firstComp">
+          <dgm:alg type="composite"/>
+          <dgm:shape xmlns:r="http://schemas.openxmlformats.org/officeDocument/2006/relationships" r:blip="">
+            <dgm:adjLst/>
+          </dgm:shape>
+          <dgm:presOf/>
+          <dgm:choose name="Name4">
+            <dgm:if name="Name5" func="var" arg="dir" op="equ" val="norm">
+              <dgm:constrLst>
+                <dgm:constr type="l" for="ch" forName="firstChild"/>
+                <dgm:constr type="t" for="ch" forName="firstChild"/>
+                <dgm:constr type="w" for="ch" forName="firstChild" refType="w"/>
+                <dgm:constr type="h" for="ch" forName="firstChild" refType="h"/>
+                <dgm:constr type="l" for="ch" forName="firstChildTx" refType="w" fact="0.16"/>
+                <dgm:constr type="r" for="ch" forName="firstChildTx" refType="w"/>
+                <dgm:constr type="h" for="ch" forName="firstChildTx" refFor="ch" refForName="firstChild" op="equ"/>
+              </dgm:constrLst>
+            </dgm:if>
+            <dgm:else name="Name6">
+              <dgm:constrLst>
+                <dgm:constr type="l" for="ch" forName="firstChild"/>
+                <dgm:constr type="t" for="ch" forName="firstChild"/>
+                <dgm:constr type="w" for="ch" forName="firstChild" refType="w"/>
+                <dgm:constr type="h" for="ch" forName="firstChild" refType="h"/>
+                <dgm:constr type="l" for="ch" forName="firstChildTx"/>
+                <dgm:constr type="r" for="ch" forName="firstChildTx" refType="w" fact="0.825"/>
+                <dgm:constr type="h" for="ch" forName="firstChildTx" refFor="ch" refForName="firstChild" op="equ"/>
+              </dgm:constrLst>
+            </dgm:else>
+          </dgm:choose>
+          <dgm:ruleLst/>
+          <dgm:layoutNode name="firstChild" styleLbl="bgAccFollowNode1">
+            <dgm:alg type="sp"/>
+            <dgm:shape xmlns:r="http://schemas.openxmlformats.org/officeDocument/2006/relationships" type="rect" r:blip="">
+              <dgm:adjLst/>
+            </dgm:shape>
+            <dgm:presOf axis="ch desOrSelf" ptType="node node" cnt="1 0"/>
+            <dgm:constrLst/>
+            <dgm:ruleLst/>
+          </dgm:layoutNode>
+          <dgm:layoutNode name="firstChildTx" styleLbl="bgAccFollowNode1">
+            <dgm:varLst>
+              <dgm:bulletEnabled val="1"/>
+            </dgm:varLst>
+            <dgm:alg type="tx">
+              <dgm:param type="parTxLTRAlign" val="l"/>
+            </dgm:alg>
+            <dgm:shape xmlns:r="http://schemas.openxmlformats.org/officeDocument/2006/relationships" type="rect" r:blip="" hideGeom="1">
+              <dgm:adjLst/>
+            </dgm:shape>
+            <dgm:presOf axis="ch desOrSelf" ptType="node node" cnt="1 0"/>
+            <dgm:choose name="Name7">
+              <dgm:if name="Name8" func="var" arg="dir" op="equ" val="norm">
+                <dgm:constrLst>
+                  <dgm:constr type="primFontSz" val="65"/>
+                  <dgm:constr type="lMarg"/>
+                </dgm:constrLst>
+              </dgm:if>
+              <dgm:else name="Name9">
+                <dgm:constrLst>
+                  <dgm:constr type="primFontSz" val="65"/>
+                  <dgm:constr type="rMarg"/>
+                </dgm:constrLst>
+              </dgm:else>
+            </dgm:choose>
+            <dgm:ruleLst>
+              <dgm:rule type="primFontSz" val="5" fact="NaN" max="NaN"/>
+            </dgm:ruleLst>
+          </dgm:layoutNode>
+        </dgm:layoutNode>
+        <dgm:forEach name="Name10" axis="ch" ptType="node" st="2">
+          <dgm:layoutNode name="comp">
+            <dgm:alg type="composite"/>
+            <dgm:shape xmlns:r="http://schemas.openxmlformats.org/officeDocument/2006/relationships" r:blip="">
+              <dgm:adjLst/>
+            </dgm:shape>
+            <dgm:presOf/>
+            <dgm:choose name="Name11">
+              <dgm:if name="Name12" func="var" arg="dir" op="equ" val="norm">
+                <dgm:constrLst>
+                  <dgm:constr type="l" for="ch" forName="child"/>
+                  <dgm:constr type="t" for="ch" forName="child"/>
+                  <dgm:constr type="w" for="ch" forName="child" refType="w"/>
+                  <dgm:constr type="h" for="ch" forName="child" refType="h"/>
+                  <dgm:constr type="l" for="ch" forName="childTx" refType="w" fact="0.16"/>
+                  <dgm:constr type="r" for="ch" forName="childTx" refType="w"/>
+                  <dgm:constr type="h" for="ch" forName="childTx" refFor="ch" refForName="child" op="equ"/>
+                </dgm:constrLst>
+              </dgm:if>
+              <dgm:else name="Name13">
+                <dgm:constrLst>
+                  <dgm:constr type="l" for="ch" forName="child"/>
+                  <dgm:constr type="t" for="ch" forName="child"/>
+                  <dgm:constr type="w" for="ch" forName="child" refType="w"/>
+                  <dgm:constr type="h" for="ch" forName="child" refType="h"/>
+                  <dgm:constr type="l" for="ch" forName="childTx"/>
+                  <dgm:constr type="r" for="ch" forName="childTx" refType="w" fact="0.825"/>
+                  <dgm:constr type="h" for="ch" forName="childTx" refFor="ch" refForName="child" op="equ"/>
+                </dgm:constrLst>
+              </dgm:else>
+            </dgm:choose>
+            <dgm:ruleLst/>
+            <dgm:layoutNode name="child" styleLbl="bgAccFollowNode1">
+              <dgm:alg type="sp"/>
+              <dgm:shape xmlns:r="http://schemas.openxmlformats.org/officeDocument/2006/relationships" type="rect" r:blip="">
+                <dgm:adjLst/>
+              </dgm:shape>
+              <dgm:presOf axis="desOrSelf" ptType="node"/>
+              <dgm:constrLst/>
+              <dgm:ruleLst/>
+            </dgm:layoutNode>
+            <dgm:layoutNode name="childTx" styleLbl="bgAccFollowNode1">
+              <dgm:varLst>
+                <dgm:bulletEnabled val="1"/>
+              </dgm:varLst>
+              <dgm:alg type="tx">
+                <dgm:param type="parTxLTRAlign" val="l"/>
+              </dgm:alg>
+              <dgm:shape xmlns:r="http://schemas.openxmlformats.org/officeDocument/2006/relationships" type="rect" r:blip="" hideGeom="1">
+                <dgm:adjLst/>
+              </dgm:shape>
+              <dgm:presOf axis="desOrSelf" ptType="node"/>
+              <dgm:choose name="Name14">
+                <dgm:if name="Name15" func="var" arg="dir" op="equ" val="norm">
+                  <dgm:constrLst>
+                    <dgm:constr type="primFontSz" val="65"/>
+                    <dgm:constr type="lMarg"/>
+                  </dgm:constrLst>
+                </dgm:if>
+                <dgm:else name="Name16">
+                  <dgm:constrLst>
+                    <dgm:constr type="primFontSz" val="65"/>
+                    <dgm:constr type="rMarg"/>
+                  </dgm:constrLst>
+                </dgm:else>
+              </dgm:choose>
+              <dgm:ruleLst>
+                <dgm:rule type="primFontSz" val="5" fact="NaN" max="NaN"/>
+              </dgm:ruleLst>
+            </dgm:layoutNode>
+          </dgm:layoutNode>
+        </dgm:forEach>
+      </dgm:layoutNode>
+      <dgm:layoutNode name="negSpace">
+        <dgm:alg type="sp"/>
+        <dgm:shape xmlns:r="http://schemas.openxmlformats.org/officeDocument/2006/relationships" r:blip="">
+          <dgm:adjLst/>
+        </dgm:shape>
+        <dgm:presOf/>
+        <dgm:constrLst/>
+        <dgm:ruleLst/>
+      </dgm:layoutNode>
+      <dgm:layoutNode name="circle" styleLbl="node1">
+        <dgm:alg type="tx"/>
+        <dgm:shape xmlns:r="http://schemas.openxmlformats.org/officeDocument/2006/relationships" type="ellipse" r:blip="">
+          <dgm:adjLst/>
+        </dgm:shape>
+        <dgm:presOf axis="self"/>
+        <dgm:constrLst>
+          <dgm:constr type="lMarg"/>
+          <dgm:constr type="rMarg"/>
+          <dgm:constr type="tMarg"/>
+          <dgm:constr type="bMarg"/>
+          <dgm:constr type="h" refType="w"/>
+        </dgm:constrLst>
+        <dgm:ruleLst>
+          <dgm:rule type="primFontSz" val="5" fact="NaN" max="NaN"/>
+        </dgm:ruleLst>
+      </dgm:layoutNode>
+      <dgm:forEach name="Name17" axis="followSib" ptType="sibTrans" cnt="1">
+        <dgm:layoutNode name="transSpace">
+          <dgm:alg type="sp"/>
+          <dgm:shape xmlns:r="http://schemas.openxmlformats.org/officeDocument/2006/relationships" r:blip="">
+            <dgm:adjLst/>
+          </dgm:shape>
+          <dgm:presOf/>
+          <dgm:constrLst/>
+          <dgm:ruleLst/>
+        </dgm:layoutNode>
+      </dgm:forEach>
+    </dgm:forEach>
+  </dgm:layoutNode>
+</dgm:layoutDef>
+</file>
+
+<file path=ppt/diagrams/layout2.xml><?xml version="1.0" encoding="utf-8"?>
 <dgm:layoutDef xmlns:dgm="http://schemas.openxmlformats.org/drawingml/2006/diagram" xmlns:a="http://schemas.openxmlformats.org/drawingml/2006/main" uniqueId="urn:microsoft.com/office/officeart/2005/8/layout/hList9">
   <dgm:title val=""/>
   <dgm:desc val=""/>
@@ -5598,6 +8456,1040 @@
 </dgm:styleDef>
 </file>
 
+<file path=ppt/diagrams/quickStyle2.xml><?xml version="1.0" encoding="utf-8"?>
+<dgm:styleDef xmlns:dgm="http://schemas.openxmlformats.org/drawingml/2006/diagram" xmlns:a="http://schemas.openxmlformats.org/drawingml/2006/main" uniqueId="urn:microsoft.com/office/officeart/2005/8/quickstyle/simple4">
+  <dgm:title val=""/>
+  <dgm:desc val=""/>
+  <dgm:catLst>
+    <dgm:cat type="simple" pri="10400"/>
+  </dgm:catLst>
+  <dgm:scene3d>
+    <a:camera prst="orthographicFront"/>
+    <a:lightRig rig="threePt" dir="t"/>
+  </dgm:scene3d>
+  <dgm:styleLbl name="node0">
+    <dgm:scene3d>
+      <a:camera prst="orthographicFront"/>
+      <a:lightRig rig="threePt" dir="t"/>
+    </dgm:scene3d>
+    <dgm:sp3d/>
+    <dgm:txPr/>
+    <dgm:style>
+      <a:lnRef idx="0">
+        <a:scrgbClr r="0" g="0" b="0"/>
+      </a:lnRef>
+      <a:fillRef idx="3">
+        <a:scrgbClr r="0" g="0" b="0"/>
+      </a:fillRef>
+      <a:effectRef idx="2">
+        <a:scrgbClr r="0" g="0" b="0"/>
+      </a:effectRef>
+      <a:fontRef idx="minor">
+        <a:schemeClr val="lt1"/>
+      </a:fontRef>
+    </dgm:style>
+  </dgm:styleLbl>
+  <dgm:styleLbl name="lnNode1">
+    <dgm:scene3d>
+      <a:camera prst="orthographicFront"/>
+      <a:lightRig rig="threePt" dir="t"/>
+    </dgm:scene3d>
+    <dgm:sp3d/>
+    <dgm:txPr/>
+    <dgm:style>
+      <a:lnRef idx="1">
+        <a:scrgbClr r="0" g="0" b="0"/>
+      </a:lnRef>
+      <a:fillRef idx="3">
+        <a:scrgbClr r="0" g="0" b="0"/>
+      </a:fillRef>
+      <a:effectRef idx="2">
+        <a:scrgbClr r="0" g="0" b="0"/>
+      </a:effectRef>
+      <a:fontRef idx="minor">
+        <a:schemeClr val="lt1"/>
+      </a:fontRef>
+    </dgm:style>
+  </dgm:styleLbl>
+  <dgm:styleLbl name="vennNode1">
+    <dgm:scene3d>
+      <a:camera prst="orthographicFront"/>
+      <a:lightRig rig="threePt" dir="t"/>
+    </dgm:scene3d>
+    <dgm:sp3d/>
+    <dgm:txPr/>
+    <dgm:style>
+      <a:lnRef idx="0">
+        <a:scrgbClr r="0" g="0" b="0"/>
+      </a:lnRef>
+      <a:fillRef idx="3">
+        <a:scrgbClr r="0" g="0" b="0"/>
+      </a:fillRef>
+      <a:effectRef idx="0">
+        <a:scrgbClr r="0" g="0" b="0"/>
+      </a:effectRef>
+      <a:fontRef idx="minor">
+        <a:schemeClr val="tx1"/>
+      </a:fontRef>
+    </dgm:style>
+  </dgm:styleLbl>
+  <dgm:styleLbl name="alignNode1">
+    <dgm:scene3d>
+      <a:camera prst="orthographicFront"/>
+      <a:lightRig rig="threePt" dir="t"/>
+    </dgm:scene3d>
+    <dgm:sp3d/>
+    <dgm:txPr/>
+    <dgm:style>
+      <a:lnRef idx="1">
+        <a:scrgbClr r="0" g="0" b="0"/>
+      </a:lnRef>
+      <a:fillRef idx="3">
+        <a:scrgbClr r="0" g="0" b="0"/>
+      </a:fillRef>
+      <a:effectRef idx="2">
+        <a:scrgbClr r="0" g="0" b="0"/>
+      </a:effectRef>
+      <a:fontRef idx="minor">
+        <a:schemeClr val="lt1"/>
+      </a:fontRef>
+    </dgm:style>
+  </dgm:styleLbl>
+  <dgm:styleLbl name="node1">
+    <dgm:scene3d>
+      <a:camera prst="orthographicFront"/>
+      <a:lightRig rig="threePt" dir="t"/>
+    </dgm:scene3d>
+    <dgm:sp3d/>
+    <dgm:txPr/>
+    <dgm:style>
+      <a:lnRef idx="0">
+        <a:scrgbClr r="0" g="0" b="0"/>
+      </a:lnRef>
+      <a:fillRef idx="3">
+        <a:scrgbClr r="0" g="0" b="0"/>
+      </a:fillRef>
+      <a:effectRef idx="2">
+        <a:scrgbClr r="0" g="0" b="0"/>
+      </a:effectRef>
+      <a:fontRef idx="minor">
+        <a:schemeClr val="lt1"/>
+      </a:fontRef>
+    </dgm:style>
+  </dgm:styleLbl>
+  <dgm:styleLbl name="node2">
+    <dgm:scene3d>
+      <a:camera prst="orthographicFront"/>
+      <a:lightRig rig="threePt" dir="t"/>
+    </dgm:scene3d>
+    <dgm:sp3d/>
+    <dgm:txPr/>
+    <dgm:style>
+      <a:lnRef idx="0">
+        <a:scrgbClr r="0" g="0" b="0"/>
+      </a:lnRef>
+      <a:fillRef idx="3">
+        <a:scrgbClr r="0" g="0" b="0"/>
+      </a:fillRef>
+      <a:effectRef idx="2">
+        <a:scrgbClr r="0" g="0" b="0"/>
+      </a:effectRef>
+      <a:fontRef idx="minor">
+        <a:schemeClr val="lt1"/>
+      </a:fontRef>
+    </dgm:style>
+  </dgm:styleLbl>
+  <dgm:styleLbl name="node3">
+    <dgm:scene3d>
+      <a:camera prst="orthographicFront"/>
+      <a:lightRig rig="threePt" dir="t"/>
+    </dgm:scene3d>
+    <dgm:sp3d/>
+    <dgm:txPr/>
+    <dgm:style>
+      <a:lnRef idx="0">
+        <a:scrgbClr r="0" g="0" b="0"/>
+      </a:lnRef>
+      <a:fillRef idx="3">
+        <a:scrgbClr r="0" g="0" b="0"/>
+      </a:fillRef>
+      <a:effectRef idx="2">
+        <a:scrgbClr r="0" g="0" b="0"/>
+      </a:effectRef>
+      <a:fontRef idx="minor">
+        <a:schemeClr val="lt1"/>
+      </a:fontRef>
+    </dgm:style>
+  </dgm:styleLbl>
+  <dgm:styleLbl name="node4">
+    <dgm:scene3d>
+      <a:camera prst="orthographicFront"/>
+      <a:lightRig rig="threePt" dir="t"/>
+    </dgm:scene3d>
+    <dgm:sp3d/>
+    <dgm:txPr/>
+    <dgm:style>
+      <a:lnRef idx="0">
+        <a:scrgbClr r="0" g="0" b="0"/>
+      </a:lnRef>
+      <a:fillRef idx="3">
+        <a:scrgbClr r="0" g="0" b="0"/>
+      </a:fillRef>
+      <a:effectRef idx="2">
+        <a:scrgbClr r="0" g="0" b="0"/>
+      </a:effectRef>
+      <a:fontRef idx="minor">
+        <a:schemeClr val="lt1"/>
+      </a:fontRef>
+    </dgm:style>
+  </dgm:styleLbl>
+  <dgm:styleLbl name="fgImgPlace1">
+    <dgm:scene3d>
+      <a:camera prst="orthographicFront"/>
+      <a:lightRig rig="threePt" dir="t"/>
+    </dgm:scene3d>
+    <dgm:sp3d/>
+    <dgm:txPr/>
+    <dgm:style>
+      <a:lnRef idx="0">
+        <a:scrgbClr r="0" g="0" b="0"/>
+      </a:lnRef>
+      <a:fillRef idx="1">
+        <a:scrgbClr r="0" g="0" b="0"/>
+      </a:fillRef>
+      <a:effectRef idx="2">
+        <a:scrgbClr r="0" g="0" b="0"/>
+      </a:effectRef>
+      <a:fontRef idx="minor"/>
+    </dgm:style>
+  </dgm:styleLbl>
+  <dgm:styleLbl name="alignImgPlace1">
+    <dgm:scene3d>
+      <a:camera prst="orthographicFront"/>
+      <a:lightRig rig="threePt" dir="t"/>
+    </dgm:scene3d>
+    <dgm:sp3d/>
+    <dgm:txPr/>
+    <dgm:style>
+      <a:lnRef idx="0">
+        <a:scrgbClr r="0" g="0" b="0"/>
+      </a:lnRef>
+      <a:fillRef idx="1">
+        <a:scrgbClr r="0" g="0" b="0"/>
+      </a:fillRef>
+      <a:effectRef idx="2">
+        <a:scrgbClr r="0" g="0" b="0"/>
+      </a:effectRef>
+      <a:fontRef idx="minor"/>
+    </dgm:style>
+  </dgm:styleLbl>
+  <dgm:styleLbl name="bgImgPlace1">
+    <dgm:scene3d>
+      <a:camera prst="orthographicFront"/>
+      <a:lightRig rig="threePt" dir="t"/>
+    </dgm:scene3d>
+    <dgm:sp3d/>
+    <dgm:txPr/>
+    <dgm:style>
+      <a:lnRef idx="0">
+        <a:scrgbClr r="0" g="0" b="0"/>
+      </a:lnRef>
+      <a:fillRef idx="1">
+        <a:scrgbClr r="0" g="0" b="0"/>
+      </a:fillRef>
+      <a:effectRef idx="2">
+        <a:scrgbClr r="0" g="0" b="0"/>
+      </a:effectRef>
+      <a:fontRef idx="minor"/>
+    </dgm:style>
+  </dgm:styleLbl>
+  <dgm:styleLbl name="sibTrans2D1">
+    <dgm:scene3d>
+      <a:camera prst="orthographicFront"/>
+      <a:lightRig rig="threePt" dir="t"/>
+    </dgm:scene3d>
+    <dgm:sp3d/>
+    <dgm:txPr/>
+    <dgm:style>
+      <a:lnRef idx="0">
+        <a:scrgbClr r="0" g="0" b="0"/>
+      </a:lnRef>
+      <a:fillRef idx="3">
+        <a:scrgbClr r="0" g="0" b="0"/>
+      </a:fillRef>
+      <a:effectRef idx="2">
+        <a:scrgbClr r="0" g="0" b="0"/>
+      </a:effectRef>
+      <a:fontRef idx="minor">
+        <a:schemeClr val="lt1"/>
+      </a:fontRef>
+    </dgm:style>
+  </dgm:styleLbl>
+  <dgm:styleLbl name="fgSibTrans2D1">
+    <dgm:scene3d>
+      <a:camera prst="orthographicFront"/>
+      <a:lightRig rig="threePt" dir="t"/>
+    </dgm:scene3d>
+    <dgm:sp3d/>
+    <dgm:txPr/>
+    <dgm:style>
+      <a:lnRef idx="0">
+        <a:scrgbClr r="0" g="0" b="0"/>
+      </a:lnRef>
+      <a:fillRef idx="3">
+        <a:scrgbClr r="0" g="0" b="0"/>
+      </a:fillRef>
+      <a:effectRef idx="2">
+        <a:scrgbClr r="0" g="0" b="0"/>
+      </a:effectRef>
+      <a:fontRef idx="minor">
+        <a:schemeClr val="lt1"/>
+      </a:fontRef>
+    </dgm:style>
+  </dgm:styleLbl>
+  <dgm:styleLbl name="bgSibTrans2D1">
+    <dgm:scene3d>
+      <a:camera prst="orthographicFront"/>
+      <a:lightRig rig="threePt" dir="t"/>
+    </dgm:scene3d>
+    <dgm:sp3d/>
+    <dgm:txPr/>
+    <dgm:style>
+      <a:lnRef idx="0">
+        <a:scrgbClr r="0" g="0" b="0"/>
+      </a:lnRef>
+      <a:fillRef idx="3">
+        <a:scrgbClr r="0" g="0" b="0"/>
+      </a:fillRef>
+      <a:effectRef idx="2">
+        <a:scrgbClr r="0" g="0" b="0"/>
+      </a:effectRef>
+      <a:fontRef idx="minor">
+        <a:schemeClr val="lt1"/>
+      </a:fontRef>
+    </dgm:style>
+  </dgm:styleLbl>
+  <dgm:styleLbl name="sibTrans1D1">
+    <dgm:scene3d>
+      <a:camera prst="orthographicFront"/>
+      <a:lightRig rig="threePt" dir="t"/>
+    </dgm:scene3d>
+    <dgm:sp3d/>
+    <dgm:txPr/>
+    <dgm:style>
+      <a:lnRef idx="1">
+        <a:scrgbClr r="0" g="0" b="0"/>
+      </a:lnRef>
+      <a:fillRef idx="0">
+        <a:scrgbClr r="0" g="0" b="0"/>
+      </a:fillRef>
+      <a:effectRef idx="0">
+        <a:scrgbClr r="0" g="0" b="0"/>
+      </a:effectRef>
+      <a:fontRef idx="minor"/>
+    </dgm:style>
+  </dgm:styleLbl>
+  <dgm:styleLbl name="callout">
+    <dgm:scene3d>
+      <a:camera prst="orthographicFront"/>
+      <a:lightRig rig="threePt" dir="t"/>
+    </dgm:scene3d>
+    <dgm:sp3d/>
+    <dgm:txPr/>
+    <dgm:style>
+      <a:lnRef idx="2">
+        <a:scrgbClr r="0" g="0" b="0"/>
+      </a:lnRef>
+      <a:fillRef idx="1">
+        <a:scrgbClr r="0" g="0" b="0"/>
+      </a:fillRef>
+      <a:effectRef idx="1">
+        <a:scrgbClr r="0" g="0" b="0"/>
+      </a:effectRef>
+      <a:fontRef idx="minor"/>
+    </dgm:style>
+  </dgm:styleLbl>
+  <dgm:styleLbl name="asst0">
+    <dgm:scene3d>
+      <a:camera prst="orthographicFront"/>
+      <a:lightRig rig="threePt" dir="t"/>
+    </dgm:scene3d>
+    <dgm:sp3d/>
+    <dgm:txPr/>
+    <dgm:style>
+      <a:lnRef idx="0">
+        <a:scrgbClr r="0" g="0" b="0"/>
+      </a:lnRef>
+      <a:fillRef idx="3">
+        <a:scrgbClr r="0" g="0" b="0"/>
+      </a:fillRef>
+      <a:effectRef idx="2">
+        <a:scrgbClr r="0" g="0" b="0"/>
+      </a:effectRef>
+      <a:fontRef idx="minor">
+        <a:schemeClr val="lt1"/>
+      </a:fontRef>
+    </dgm:style>
+  </dgm:styleLbl>
+  <dgm:styleLbl name="asst1">
+    <dgm:scene3d>
+      <a:camera prst="orthographicFront"/>
+      <a:lightRig rig="threePt" dir="t"/>
+    </dgm:scene3d>
+    <dgm:sp3d/>
+    <dgm:txPr/>
+    <dgm:style>
+      <a:lnRef idx="0">
+        <a:scrgbClr r="0" g="0" b="0"/>
+      </a:lnRef>
+      <a:fillRef idx="3">
+        <a:scrgbClr r="0" g="0" b="0"/>
+      </a:fillRef>
+      <a:effectRef idx="2">
+        <a:scrgbClr r="0" g="0" b="0"/>
+      </a:effectRef>
+      <a:fontRef idx="minor">
+        <a:schemeClr val="lt1"/>
+      </a:fontRef>
+    </dgm:style>
+  </dgm:styleLbl>
+  <dgm:styleLbl name="asst2">
+    <dgm:scene3d>
+      <a:camera prst="orthographicFront"/>
+      <a:lightRig rig="threePt" dir="t"/>
+    </dgm:scene3d>
+    <dgm:sp3d/>
+    <dgm:txPr/>
+    <dgm:style>
+      <a:lnRef idx="0">
+        <a:scrgbClr r="0" g="0" b="0"/>
+      </a:lnRef>
+      <a:fillRef idx="3">
+        <a:scrgbClr r="0" g="0" b="0"/>
+      </a:fillRef>
+      <a:effectRef idx="2">
+        <a:scrgbClr r="0" g="0" b="0"/>
+      </a:effectRef>
+      <a:fontRef idx="minor">
+        <a:schemeClr val="lt1"/>
+      </a:fontRef>
+    </dgm:style>
+  </dgm:styleLbl>
+  <dgm:styleLbl name="asst3">
+    <dgm:scene3d>
+      <a:camera prst="orthographicFront"/>
+      <a:lightRig rig="threePt" dir="t"/>
+    </dgm:scene3d>
+    <dgm:sp3d/>
+    <dgm:txPr/>
+    <dgm:style>
+      <a:lnRef idx="0">
+        <a:scrgbClr r="0" g="0" b="0"/>
+      </a:lnRef>
+      <a:fillRef idx="3">
+        <a:scrgbClr r="0" g="0" b="0"/>
+      </a:fillRef>
+      <a:effectRef idx="2">
+        <a:scrgbClr r="0" g="0" b="0"/>
+      </a:effectRef>
+      <a:fontRef idx="minor">
+        <a:schemeClr val="lt1"/>
+      </a:fontRef>
+    </dgm:style>
+  </dgm:styleLbl>
+  <dgm:styleLbl name="asst4">
+    <dgm:scene3d>
+      <a:camera prst="orthographicFront"/>
+      <a:lightRig rig="threePt" dir="t"/>
+    </dgm:scene3d>
+    <dgm:sp3d/>
+    <dgm:txPr/>
+    <dgm:style>
+      <a:lnRef idx="0">
+        <a:scrgbClr r="0" g="0" b="0"/>
+      </a:lnRef>
+      <a:fillRef idx="3">
+        <a:scrgbClr r="0" g="0" b="0"/>
+      </a:fillRef>
+      <a:effectRef idx="2">
+        <a:scrgbClr r="0" g="0" b="0"/>
+      </a:effectRef>
+      <a:fontRef idx="minor">
+        <a:schemeClr val="lt1"/>
+      </a:fontRef>
+    </dgm:style>
+  </dgm:styleLbl>
+  <dgm:styleLbl name="parChTrans2D1">
+    <dgm:scene3d>
+      <a:camera prst="orthographicFront"/>
+      <a:lightRig rig="threePt" dir="t"/>
+    </dgm:scene3d>
+    <dgm:sp3d/>
+    <dgm:txPr/>
+    <dgm:style>
+      <a:lnRef idx="0">
+        <a:scrgbClr r="0" g="0" b="0"/>
+      </a:lnRef>
+      <a:fillRef idx="3">
+        <a:scrgbClr r="0" g="0" b="0"/>
+      </a:fillRef>
+      <a:effectRef idx="2">
+        <a:scrgbClr r="0" g="0" b="0"/>
+      </a:effectRef>
+      <a:fontRef idx="minor">
+        <a:schemeClr val="lt1"/>
+      </a:fontRef>
+    </dgm:style>
+  </dgm:styleLbl>
+  <dgm:styleLbl name="parChTrans2D2">
+    <dgm:scene3d>
+      <a:camera prst="orthographicFront"/>
+      <a:lightRig rig="threePt" dir="t"/>
+    </dgm:scene3d>
+    <dgm:sp3d/>
+    <dgm:txPr/>
+    <dgm:style>
+      <a:lnRef idx="0">
+        <a:scrgbClr r="0" g="0" b="0"/>
+      </a:lnRef>
+      <a:fillRef idx="3">
+        <a:scrgbClr r="0" g="0" b="0"/>
+      </a:fillRef>
+      <a:effectRef idx="2">
+        <a:scrgbClr r="0" g="0" b="0"/>
+      </a:effectRef>
+      <a:fontRef idx="minor">
+        <a:schemeClr val="lt1"/>
+      </a:fontRef>
+    </dgm:style>
+  </dgm:styleLbl>
+  <dgm:styleLbl name="parChTrans2D3">
+    <dgm:scene3d>
+      <a:camera prst="orthographicFront"/>
+      <a:lightRig rig="threePt" dir="t"/>
+    </dgm:scene3d>
+    <dgm:sp3d/>
+    <dgm:txPr/>
+    <dgm:style>
+      <a:lnRef idx="1">
+        <a:scrgbClr r="0" g="0" b="0"/>
+      </a:lnRef>
+      <a:fillRef idx="3">
+        <a:scrgbClr r="0" g="0" b="0"/>
+      </a:fillRef>
+      <a:effectRef idx="2">
+        <a:scrgbClr r="0" g="0" b="0"/>
+      </a:effectRef>
+      <a:fontRef idx="minor">
+        <a:schemeClr val="lt1"/>
+      </a:fontRef>
+    </dgm:style>
+  </dgm:styleLbl>
+  <dgm:styleLbl name="parChTrans2D4">
+    <dgm:scene3d>
+      <a:camera prst="orthographicFront"/>
+      <a:lightRig rig="threePt" dir="t"/>
+    </dgm:scene3d>
+    <dgm:sp3d/>
+    <dgm:txPr/>
+    <dgm:style>
+      <a:lnRef idx="1">
+        <a:scrgbClr r="0" g="0" b="0"/>
+      </a:lnRef>
+      <a:fillRef idx="3">
+        <a:scrgbClr r="0" g="0" b="0"/>
+      </a:fillRef>
+      <a:effectRef idx="2">
+        <a:scrgbClr r="0" g="0" b="0"/>
+      </a:effectRef>
+      <a:fontRef idx="minor">
+        <a:schemeClr val="lt1"/>
+      </a:fontRef>
+    </dgm:style>
+  </dgm:styleLbl>
+  <dgm:styleLbl name="parChTrans1D1">
+    <dgm:scene3d>
+      <a:camera prst="orthographicFront"/>
+      <a:lightRig rig="threePt" dir="t"/>
+    </dgm:scene3d>
+    <dgm:sp3d/>
+    <dgm:txPr/>
+    <dgm:style>
+      <a:lnRef idx="1">
+        <a:scrgbClr r="0" g="0" b="0"/>
+      </a:lnRef>
+      <a:fillRef idx="0">
+        <a:scrgbClr r="0" g="0" b="0"/>
+      </a:fillRef>
+      <a:effectRef idx="0">
+        <a:scrgbClr r="0" g="0" b="0"/>
+      </a:effectRef>
+      <a:fontRef idx="minor"/>
+    </dgm:style>
+  </dgm:styleLbl>
+  <dgm:styleLbl name="parChTrans1D2">
+    <dgm:scene3d>
+      <a:camera prst="orthographicFront"/>
+      <a:lightRig rig="threePt" dir="t"/>
+    </dgm:scene3d>
+    <dgm:sp3d/>
+    <dgm:txPr/>
+    <dgm:style>
+      <a:lnRef idx="1">
+        <a:scrgbClr r="0" g="0" b="0"/>
+      </a:lnRef>
+      <a:fillRef idx="0">
+        <a:scrgbClr r="0" g="0" b="0"/>
+      </a:fillRef>
+      <a:effectRef idx="0">
+        <a:scrgbClr r="0" g="0" b="0"/>
+      </a:effectRef>
+      <a:fontRef idx="minor"/>
+    </dgm:style>
+  </dgm:styleLbl>
+  <dgm:styleLbl name="parChTrans1D3">
+    <dgm:scene3d>
+      <a:camera prst="orthographicFront"/>
+      <a:lightRig rig="threePt" dir="t"/>
+    </dgm:scene3d>
+    <dgm:sp3d/>
+    <dgm:txPr/>
+    <dgm:style>
+      <a:lnRef idx="1">
+        <a:scrgbClr r="0" g="0" b="0"/>
+      </a:lnRef>
+      <a:fillRef idx="0">
+        <a:scrgbClr r="0" g="0" b="0"/>
+      </a:fillRef>
+      <a:effectRef idx="0">
+        <a:scrgbClr r="0" g="0" b="0"/>
+      </a:effectRef>
+      <a:fontRef idx="minor"/>
+    </dgm:style>
+  </dgm:styleLbl>
+  <dgm:styleLbl name="parChTrans1D4">
+    <dgm:scene3d>
+      <a:camera prst="orthographicFront"/>
+      <a:lightRig rig="threePt" dir="t"/>
+    </dgm:scene3d>
+    <dgm:sp3d/>
+    <dgm:txPr/>
+    <dgm:style>
+      <a:lnRef idx="1">
+        <a:scrgbClr r="0" g="0" b="0"/>
+      </a:lnRef>
+      <a:fillRef idx="0">
+        <a:scrgbClr r="0" g="0" b="0"/>
+      </a:fillRef>
+      <a:effectRef idx="0">
+        <a:scrgbClr r="0" g="0" b="0"/>
+      </a:effectRef>
+      <a:fontRef idx="minor"/>
+    </dgm:style>
+  </dgm:styleLbl>
+  <dgm:styleLbl name="fgAcc1">
+    <dgm:scene3d>
+      <a:camera prst="orthographicFront"/>
+      <a:lightRig rig="threePt" dir="t"/>
+    </dgm:scene3d>
+    <dgm:sp3d/>
+    <dgm:txPr/>
+    <dgm:style>
+      <a:lnRef idx="1">
+        <a:scrgbClr r="0" g="0" b="0"/>
+      </a:lnRef>
+      <a:fillRef idx="1">
+        <a:scrgbClr r="0" g="0" b="0"/>
+      </a:fillRef>
+      <a:effectRef idx="0">
+        <a:scrgbClr r="0" g="0" b="0"/>
+      </a:effectRef>
+      <a:fontRef idx="minor"/>
+    </dgm:style>
+  </dgm:styleLbl>
+  <dgm:styleLbl name="conFgAcc1">
+    <dgm:scene3d>
+      <a:camera prst="orthographicFront"/>
+      <a:lightRig rig="threePt" dir="t"/>
+    </dgm:scene3d>
+    <dgm:sp3d/>
+    <dgm:txPr/>
+    <dgm:style>
+      <a:lnRef idx="1">
+        <a:scrgbClr r="0" g="0" b="0"/>
+      </a:lnRef>
+      <a:fillRef idx="1">
+        <a:scrgbClr r="0" g="0" b="0"/>
+      </a:fillRef>
+      <a:effectRef idx="0">
+        <a:scrgbClr r="0" g="0" b="0"/>
+      </a:effectRef>
+      <a:fontRef idx="minor"/>
+    </dgm:style>
+  </dgm:styleLbl>
+  <dgm:styleLbl name="alignAcc1">
+    <dgm:scene3d>
+      <a:camera prst="orthographicFront"/>
+      <a:lightRig rig="threePt" dir="t"/>
+    </dgm:scene3d>
+    <dgm:sp3d/>
+    <dgm:txPr/>
+    <dgm:style>
+      <a:lnRef idx="1">
+        <a:scrgbClr r="0" g="0" b="0"/>
+      </a:lnRef>
+      <a:fillRef idx="1">
+        <a:scrgbClr r="0" g="0" b="0"/>
+      </a:fillRef>
+      <a:effectRef idx="0">
+        <a:scrgbClr r="0" g="0" b="0"/>
+      </a:effectRef>
+      <a:fontRef idx="minor"/>
+    </dgm:style>
+  </dgm:styleLbl>
+  <dgm:styleLbl name="trAlignAcc1">
+    <dgm:scene3d>
+      <a:camera prst="orthographicFront"/>
+      <a:lightRig rig="threePt" dir="t"/>
+    </dgm:scene3d>
+    <dgm:sp3d/>
+    <dgm:txPr/>
+    <dgm:style>
+      <a:lnRef idx="1">
+        <a:scrgbClr r="0" g="0" b="0"/>
+      </a:lnRef>
+      <a:fillRef idx="1">
+        <a:scrgbClr r="0" g="0" b="0"/>
+      </a:fillRef>
+      <a:effectRef idx="0">
+        <a:scrgbClr r="0" g="0" b="0"/>
+      </a:effectRef>
+      <a:fontRef idx="minor"/>
+    </dgm:style>
+  </dgm:styleLbl>
+  <dgm:styleLbl name="bgAcc1">
+    <dgm:scene3d>
+      <a:camera prst="orthographicFront"/>
+      <a:lightRig rig="threePt" dir="t"/>
+    </dgm:scene3d>
+    <dgm:sp3d/>
+    <dgm:txPr/>
+    <dgm:style>
+      <a:lnRef idx="1">
+        <a:scrgbClr r="0" g="0" b="0"/>
+      </a:lnRef>
+      <a:fillRef idx="1">
+        <a:scrgbClr r="0" g="0" b="0"/>
+      </a:fillRef>
+      <a:effectRef idx="0">
+        <a:scrgbClr r="0" g="0" b="0"/>
+      </a:effectRef>
+      <a:fontRef idx="minor"/>
+    </dgm:style>
+  </dgm:styleLbl>
+  <dgm:styleLbl name="solidFgAcc1">
+    <dgm:scene3d>
+      <a:camera prst="orthographicFront"/>
+      <a:lightRig rig="threePt" dir="t"/>
+    </dgm:scene3d>
+    <dgm:sp3d/>
+    <dgm:txPr/>
+    <dgm:style>
+      <a:lnRef idx="1">
+        <a:scrgbClr r="0" g="0" b="0"/>
+      </a:lnRef>
+      <a:fillRef idx="1">
+        <a:scrgbClr r="0" g="0" b="0"/>
+      </a:fillRef>
+      <a:effectRef idx="0">
+        <a:scrgbClr r="0" g="0" b="0"/>
+      </a:effectRef>
+      <a:fontRef idx="minor"/>
+    </dgm:style>
+  </dgm:styleLbl>
+  <dgm:styleLbl name="solidAlignAcc1">
+    <dgm:scene3d>
+      <a:camera prst="orthographicFront"/>
+      <a:lightRig rig="threePt" dir="t"/>
+    </dgm:scene3d>
+    <dgm:sp3d/>
+    <dgm:txPr/>
+    <dgm:style>
+      <a:lnRef idx="1">
+        <a:scrgbClr r="0" g="0" b="0"/>
+      </a:lnRef>
+      <a:fillRef idx="1">
+        <a:scrgbClr r="0" g="0" b="0"/>
+      </a:fillRef>
+      <a:effectRef idx="0">
+        <a:scrgbClr r="0" g="0" b="0"/>
+      </a:effectRef>
+      <a:fontRef idx="minor"/>
+    </dgm:style>
+  </dgm:styleLbl>
+  <dgm:styleLbl name="solidBgAcc1">
+    <dgm:scene3d>
+      <a:camera prst="orthographicFront"/>
+      <a:lightRig rig="threePt" dir="t"/>
+    </dgm:scene3d>
+    <dgm:sp3d/>
+    <dgm:txPr/>
+    <dgm:style>
+      <a:lnRef idx="1">
+        <a:scrgbClr r="0" g="0" b="0"/>
+      </a:lnRef>
+      <a:fillRef idx="1">
+        <a:scrgbClr r="0" g="0" b="0"/>
+      </a:fillRef>
+      <a:effectRef idx="0">
+        <a:scrgbClr r="0" g="0" b="0"/>
+      </a:effectRef>
+      <a:fontRef idx="minor"/>
+    </dgm:style>
+  </dgm:styleLbl>
+  <dgm:styleLbl name="fgAccFollowNode1">
+    <dgm:scene3d>
+      <a:camera prst="orthographicFront"/>
+      <a:lightRig rig="threePt" dir="t"/>
+    </dgm:scene3d>
+    <dgm:sp3d/>
+    <dgm:txPr/>
+    <dgm:style>
+      <a:lnRef idx="1">
+        <a:scrgbClr r="0" g="0" b="0"/>
+      </a:lnRef>
+      <a:fillRef idx="1">
+        <a:scrgbClr r="0" g="0" b="0"/>
+      </a:fillRef>
+      <a:effectRef idx="0">
+        <a:scrgbClr r="0" g="0" b="0"/>
+      </a:effectRef>
+      <a:fontRef idx="minor"/>
+    </dgm:style>
+  </dgm:styleLbl>
+  <dgm:styleLbl name="alignAccFollowNode1">
+    <dgm:scene3d>
+      <a:camera prst="orthographicFront"/>
+      <a:lightRig rig="threePt" dir="t"/>
+    </dgm:scene3d>
+    <dgm:sp3d/>
+    <dgm:txPr/>
+    <dgm:style>
+      <a:lnRef idx="1">
+        <a:scrgbClr r="0" g="0" b="0"/>
+      </a:lnRef>
+      <a:fillRef idx="1">
+        <a:scrgbClr r="0" g="0" b="0"/>
+      </a:fillRef>
+      <a:effectRef idx="0">
+        <a:scrgbClr r="0" g="0" b="0"/>
+      </a:effectRef>
+      <a:fontRef idx="minor"/>
+    </dgm:style>
+  </dgm:styleLbl>
+  <dgm:styleLbl name="bgAccFollowNode1">
+    <dgm:scene3d>
+      <a:camera prst="orthographicFront"/>
+      <a:lightRig rig="threePt" dir="t"/>
+    </dgm:scene3d>
+    <dgm:sp3d/>
+    <dgm:txPr/>
+    <dgm:style>
+      <a:lnRef idx="1">
+        <a:scrgbClr r="0" g="0" b="0"/>
+      </a:lnRef>
+      <a:fillRef idx="1">
+        <a:scrgbClr r="0" g="0" b="0"/>
+      </a:fillRef>
+      <a:effectRef idx="0">
+        <a:scrgbClr r="0" g="0" b="0"/>
+      </a:effectRef>
+      <a:fontRef idx="minor"/>
+    </dgm:style>
+  </dgm:styleLbl>
+  <dgm:styleLbl name="fgAcc0">
+    <dgm:scene3d>
+      <a:camera prst="orthographicFront"/>
+      <a:lightRig rig="threePt" dir="t"/>
+    </dgm:scene3d>
+    <dgm:sp3d/>
+    <dgm:txPr/>
+    <dgm:style>
+      <a:lnRef idx="1">
+        <a:scrgbClr r="0" g="0" b="0"/>
+      </a:lnRef>
+      <a:fillRef idx="1">
+        <a:scrgbClr r="0" g="0" b="0"/>
+      </a:fillRef>
+      <a:effectRef idx="0">
+        <a:scrgbClr r="0" g="0" b="0"/>
+      </a:effectRef>
+      <a:fontRef idx="minor"/>
+    </dgm:style>
+  </dgm:styleLbl>
+  <dgm:styleLbl name="fgAcc2">
+    <dgm:scene3d>
+      <a:camera prst="orthographicFront"/>
+      <a:lightRig rig="threePt" dir="t"/>
+    </dgm:scene3d>
+    <dgm:sp3d/>
+    <dgm:txPr/>
+    <dgm:style>
+      <a:lnRef idx="1">
+        <a:scrgbClr r="0" g="0" b="0"/>
+      </a:lnRef>
+      <a:fillRef idx="1">
+        <a:scrgbClr r="0" g="0" b="0"/>
+      </a:fillRef>
+      <a:effectRef idx="0">
+        <a:scrgbClr r="0" g="0" b="0"/>
+      </a:effectRef>
+      <a:fontRef idx="minor"/>
+    </dgm:style>
+  </dgm:styleLbl>
+  <dgm:styleLbl name="fgAcc3">
+    <dgm:scene3d>
+      <a:camera prst="orthographicFront"/>
+      <a:lightRig rig="threePt" dir="t"/>
+    </dgm:scene3d>
+    <dgm:sp3d/>
+    <dgm:txPr/>
+    <dgm:style>
+      <a:lnRef idx="1">
+        <a:scrgbClr r="0" g="0" b="0"/>
+      </a:lnRef>
+      <a:fillRef idx="1">
+        <a:scrgbClr r="0" g="0" b="0"/>
+      </a:fillRef>
+      <a:effectRef idx="0">
+        <a:scrgbClr r="0" g="0" b="0"/>
+      </a:effectRef>
+      <a:fontRef idx="minor"/>
+    </dgm:style>
+  </dgm:styleLbl>
+  <dgm:styleLbl name="fgAcc4">
+    <dgm:scene3d>
+      <a:camera prst="orthographicFront"/>
+      <a:lightRig rig="threePt" dir="t"/>
+    </dgm:scene3d>
+    <dgm:sp3d/>
+    <dgm:txPr/>
+    <dgm:style>
+      <a:lnRef idx="1">
+        <a:scrgbClr r="0" g="0" b="0"/>
+      </a:lnRef>
+      <a:fillRef idx="1">
+        <a:scrgbClr r="0" g="0" b="0"/>
+      </a:fillRef>
+      <a:effectRef idx="0">
+        <a:scrgbClr r="0" g="0" b="0"/>
+      </a:effectRef>
+      <a:fontRef idx="minor"/>
+    </dgm:style>
+  </dgm:styleLbl>
+  <dgm:styleLbl name="bgShp">
+    <dgm:scene3d>
+      <a:camera prst="orthographicFront"/>
+      <a:lightRig rig="threePt" dir="t"/>
+    </dgm:scene3d>
+    <dgm:sp3d/>
+    <dgm:txPr/>
+    <dgm:style>
+      <a:lnRef idx="0">
+        <a:scrgbClr r="0" g="0" b="0"/>
+      </a:lnRef>
+      <a:fillRef idx="1">
+        <a:scrgbClr r="0" g="0" b="0"/>
+      </a:fillRef>
+      <a:effectRef idx="2">
+        <a:scrgbClr r="0" g="0" b="0"/>
+      </a:effectRef>
+      <a:fontRef idx="minor"/>
+    </dgm:style>
+  </dgm:styleLbl>
+  <dgm:styleLbl name="dkBgShp">
+    <dgm:scene3d>
+      <a:camera prst="orthographicFront"/>
+      <a:lightRig rig="threePt" dir="t"/>
+    </dgm:scene3d>
+    <dgm:sp3d/>
+    <dgm:txPr/>
+    <dgm:style>
+      <a:lnRef idx="0">
+        <a:scrgbClr r="0" g="0" b="0"/>
+      </a:lnRef>
+      <a:fillRef idx="1">
+        <a:scrgbClr r="0" g="0" b="0"/>
+      </a:fillRef>
+      <a:effectRef idx="2">
+        <a:scrgbClr r="0" g="0" b="0"/>
+      </a:effectRef>
+      <a:fontRef idx="minor"/>
+    </dgm:style>
+  </dgm:styleLbl>
+  <dgm:styleLbl name="trBgShp">
+    <dgm:scene3d>
+      <a:camera prst="orthographicFront"/>
+      <a:lightRig rig="threePt" dir="t"/>
+    </dgm:scene3d>
+    <dgm:sp3d/>
+    <dgm:txPr/>
+    <dgm:style>
+      <a:lnRef idx="0">
+        <a:scrgbClr r="0" g="0" b="0"/>
+      </a:lnRef>
+      <a:fillRef idx="1">
+        <a:scrgbClr r="0" g="0" b="0"/>
+      </a:fillRef>
+      <a:effectRef idx="0">
+        <a:scrgbClr r="0" g="0" b="0"/>
+      </a:effectRef>
+      <a:fontRef idx="minor"/>
+    </dgm:style>
+  </dgm:styleLbl>
+  <dgm:styleLbl name="fgShp">
+    <dgm:scene3d>
+      <a:camera prst="orthographicFront"/>
+      <a:lightRig rig="threePt" dir="t"/>
+    </dgm:scene3d>
+    <dgm:sp3d/>
+    <dgm:txPr/>
+    <dgm:style>
+      <a:lnRef idx="0">
+        <a:scrgbClr r="0" g="0" b="0"/>
+      </a:lnRef>
+      <a:fillRef idx="3">
+        <a:scrgbClr r="0" g="0" b="0"/>
+      </a:fillRef>
+      <a:effectRef idx="2">
+        <a:scrgbClr r="0" g="0" b="0"/>
+      </a:effectRef>
+      <a:fontRef idx="minor"/>
+    </dgm:style>
+  </dgm:styleLbl>
+  <dgm:styleLbl name="revTx">
+    <dgm:scene3d>
+      <a:camera prst="orthographicFront"/>
+      <a:lightRig rig="threePt" dir="t"/>
+    </dgm:scene3d>
+    <dgm:sp3d/>
+    <dgm:txPr/>
+    <dgm:style>
+      <a:lnRef idx="0">
+        <a:scrgbClr r="0" g="0" b="0"/>
+      </a:lnRef>
+      <a:fillRef idx="0">
+        <a:scrgbClr r="0" g="0" b="0"/>
+      </a:fillRef>
+      <a:effectRef idx="0">
+        <a:scrgbClr r="0" g="0" b="0"/>
+      </a:effectRef>
+      <a:fontRef idx="minor"/>
+    </dgm:style>
+  </dgm:styleLbl>
+</dgm:styleDef>
+</file>
+
 <file path=ppt/handoutMasters/handoutMaster1.xml><?xml version="1.0" encoding="utf-8"?>
 <p:handoutMaster xmlns:a="http://schemas.openxmlformats.org/drawingml/2006/main" xmlns:r="http://schemas.openxmlformats.org/officeDocument/2006/relationships" xmlns:p="http://schemas.openxmlformats.org/presentationml/2006/main">
   <p:cSld>
@@ -5680,7 +9572,7 @@
           <a:p>
             <a:fld id="{23CEAAF3-9831-450B-8D59-2C09DB96C8FC}" type="datetimeFigureOut">
               <a:rPr lang="en-US"/>
-              <a:t>2/5/2022</a:t>
+              <a:t>2/12/2022</a:t>
             </a:fld>
             <a:endParaRPr/>
           </a:p>
@@ -5845,7 +9737,7 @@
           <a:p>
             <a:fld id="{2D50CD79-FC16-4410-AB61-17F26E6D3BC8}" type="datetimeFigureOut">
               <a:rPr lang="en-US"/>
-              <a:t>2/5/2022</a:t>
+              <a:t>2/12/2022</a:t>
             </a:fld>
             <a:endParaRPr/>
           </a:p>
@@ -6487,7 +10379,7 @@
             <a:fld id="{402B9795-92DC-40DC-A1CA-9A4B349D7824}" type="datetimeFigureOut">
               <a:rPr lang="en-US" smtClean="0"/>
               <a:pPr/>
-              <a:t>2/5/2022</a:t>
+              <a:t>2/12/2022</a:t>
             </a:fld>
             <a:endParaRPr lang="en-US" dirty="0"/>
           </a:p>
@@ -6781,7 +10673,7 @@
           <a:p>
             <a:fld id="{402B9795-92DC-40DC-A1CA-9A4B349D7824}" type="datetimeFigureOut">
               <a:rPr lang="en-US"/>
-              <a:t>2/5/2022</a:t>
+              <a:t>2/12/2022</a:t>
             </a:fld>
             <a:endParaRPr/>
           </a:p>
@@ -6963,7 +10855,7 @@
           <a:p>
             <a:fld id="{402B9795-92DC-40DC-A1CA-9A4B349D7824}" type="datetimeFigureOut">
               <a:rPr lang="en-US"/>
-              <a:t>2/5/2022</a:t>
+              <a:t>2/12/2022</a:t>
             </a:fld>
             <a:endParaRPr/>
           </a:p>
@@ -7155,7 +11047,7 @@
           <a:p>
             <a:fld id="{402B9795-92DC-40DC-A1CA-9A4B349D7824}" type="datetimeFigureOut">
               <a:rPr lang="en-US"/>
-              <a:t>2/5/2022</a:t>
+              <a:t>2/12/2022</a:t>
             </a:fld>
             <a:endParaRPr/>
           </a:p>
@@ -7424,7 +11316,7 @@
           <a:p>
             <a:fld id="{402B9795-92DC-40DC-A1CA-9A4B349D7824}" type="datetimeFigureOut">
               <a:rPr lang="en-US"/>
-              <a:t>2/5/2022</a:t>
+              <a:t>2/12/2022</a:t>
             </a:fld>
             <a:endParaRPr/>
           </a:p>
@@ -8453,7 +12345,7 @@
           <a:p>
             <a:fld id="{402B9795-92DC-40DC-A1CA-9A4B349D7824}" type="datetimeFigureOut">
               <a:rPr lang="en-US"/>
-              <a:t>2/5/2022</a:t>
+              <a:t>2/12/2022</a:t>
             </a:fld>
             <a:endParaRPr/>
           </a:p>
@@ -8726,7 +12618,7 @@
           <a:p>
             <a:fld id="{402B9795-92DC-40DC-A1CA-9A4B349D7824}" type="datetimeFigureOut">
               <a:rPr lang="en-US"/>
-              <a:t>2/5/2022</a:t>
+              <a:t>2/12/2022</a:t>
             </a:fld>
             <a:endParaRPr/>
           </a:p>
@@ -9106,7 +12998,7 @@
           <a:p>
             <a:fld id="{402B9795-92DC-40DC-A1CA-9A4B349D7824}" type="datetimeFigureOut">
               <a:rPr lang="en-US"/>
-              <a:t>2/5/2022</a:t>
+              <a:t>2/12/2022</a:t>
             </a:fld>
             <a:endParaRPr/>
           </a:p>
@@ -9236,7 +13128,7 @@
           <a:p>
             <a:fld id="{402B9795-92DC-40DC-A1CA-9A4B349D7824}" type="datetimeFigureOut">
               <a:rPr lang="en-US"/>
-              <a:t>2/5/2022</a:t>
+              <a:t>2/12/2022</a:t>
             </a:fld>
             <a:endParaRPr/>
           </a:p>
@@ -9343,7 +13235,7 @@
           <a:p>
             <a:fld id="{402B9795-92DC-40DC-A1CA-9A4B349D7824}" type="datetimeFigureOut">
               <a:rPr lang="en-US"/>
-              <a:t>2/5/2022</a:t>
+              <a:t>2/12/2022</a:t>
             </a:fld>
             <a:endParaRPr/>
           </a:p>
@@ -9634,7 +13526,7 @@
           <a:p>
             <a:fld id="{402B9795-92DC-40DC-A1CA-9A4B349D7824}" type="datetimeFigureOut">
               <a:rPr lang="en-US"/>
-              <a:t>2/5/2022</a:t>
+              <a:t>2/12/2022</a:t>
             </a:fld>
             <a:endParaRPr/>
           </a:p>
@@ -9860,7 +13752,7 @@
             <a:fld id="{402B9795-92DC-40DC-A1CA-9A4B349D7824}" type="datetimeFigureOut">
               <a:rPr lang="en-US" smtClean="0"/>
               <a:pPr/>
-              <a:t>2/5/2022</a:t>
+              <a:t>2/12/2022</a:t>
             </a:fld>
             <a:endParaRPr lang="en-US"/>
           </a:p>
@@ -10409,34 +14301,14 @@
           </a:xfrm>
         </p:spPr>
         <p:txBody>
-          <a:bodyPr anchor="ctr"/>
+          <a:bodyPr anchor="ctr">
+            <a:normAutofit/>
+          </a:bodyPr>
           <a:lstStyle/>
           <a:p>
             <a:r>
-              <a:rPr lang="en-US" dirty="0"/>
-              <a:t>Title With Picture Layout</a:t>
-            </a:r>
-          </a:p>
-        </p:txBody>
-      </p:sp>
-      <p:sp>
-        <p:nvSpPr>
-          <p:cNvPr id="7" name="Subtitle 6"/>
-          <p:cNvSpPr>
-            <a:spLocks noGrp="1"/>
-          </p:cNvSpPr>
-          <p:nvPr>
-            <p:ph type="subTitle" idx="1"/>
-          </p:nvPr>
-        </p:nvSpPr>
-        <p:spPr/>
-        <p:txBody>
-          <a:bodyPr/>
-          <a:lstStyle/>
-          <a:p>
-            <a:r>
-              <a:rPr lang="en-US" dirty="0"/>
-              <a:t>Subtitle</a:t>
+              <a:rPr lang="en-US" sz="2800" dirty="0"/>
+              <a:t>How Can Machine Learning predict/prevent credit card fraud?</a:t>
             </a:r>
           </a:p>
         </p:txBody>
@@ -10491,7 +14363,7 @@
 </p:sld>
 </file>
 
-<file path=ppt/slides/slide10.xml><?xml version="1.0" encoding="utf-8"?>
+<file path=ppt/slides/slide2.xml><?xml version="1.0" encoding="utf-8"?>
 <p:sld xmlns:a="http://schemas.openxmlformats.org/drawingml/2006/main" xmlns:r="http://schemas.openxmlformats.org/officeDocument/2006/relationships" xmlns:p="http://schemas.openxmlformats.org/presentationml/2006/main">
   <p:cSld>
     <p:spTree>
@@ -10525,15 +14397,218 @@
           <a:p>
             <a:r>
               <a:rPr lang="en-US" dirty="0"/>
-              <a:t>Add a Slide Title - 4</a:t>
+              <a:t>Purpose of the Research</a:t>
             </a:r>
           </a:p>
         </p:txBody>
       </p:sp>
+      <p:sp>
+        <p:nvSpPr>
+          <p:cNvPr id="4" name="Text Placeholder 3"/>
+          <p:cNvSpPr>
+            <a:spLocks noGrp="1"/>
+          </p:cNvSpPr>
+          <p:nvPr>
+            <p:ph type="body" sz="half" idx="2"/>
+          </p:nvPr>
+        </p:nvSpPr>
+        <p:spPr>
+          <a:xfrm>
+            <a:off x="1104899" y="1600200"/>
+            <a:ext cx="4562655" cy="4572000"/>
+          </a:xfrm>
+        </p:spPr>
+        <p:txBody>
+          <a:bodyPr>
+            <a:normAutofit lnSpcReduction="10000"/>
+          </a:bodyPr>
+          <a:lstStyle/>
+          <a:p>
+            <a:pPr marL="360000" indent="-285750">
+              <a:lnSpc>
+                <a:spcPct val="107000"/>
+              </a:lnSpc>
+              <a:spcBef>
+                <a:spcPts val="0"/>
+              </a:spcBef>
+              <a:spcAft>
+                <a:spcPts val="800"/>
+              </a:spcAft>
+              <a:buFont typeface="Arial" panose="020B0604020202020204" pitchFamily="34" charset="0"/>
+              <a:buChar char="•"/>
+            </a:pPr>
+            <a:r>
+              <a:rPr lang="en-IE" sz="1600" dirty="0">
+                <a:solidFill>
+                  <a:srgbClr val="000000"/>
+                </a:solidFill>
+                <a:effectLst/>
+                <a:latin typeface="Calibri" panose="020F0502020204030204" pitchFamily="34" charset="0"/>
+                <a:ea typeface="Calibri" panose="020F0502020204030204" pitchFamily="34" charset="0"/>
+                <a:cs typeface="Calibri" panose="020F0502020204030204" pitchFamily="34" charset="0"/>
+              </a:rPr>
+              <a:t>Europe</a:t>
+            </a:r>
+            <a:r>
+              <a:rPr lang="en-IE" sz="1600" dirty="0">
+                <a:solidFill>
+                  <a:srgbClr val="333333"/>
+                </a:solidFill>
+                <a:effectLst/>
+                <a:latin typeface="Calibri" panose="020F0502020204030204" pitchFamily="34" charset="0"/>
+                <a:ea typeface="Calibri" panose="020F0502020204030204" pitchFamily="34" charset="0"/>
+                <a:cs typeface="Calibri" panose="020F0502020204030204" pitchFamily="34" charset="0"/>
+              </a:rPr>
+              <a:t> saw 17 cards with fraud on every 1,000 cards issued in 2013, and by 2016 this had increased to 47 cards per 1,000, an increase of 176%.</a:t>
+            </a:r>
+          </a:p>
+          <a:p>
+            <a:pPr marL="360000" indent="-285750">
+              <a:lnSpc>
+                <a:spcPct val="107000"/>
+              </a:lnSpc>
+              <a:spcBef>
+                <a:spcPts val="0"/>
+              </a:spcBef>
+              <a:spcAft>
+                <a:spcPts val="800"/>
+              </a:spcAft>
+              <a:buFont typeface="Arial" panose="020B0604020202020204" pitchFamily="34" charset="0"/>
+              <a:buChar char="•"/>
+            </a:pPr>
+            <a:r>
+              <a:rPr lang="en-IE" sz="1600" dirty="0">
+                <a:solidFill>
+                  <a:srgbClr val="333333"/>
+                </a:solidFill>
+                <a:effectLst/>
+                <a:latin typeface="Calibri" panose="020F0502020204030204" pitchFamily="34" charset="0"/>
+                <a:ea typeface="Calibri" panose="020F0502020204030204" pitchFamily="34" charset="0"/>
+                <a:cs typeface="Calibri" panose="020F0502020204030204" pitchFamily="34" charset="0"/>
+              </a:rPr>
+              <a:t>In that year, </a:t>
+            </a:r>
+            <a:r>
+              <a:rPr lang="en-IE" sz="1600" dirty="0">
+                <a:effectLst/>
+                <a:latin typeface="Calibri" panose="020F0502020204030204" pitchFamily="34" charset="0"/>
+                <a:ea typeface="Calibri" panose="020F0502020204030204" pitchFamily="34" charset="0"/>
+                <a:cs typeface="Times New Roman" panose="02020603050405020304" pitchFamily="18" charset="0"/>
+              </a:rPr>
+              <a:t>the total value of fraud for credit cards issues within the SEPA region was €1.8 billion. </a:t>
+            </a:r>
+          </a:p>
+          <a:p>
+            <a:pPr marL="360000" indent="-285750">
+              <a:lnSpc>
+                <a:spcPct val="107000"/>
+              </a:lnSpc>
+              <a:spcBef>
+                <a:spcPts val="0"/>
+              </a:spcBef>
+              <a:spcAft>
+                <a:spcPts val="800"/>
+              </a:spcAft>
+              <a:buFont typeface="Arial" panose="020B0604020202020204" pitchFamily="34" charset="0"/>
+              <a:buChar char="•"/>
+            </a:pPr>
+            <a:r>
+              <a:rPr lang="en-IE" sz="1600" dirty="0">
+                <a:effectLst/>
+                <a:latin typeface="Calibri" panose="020F0502020204030204" pitchFamily="34" charset="0"/>
+                <a:ea typeface="Calibri" panose="020F0502020204030204" pitchFamily="34" charset="0"/>
+                <a:cs typeface="Times New Roman" panose="02020603050405020304" pitchFamily="18" charset="0"/>
+              </a:rPr>
+              <a:t>Many organisations have a significant base of employees devoted to fraud investigation, but the volume of transaction requires an automated response to fraud detection.</a:t>
+            </a:r>
+          </a:p>
+          <a:p>
+            <a:pPr marL="360000" indent="-285750">
+              <a:lnSpc>
+                <a:spcPct val="107000"/>
+              </a:lnSpc>
+              <a:spcBef>
+                <a:spcPts val="0"/>
+              </a:spcBef>
+              <a:spcAft>
+                <a:spcPts val="800"/>
+              </a:spcAft>
+              <a:buFont typeface="Arial" panose="020B0604020202020204" pitchFamily="34" charset="0"/>
+              <a:buChar char="•"/>
+            </a:pPr>
+            <a:r>
+              <a:rPr lang="en-IE" sz="1600" dirty="0">
+                <a:latin typeface="Calibri" panose="020F0502020204030204" pitchFamily="34" charset="0"/>
+                <a:ea typeface="Calibri" panose="020F0502020204030204" pitchFamily="34" charset="0"/>
+                <a:cs typeface="Times New Roman" panose="02020603050405020304" pitchFamily="18" charset="0"/>
+              </a:rPr>
+              <a:t>Financial crime is a constantly evolving threat and there are many academic networks supporting research into more efficient and accurate ML models to detect CC fraud </a:t>
+            </a:r>
+            <a:r>
+              <a:rPr lang="en-IE" sz="1200" i="1" dirty="0">
+                <a:latin typeface="Calibri" panose="020F0502020204030204" pitchFamily="34" charset="0"/>
+                <a:ea typeface="Calibri" panose="020F0502020204030204" pitchFamily="34" charset="0"/>
+                <a:cs typeface="Times New Roman" panose="02020603050405020304" pitchFamily="18" charset="0"/>
+              </a:rPr>
+              <a:t>(Example: www.researchgate.net/project/Fraud-detection-with-machine-learning)</a:t>
+            </a:r>
+            <a:r>
+              <a:rPr lang="en-IE" sz="1600" dirty="0">
+                <a:latin typeface="Calibri" panose="020F0502020204030204" pitchFamily="34" charset="0"/>
+                <a:ea typeface="Calibri" panose="020F0502020204030204" pitchFamily="34" charset="0"/>
+                <a:cs typeface="Times New Roman" panose="02020603050405020304" pitchFamily="18" charset="0"/>
+              </a:rPr>
+              <a:t>.</a:t>
+            </a:r>
+            <a:endParaRPr lang="en-IE" sz="1600" dirty="0">
+              <a:effectLst/>
+              <a:latin typeface="Calibri" panose="020F0502020204030204" pitchFamily="34" charset="0"/>
+              <a:ea typeface="Calibri" panose="020F0502020204030204" pitchFamily="34" charset="0"/>
+              <a:cs typeface="Times New Roman" panose="02020603050405020304" pitchFamily="18" charset="0"/>
+            </a:endParaRPr>
+          </a:p>
+        </p:txBody>
+      </p:sp>
+      <p:pic>
+        <p:nvPicPr>
+          <p:cNvPr id="8" name="Picture Placeholder 7" descr="A person writing on a chalkboard&#10;&#10;Description automatically generated with low confidence">
+            <a:extLst>
+              <a:ext uri="{FF2B5EF4-FFF2-40B4-BE49-F238E27FC236}">
+                <a16:creationId xmlns:a16="http://schemas.microsoft.com/office/drawing/2014/main" id="{2F19A75F-03EC-4260-A954-C2C9CAD5CD0A}"/>
+              </a:ext>
+            </a:extLst>
+          </p:cNvPr>
+          <p:cNvPicPr>
+            <a:picLocks noGrp="1" noChangeAspect="1"/>
+          </p:cNvPicPr>
+          <p:nvPr>
+            <p:ph type="pic" idx="1"/>
+          </p:nvPr>
+        </p:nvPicPr>
+        <p:blipFill>
+          <a:blip r:embed="rId2">
+            <a:extLst>
+              <a:ext uri="{28A0092B-C50C-407E-A947-70E740481C1C}">
+                <a14:useLocalDpi xmlns:a14="http://schemas.microsoft.com/office/drawing/2010/main" val="0"/>
+              </a:ext>
+            </a:extLst>
+          </a:blip>
+          <a:srcRect l="22447" r="22447"/>
+          <a:stretch>
+            <a:fillRect/>
+          </a:stretch>
+        </p:blipFill>
+        <p:spPr>
+          <a:xfrm>
+            <a:off x="5762445" y="1600199"/>
+            <a:ext cx="5323137" cy="4572001"/>
+          </a:xfrm>
+        </p:spPr>
+      </p:pic>
     </p:spTree>
     <p:extLst>
       <p:ext uri="{BB962C8B-B14F-4D97-AF65-F5344CB8AC3E}">
-        <p14:creationId xmlns:p14="http://schemas.microsoft.com/office/powerpoint/2010/main" val="1527004159"/>
+        <p14:creationId xmlns:p14="http://schemas.microsoft.com/office/powerpoint/2010/main" val="1371089268"/>
       </p:ext>
     </p:extLst>
   </p:cSld>
@@ -10555,49 +14630,7 @@
 </p:sld>
 </file>
 
-<file path=ppt/slides/slide11.xml><?xml version="1.0" encoding="utf-8"?>
-<p:sld xmlns:a="http://schemas.openxmlformats.org/drawingml/2006/main" xmlns:r="http://schemas.openxmlformats.org/officeDocument/2006/relationships" xmlns:p="http://schemas.openxmlformats.org/presentationml/2006/main">
-  <p:cSld>
-    <p:spTree>
-      <p:nvGrpSpPr>
-        <p:cNvPr id="1" name=""/>
-        <p:cNvGrpSpPr/>
-        <p:nvPr/>
-      </p:nvGrpSpPr>
-      <p:grpSpPr>
-        <a:xfrm>
-          <a:off x="0" y="0"/>
-          <a:ext cx="0" cy="0"/>
-          <a:chOff x="0" y="0"/>
-          <a:chExt cx="0" cy="0"/>
-        </a:xfrm>
-      </p:grpSpPr>
-    </p:spTree>
-    <p:extLst>
-      <p:ext uri="{BB962C8B-B14F-4D97-AF65-F5344CB8AC3E}">
-        <p14:creationId xmlns:p14="http://schemas.microsoft.com/office/powerpoint/2010/main" val="1800380133"/>
-      </p:ext>
-    </p:extLst>
-  </p:cSld>
-  <p:clrMapOvr>
-    <a:masterClrMapping/>
-  </p:clrMapOvr>
-  <mc:AlternateContent xmlns:mc="http://schemas.openxmlformats.org/markup-compatibility/2006" xmlns:p14="http://schemas.microsoft.com/office/powerpoint/2010/main">
-    <mc:Choice Requires="p14">
-      <p:transition spd="med" p14:dur="700">
-        <p:fade/>
-      </p:transition>
-    </mc:Choice>
-    <mc:Fallback xmlns="">
-      <p:transition spd="med">
-        <p:fade/>
-      </p:transition>
-    </mc:Fallback>
-  </mc:AlternateContent>
-</p:sld>
-</file>
-
-<file path=ppt/slides/slide12.xml><?xml version="1.0" encoding="utf-8"?>
+<file path=ppt/slides/slide3.xml><?xml version="1.0" encoding="utf-8"?>
 <p:sld xmlns:a="http://schemas.openxmlformats.org/drawingml/2006/main" xmlns:r="http://schemas.openxmlformats.org/officeDocument/2006/relationships" xmlns:p="http://schemas.openxmlformats.org/presentationml/2006/main">
   <p:cSld>
     <p:spTree>
@@ -10631,53 +14664,40 @@
           <a:p>
             <a:r>
               <a:rPr lang="en-US" dirty="0"/>
-              <a:t>Add a Slide Title - 5</a:t>
+              <a:t>Research Methodology – Improving CC Fraud Detection</a:t>
             </a:r>
           </a:p>
         </p:txBody>
       </p:sp>
-      <p:sp>
-        <p:nvSpPr>
-          <p:cNvPr id="4" name="Text Placeholder 3"/>
-          <p:cNvSpPr>
-            <a:spLocks noGrp="1"/>
-          </p:cNvSpPr>
-          <p:nvPr>
-            <p:ph type="body" sz="half" idx="2"/>
-          </p:nvPr>
-        </p:nvSpPr>
-        <p:spPr/>
-        <p:txBody>
-          <a:bodyPr/>
-          <a:lstStyle/>
-          <a:p>
-            <a:endParaRPr lang="en-US"/>
-          </a:p>
-        </p:txBody>
-      </p:sp>
-      <p:sp>
-        <p:nvSpPr>
-          <p:cNvPr id="3" name="Content Placeholder 2"/>
-          <p:cNvSpPr>
-            <a:spLocks noGrp="1"/>
-          </p:cNvSpPr>
+      <p:graphicFrame>
+        <p:nvGraphicFramePr>
+          <p:cNvPr id="4" name="Content Placeholder 3" descr="Stacked List showing 4 groups arranged from left to right with task descriptions under each group"/>
+          <p:cNvGraphicFramePr>
+            <a:graphicFrameLocks noGrp="1"/>
+          </p:cNvGraphicFramePr>
           <p:nvPr>
             <p:ph idx="1"/>
+            <p:extLst>
+              <p:ext uri="{D42A27DB-BD31-4B8C-83A1-F6EECF244321}">
+                <p14:modId xmlns:p14="http://schemas.microsoft.com/office/powerpoint/2010/main" val="2635525968"/>
+              </p:ext>
+            </p:extLst>
           </p:nvPr>
-        </p:nvSpPr>
-        <p:spPr/>
-        <p:txBody>
-          <a:bodyPr/>
-          <a:lstStyle/>
-          <a:p>
-            <a:endParaRPr lang="en-US"/>
-          </a:p>
-        </p:txBody>
-      </p:sp>
+        </p:nvGraphicFramePr>
+        <p:xfrm>
+          <a:off x="1104900" y="1414732"/>
+          <a:ext cx="9982200" cy="5253487"/>
+        </p:xfrm>
+        <a:graphic>
+          <a:graphicData uri="http://schemas.openxmlformats.org/drawingml/2006/diagram">
+            <dgm:relIds xmlns:dgm="http://schemas.openxmlformats.org/drawingml/2006/diagram" xmlns:r="http://schemas.openxmlformats.org/officeDocument/2006/relationships" r:dm="rId2" r:lo="rId3" r:qs="rId4" r:cs="rId5"/>
+          </a:graphicData>
+        </a:graphic>
+      </p:graphicFrame>
     </p:spTree>
     <p:extLst>
       <p:ext uri="{BB962C8B-B14F-4D97-AF65-F5344CB8AC3E}">
-        <p14:creationId xmlns:p14="http://schemas.microsoft.com/office/powerpoint/2010/main" val="3197023440"/>
+        <p14:creationId xmlns:p14="http://schemas.microsoft.com/office/powerpoint/2010/main" val="4224509479"/>
       </p:ext>
     </p:extLst>
   </p:cSld>
@@ -10699,7 +14719,96 @@
 </p:sld>
 </file>
 
-<file path=ppt/slides/slide2.xml><?xml version="1.0" encoding="utf-8"?>
+<file path=ppt/slides/slide4.xml><?xml version="1.0" encoding="utf-8"?>
+<p:sld xmlns:a="http://schemas.openxmlformats.org/drawingml/2006/main" xmlns:r="http://schemas.openxmlformats.org/officeDocument/2006/relationships" xmlns:p="http://schemas.openxmlformats.org/presentationml/2006/main">
+  <p:cSld>
+    <p:spTree>
+      <p:nvGrpSpPr>
+        <p:cNvPr id="1" name=""/>
+        <p:cNvGrpSpPr/>
+        <p:nvPr/>
+      </p:nvGrpSpPr>
+      <p:grpSpPr>
+        <a:xfrm>
+          <a:off x="0" y="0"/>
+          <a:ext cx="0" cy="0"/>
+          <a:chOff x="0" y="0"/>
+          <a:chExt cx="0" cy="0"/>
+        </a:xfrm>
+      </p:grpSpPr>
+      <p:sp>
+        <p:nvSpPr>
+          <p:cNvPr id="2" name="Title 1"/>
+          <p:cNvSpPr>
+            <a:spLocks noGrp="1"/>
+          </p:cNvSpPr>
+          <p:nvPr>
+            <p:ph type="title"/>
+          </p:nvPr>
+        </p:nvSpPr>
+        <p:spPr/>
+        <p:txBody>
+          <a:bodyPr/>
+          <a:lstStyle/>
+          <a:p>
+            <a:r>
+              <a:rPr lang="en-US" dirty="0"/>
+              <a:t>Research Methodology - 4</a:t>
+            </a:r>
+          </a:p>
+        </p:txBody>
+      </p:sp>
+      <p:graphicFrame>
+        <p:nvGraphicFramePr>
+          <p:cNvPr id="4" name="Content Placeholder 3" descr="Stacked List showing 4 groups arranged from left to right with task descriptions under each group"/>
+          <p:cNvGraphicFramePr>
+            <a:graphicFrameLocks noGrp="1"/>
+          </p:cNvGraphicFramePr>
+          <p:nvPr>
+            <p:ph idx="1"/>
+            <p:extLst>
+              <p:ext uri="{D42A27DB-BD31-4B8C-83A1-F6EECF244321}">
+                <p14:modId xmlns:p14="http://schemas.microsoft.com/office/powerpoint/2010/main" val="769411346"/>
+              </p:ext>
+            </p:extLst>
+          </p:nvPr>
+        </p:nvGraphicFramePr>
+        <p:xfrm>
+          <a:off x="1104900" y="1600200"/>
+          <a:ext cx="9982200" cy="4572000"/>
+        </p:xfrm>
+        <a:graphic>
+          <a:graphicData uri="http://schemas.openxmlformats.org/drawingml/2006/diagram">
+            <dgm:relIds xmlns:dgm="http://schemas.openxmlformats.org/drawingml/2006/diagram" xmlns:r="http://schemas.openxmlformats.org/officeDocument/2006/relationships" r:dm="rId2" r:lo="rId3" r:qs="rId4" r:cs="rId5"/>
+          </a:graphicData>
+        </a:graphic>
+      </p:graphicFrame>
+    </p:spTree>
+    <p:extLst>
+      <p:ext uri="{BB962C8B-B14F-4D97-AF65-F5344CB8AC3E}">
+        <p14:creationId xmlns:p14="http://schemas.microsoft.com/office/powerpoint/2010/main" val="3386256809"/>
+      </p:ext>
+    </p:extLst>
+  </p:cSld>
+  <p:clrMapOvr>
+    <a:masterClrMapping/>
+  </p:clrMapOvr>
+  <mc:AlternateContent xmlns:mc="http://schemas.openxmlformats.org/markup-compatibility/2006">
+    <mc:Choice xmlns:p14="http://schemas.microsoft.com/office/powerpoint/2010/main" Requires="p14">
+      <p:transition spd="med" p14:dur="700">
+        <p:fade/>
+      </p:transition>
+    </mc:Choice>
+    <mc:Fallback>
+      <p:transition spd="med">
+        <p:fade/>
+      </p:transition>
+    </mc:Fallback>
+  </mc:AlternateContent>
+</p:sld>
+</file>
+
+<file path=ppt/slides/slide5.xml><?xml version="1.0" encoding="utf-8"?>
 <p:sld xmlns:a="http://schemas.openxmlformats.org/drawingml/2006/main" xmlns:r="http://schemas.openxmlformats.org/officeDocument/2006/relationships" xmlns:p="http://schemas.openxmlformats.org/presentationml/2006/main">
   <p:cSld>
     <p:spTree>
@@ -10732,10 +14841,9 @@
           <a:lstStyle/>
           <a:p>
             <a:r>
-              <a:rPr lang="en-US"/>
-              <a:t>Title and Content Layout with List</a:t>
+              <a:rPr lang="en-US" dirty="0"/>
+              <a:t>Research Methodology - 1</a:t>
             </a:r>
-            <a:endParaRPr lang="en-US" dirty="0"/>
           </a:p>
         </p:txBody>
       </p:sp>
@@ -10799,7 +14907,7 @@
 </p:sld>
 </file>
 
-<file path=ppt/slides/slide3.xml><?xml version="1.0" encoding="utf-8"?>
+<file path=ppt/slides/slide6.xml><?xml version="1.0" encoding="utf-8"?>
 <p:sld xmlns:a="http://schemas.openxmlformats.org/drawingml/2006/main" xmlns:r="http://schemas.openxmlformats.org/officeDocument/2006/relationships" xmlns:p="http://schemas.openxmlformats.org/presentationml/2006/main">
   <p:cSld>
     <p:spTree>
@@ -10832,10 +14940,9 @@
           <a:lstStyle/>
           <a:p>
             <a:r>
-              <a:rPr lang="en-US"/>
-              <a:t>Title and Content Layout with Chart</a:t>
+              <a:rPr lang="en-US" dirty="0"/>
+              <a:t>Research Methodology - 2</a:t>
             </a:r>
-            <a:endParaRPr lang="en-US" dirty="0"/>
           </a:p>
         </p:txBody>
       </p:sp>
@@ -10889,7 +14996,7 @@
 </p:sld>
 </file>
 
-<file path=ppt/slides/slide4.xml><?xml version="1.0" encoding="utf-8"?>
+<file path=ppt/slides/slide7.xml><?xml version="1.0" encoding="utf-8"?>
 <p:sld xmlns:a="http://schemas.openxmlformats.org/drawingml/2006/main" xmlns:r="http://schemas.openxmlformats.org/officeDocument/2006/relationships" xmlns:p="http://schemas.openxmlformats.org/presentationml/2006/main">
   <p:cSld>
     <p:spTree>
@@ -10922,8 +15029,8 @@
           <a:lstStyle/>
           <a:p>
             <a:r>
-              <a:rPr lang="en-US"/>
-              <a:t>Two Content Layout with Table</a:t>
+              <a:rPr lang="en-US" dirty="0"/>
+              <a:t>Research Methodology - 3</a:t>
             </a:r>
           </a:p>
         </p:txBody>
@@ -11233,97 +15340,7 @@
 </p:sld>
 </file>
 
-<file path=ppt/slides/slide5.xml><?xml version="1.0" encoding="utf-8"?>
-<p:sld xmlns:a="http://schemas.openxmlformats.org/drawingml/2006/main" xmlns:r="http://schemas.openxmlformats.org/officeDocument/2006/relationships" xmlns:p="http://schemas.openxmlformats.org/presentationml/2006/main">
-  <p:cSld>
-    <p:spTree>
-      <p:nvGrpSpPr>
-        <p:cNvPr id="1" name=""/>
-        <p:cNvGrpSpPr/>
-        <p:nvPr/>
-      </p:nvGrpSpPr>
-      <p:grpSpPr>
-        <a:xfrm>
-          <a:off x="0" y="0"/>
-          <a:ext cx="0" cy="0"/>
-          <a:chOff x="0" y="0"/>
-          <a:chExt cx="0" cy="0"/>
-        </a:xfrm>
-      </p:grpSpPr>
-      <p:sp>
-        <p:nvSpPr>
-          <p:cNvPr id="2" name="Title 1"/>
-          <p:cNvSpPr>
-            <a:spLocks noGrp="1"/>
-          </p:cNvSpPr>
-          <p:nvPr>
-            <p:ph type="title"/>
-          </p:nvPr>
-        </p:nvSpPr>
-        <p:spPr/>
-        <p:txBody>
-          <a:bodyPr/>
-          <a:lstStyle/>
-          <a:p>
-            <a:r>
-              <a:rPr lang="en-US"/>
-              <a:t>Title and Content Layout with SmartArt</a:t>
-            </a:r>
-            <a:endParaRPr lang="en-US" dirty="0"/>
-          </a:p>
-        </p:txBody>
-      </p:sp>
-      <p:graphicFrame>
-        <p:nvGraphicFramePr>
-          <p:cNvPr id="4" name="Content Placeholder 3" descr="Stacked List showing 4 groups arranged from left to right with task descriptions under each group"/>
-          <p:cNvGraphicFramePr>
-            <a:graphicFrameLocks noGrp="1"/>
-          </p:cNvGraphicFramePr>
-          <p:nvPr>
-            <p:ph idx="1"/>
-            <p:extLst>
-              <p:ext uri="{D42A27DB-BD31-4B8C-83A1-F6EECF244321}">
-                <p14:modId xmlns:p14="http://schemas.microsoft.com/office/powerpoint/2010/main" val="1992573085"/>
-              </p:ext>
-            </p:extLst>
-          </p:nvPr>
-        </p:nvGraphicFramePr>
-        <p:xfrm>
-          <a:off x="1104900" y="1600200"/>
-          <a:ext cx="9982200" cy="4572000"/>
-        </p:xfrm>
-        <a:graphic>
-          <a:graphicData uri="http://schemas.openxmlformats.org/drawingml/2006/diagram">
-            <dgm:relIds xmlns:dgm="http://schemas.openxmlformats.org/drawingml/2006/diagram" xmlns:r="http://schemas.openxmlformats.org/officeDocument/2006/relationships" r:dm="rId2" r:lo="rId3" r:qs="rId4" r:cs="rId5"/>
-          </a:graphicData>
-        </a:graphic>
-      </p:graphicFrame>
-    </p:spTree>
-    <p:extLst>
-      <p:ext uri="{BB962C8B-B14F-4D97-AF65-F5344CB8AC3E}">
-        <p14:creationId xmlns:p14="http://schemas.microsoft.com/office/powerpoint/2010/main" val="4224509479"/>
-      </p:ext>
-    </p:extLst>
-  </p:cSld>
-  <p:clrMapOvr>
-    <a:masterClrMapping/>
-  </p:clrMapOvr>
-  <mc:AlternateContent xmlns:mc="http://schemas.openxmlformats.org/markup-compatibility/2006" xmlns:p14="http://schemas.microsoft.com/office/powerpoint/2010/main">
-    <mc:Choice Requires="p14">
-      <p:transition spd="med" p14:dur="700">
-        <p:fade/>
-      </p:transition>
-    </mc:Choice>
-    <mc:Fallback xmlns="">
-      <p:transition spd="med">
-        <p:fade/>
-      </p:transition>
-    </mc:Fallback>
-  </mc:AlternateContent>
-</p:sld>
-</file>
-
-<file path=ppt/slides/slide6.xml><?xml version="1.0" encoding="utf-8"?>
+<file path=ppt/slides/slide8.xml><?xml version="1.0" encoding="utf-8"?>
 <p:sld xmlns:a="http://schemas.openxmlformats.org/drawingml/2006/main" xmlns:r="http://schemas.openxmlformats.org/officeDocument/2006/relationships" xmlns:p="http://schemas.openxmlformats.org/presentationml/2006/main">
   <p:cSld>
     <p:spTree>
@@ -11357,7 +15374,7 @@
           <a:p>
             <a:r>
               <a:rPr lang="en-US" dirty="0"/>
-              <a:t>Picture with Caption Layout</a:t>
+              <a:t>Further Research</a:t>
             </a:r>
           </a:p>
         </p:txBody>
@@ -11434,172 +15451,6 @@
 </p:sld>
 </file>
 
-<file path=ppt/slides/slide7.xml><?xml version="1.0" encoding="utf-8"?>
-<p:sld xmlns:a="http://schemas.openxmlformats.org/drawingml/2006/main" xmlns:r="http://schemas.openxmlformats.org/officeDocument/2006/relationships" xmlns:p="http://schemas.openxmlformats.org/presentationml/2006/main">
-  <p:cSld>
-    <p:spTree>
-      <p:nvGrpSpPr>
-        <p:cNvPr id="1" name=""/>
-        <p:cNvGrpSpPr/>
-        <p:nvPr/>
-      </p:nvGrpSpPr>
-      <p:grpSpPr>
-        <a:xfrm>
-          <a:off x="0" y="0"/>
-          <a:ext cx="0" cy="0"/>
-          <a:chOff x="0" y="0"/>
-          <a:chExt cx="0" cy="0"/>
-        </a:xfrm>
-      </p:grpSpPr>
-      <p:sp>
-        <p:nvSpPr>
-          <p:cNvPr id="2" name="Title 1"/>
-          <p:cNvSpPr>
-            <a:spLocks noGrp="1"/>
-          </p:cNvSpPr>
-          <p:nvPr>
-            <p:ph type="ctrTitle"/>
-          </p:nvPr>
-        </p:nvSpPr>
-        <p:spPr/>
-        <p:txBody>
-          <a:bodyPr/>
-          <a:lstStyle/>
-          <a:p>
-            <a:r>
-              <a:rPr lang="en-US" dirty="0"/>
-              <a:t>Add a Slide Title - 1</a:t>
-            </a:r>
-          </a:p>
-        </p:txBody>
-      </p:sp>
-      <p:sp>
-        <p:nvSpPr>
-          <p:cNvPr id="3" name="Subtitle 2"/>
-          <p:cNvSpPr>
-            <a:spLocks noGrp="1"/>
-          </p:cNvSpPr>
-          <p:nvPr>
-            <p:ph type="subTitle" idx="1"/>
-          </p:nvPr>
-        </p:nvSpPr>
-        <p:spPr/>
-        <p:txBody>
-          <a:bodyPr/>
-          <a:lstStyle/>
-          <a:p>
-            <a:endParaRPr lang="en-US"/>
-          </a:p>
-        </p:txBody>
-      </p:sp>
-    </p:spTree>
-    <p:extLst>
-      <p:ext uri="{BB962C8B-B14F-4D97-AF65-F5344CB8AC3E}">
-        <p14:creationId xmlns:p14="http://schemas.microsoft.com/office/powerpoint/2010/main" val="1315647518"/>
-      </p:ext>
-    </p:extLst>
-  </p:cSld>
-  <p:clrMapOvr>
-    <a:masterClrMapping/>
-  </p:clrMapOvr>
-  <mc:AlternateContent xmlns:mc="http://schemas.openxmlformats.org/markup-compatibility/2006" xmlns:p14="http://schemas.microsoft.com/office/powerpoint/2010/main">
-    <mc:Choice Requires="p14">
-      <p:transition spd="med" p14:dur="700">
-        <p:fade/>
-      </p:transition>
-    </mc:Choice>
-    <mc:Fallback xmlns="">
-      <p:transition spd="med">
-        <p:fade/>
-      </p:transition>
-    </mc:Fallback>
-  </mc:AlternateContent>
-</p:sld>
-</file>
-
-<file path=ppt/slides/slide8.xml><?xml version="1.0" encoding="utf-8"?>
-<p:sld xmlns:a="http://schemas.openxmlformats.org/drawingml/2006/main" xmlns:r="http://schemas.openxmlformats.org/officeDocument/2006/relationships" xmlns:p="http://schemas.openxmlformats.org/presentationml/2006/main">
-  <p:cSld>
-    <p:spTree>
-      <p:nvGrpSpPr>
-        <p:cNvPr id="1" name=""/>
-        <p:cNvGrpSpPr/>
-        <p:nvPr/>
-      </p:nvGrpSpPr>
-      <p:grpSpPr>
-        <a:xfrm>
-          <a:off x="0" y="0"/>
-          <a:ext cx="0" cy="0"/>
-          <a:chOff x="0" y="0"/>
-          <a:chExt cx="0" cy="0"/>
-        </a:xfrm>
-      </p:grpSpPr>
-      <p:sp>
-        <p:nvSpPr>
-          <p:cNvPr id="2" name="Title 1"/>
-          <p:cNvSpPr>
-            <a:spLocks noGrp="1"/>
-          </p:cNvSpPr>
-          <p:nvPr>
-            <p:ph type="title"/>
-          </p:nvPr>
-        </p:nvSpPr>
-        <p:spPr/>
-        <p:txBody>
-          <a:bodyPr/>
-          <a:lstStyle/>
-          <a:p>
-            <a:r>
-              <a:rPr lang="en-US" dirty="0"/>
-              <a:t>Add a Slide Title - 2</a:t>
-            </a:r>
-          </a:p>
-        </p:txBody>
-      </p:sp>
-      <p:sp>
-        <p:nvSpPr>
-          <p:cNvPr id="3" name="Text Placeholder 2"/>
-          <p:cNvSpPr>
-            <a:spLocks noGrp="1"/>
-          </p:cNvSpPr>
-          <p:nvPr>
-            <p:ph type="body" idx="1"/>
-          </p:nvPr>
-        </p:nvSpPr>
-        <p:spPr/>
-        <p:txBody>
-          <a:bodyPr/>
-          <a:lstStyle/>
-          <a:p>
-            <a:endParaRPr lang="en-US"/>
-          </a:p>
-        </p:txBody>
-      </p:sp>
-    </p:spTree>
-    <p:extLst>
-      <p:ext uri="{BB962C8B-B14F-4D97-AF65-F5344CB8AC3E}">
-        <p14:creationId xmlns:p14="http://schemas.microsoft.com/office/powerpoint/2010/main" val="132884364"/>
-      </p:ext>
-    </p:extLst>
-  </p:cSld>
-  <p:clrMapOvr>
-    <a:masterClrMapping/>
-  </p:clrMapOvr>
-  <mc:AlternateContent xmlns:mc="http://schemas.openxmlformats.org/markup-compatibility/2006" xmlns:p14="http://schemas.microsoft.com/office/powerpoint/2010/main">
-    <mc:Choice Requires="p14">
-      <p:transition spd="med" p14:dur="700">
-        <p:fade/>
-      </p:transition>
-    </mc:Choice>
-    <mc:Fallback xmlns="">
-      <p:transition spd="med">
-        <p:fade/>
-      </p:transition>
-    </mc:Fallback>
-  </mc:AlternateContent>
-</p:sld>
-</file>
-
 <file path=ppt/slides/slide9.xml><?xml version="1.0" encoding="utf-8"?>
 <p:sld xmlns:a="http://schemas.openxmlformats.org/drawingml/2006/main" xmlns:r="http://schemas.openxmlformats.org/officeDocument/2006/relationships" xmlns:p="http://schemas.openxmlformats.org/presentationml/2006/main">
   <p:cSld>
@@ -11619,7 +15470,7 @@
       </p:grpSpPr>
       <p:sp>
         <p:nvSpPr>
-          <p:cNvPr id="2" name="Title 1"/>
+          <p:cNvPr id="13" name="Title 12"/>
           <p:cNvSpPr>
             <a:spLocks noGrp="1"/>
           </p:cNvSpPr>
@@ -11634,91 +15485,190 @@
           <a:p>
             <a:r>
               <a:rPr lang="en-US" dirty="0"/>
-              <a:t>Add a Slide Title - 3</a:t>
+              <a:t>References</a:t>
             </a:r>
           </a:p>
         </p:txBody>
       </p:sp>
       <p:sp>
         <p:nvSpPr>
-          <p:cNvPr id="3" name="Text Placeholder 2"/>
+          <p:cNvPr id="14" name="Content Placeholder 13"/>
           <p:cNvSpPr>
             <a:spLocks noGrp="1"/>
           </p:cNvSpPr>
           <p:nvPr>
-            <p:ph type="body" idx="1"/>
+            <p:ph idx="1"/>
           </p:nvPr>
         </p:nvSpPr>
         <p:spPr/>
         <p:txBody>
-          <a:bodyPr/>
+          <a:bodyPr>
+            <a:normAutofit/>
+          </a:bodyPr>
           <a:lstStyle/>
           <a:p>
-            <a:endParaRPr lang="en-US"/>
+            <a:pPr marL="457200">
+              <a:lnSpc>
+                <a:spcPct val="150000"/>
+              </a:lnSpc>
+              <a:spcAft>
+                <a:spcPts val="1680"/>
+              </a:spcAft>
+            </a:pPr>
+            <a:r>
+              <a:rPr lang="en-IE" sz="1200" dirty="0">
+                <a:effectLst/>
+                <a:latin typeface="Calibri" panose="020F0502020204030204" pitchFamily="34" charset="0"/>
+                <a:ea typeface="Calibri" panose="020F0502020204030204" pitchFamily="34" charset="0"/>
+                <a:cs typeface="Calibri" panose="020F0502020204030204" pitchFamily="34" charset="0"/>
+              </a:rPr>
+              <a:t>Bhattacharyya, S., Jha, S., </a:t>
+            </a:r>
+            <a:r>
+              <a:rPr lang="en-IE" sz="1200" dirty="0" err="1">
+                <a:effectLst/>
+                <a:latin typeface="Calibri" panose="020F0502020204030204" pitchFamily="34" charset="0"/>
+                <a:ea typeface="Calibri" panose="020F0502020204030204" pitchFamily="34" charset="0"/>
+                <a:cs typeface="Calibri" panose="020F0502020204030204" pitchFamily="34" charset="0"/>
+              </a:rPr>
+              <a:t>Tharakunnel</a:t>
+            </a:r>
+            <a:r>
+              <a:rPr lang="en-IE" sz="1200" dirty="0">
+                <a:effectLst/>
+                <a:latin typeface="Calibri" panose="020F0502020204030204" pitchFamily="34" charset="0"/>
+                <a:ea typeface="Calibri" panose="020F0502020204030204" pitchFamily="34" charset="0"/>
+                <a:cs typeface="Calibri" panose="020F0502020204030204" pitchFamily="34" charset="0"/>
+              </a:rPr>
+              <a:t>, K. and Westland, J., 2011. Data mining for credit card fraud: A comparative study. </a:t>
+            </a:r>
+            <a:r>
+              <a:rPr lang="en-IE" sz="1200" i="1" dirty="0">
+                <a:effectLst/>
+                <a:latin typeface="Calibri" panose="020F0502020204030204" pitchFamily="34" charset="0"/>
+                <a:ea typeface="Calibri" panose="020F0502020204030204" pitchFamily="34" charset="0"/>
+                <a:cs typeface="Calibri" panose="020F0502020204030204" pitchFamily="34" charset="0"/>
+              </a:rPr>
+              <a:t>Decision Support Systems</a:t>
+            </a:r>
+            <a:r>
+              <a:rPr lang="en-IE" sz="1200" dirty="0">
+                <a:effectLst/>
+                <a:latin typeface="Calibri" panose="020F0502020204030204" pitchFamily="34" charset="0"/>
+                <a:ea typeface="Calibri" panose="020F0502020204030204" pitchFamily="34" charset="0"/>
+                <a:cs typeface="Calibri" panose="020F0502020204030204" pitchFamily="34" charset="0"/>
+              </a:rPr>
+              <a:t>, 50(3), pp.602-613.</a:t>
+            </a:r>
+            <a:endParaRPr lang="en-IE" sz="1200" dirty="0">
+              <a:effectLst/>
+              <a:latin typeface="Calibri" panose="020F0502020204030204" pitchFamily="34" charset="0"/>
+              <a:ea typeface="Calibri" panose="020F0502020204030204" pitchFamily="34" charset="0"/>
+              <a:cs typeface="Times New Roman" panose="02020603050405020304" pitchFamily="18" charset="0"/>
+            </a:endParaRPr>
           </a:p>
-        </p:txBody>
-      </p:sp>
-      <p:sp>
-        <p:nvSpPr>
-          <p:cNvPr id="4" name="Content Placeholder 3"/>
-          <p:cNvSpPr>
-            <a:spLocks noGrp="1"/>
-          </p:cNvSpPr>
-          <p:nvPr>
-            <p:ph sz="half" idx="2"/>
-          </p:nvPr>
-        </p:nvSpPr>
-        <p:spPr/>
-        <p:txBody>
-          <a:bodyPr/>
-          <a:lstStyle/>
           <a:p>
-            <a:endParaRPr lang="en-US"/>
+            <a:pPr marL="457200">
+              <a:lnSpc>
+                <a:spcPct val="150000"/>
+              </a:lnSpc>
+              <a:spcAft>
+                <a:spcPts val="1680"/>
+              </a:spcAft>
+            </a:pPr>
+            <a:r>
+              <a:rPr lang="en-IE" sz="1200" dirty="0">
+                <a:effectLst/>
+                <a:latin typeface="Calibri" panose="020F0502020204030204" pitchFamily="34" charset="0"/>
+                <a:ea typeface="Calibri" panose="020F0502020204030204" pitchFamily="34" charset="0"/>
+                <a:cs typeface="Calibri" panose="020F0502020204030204" pitchFamily="34" charset="0"/>
+              </a:rPr>
+              <a:t>Ceronmani Sharmila, V., R., K., R., S., D., S. and R., H., 2019. Credit Card Fraud Detection Using Anomaly Techniques. </a:t>
+            </a:r>
+            <a:r>
+              <a:rPr lang="en-IE" sz="1200" i="1" dirty="0">
+                <a:effectLst/>
+                <a:latin typeface="Calibri" panose="020F0502020204030204" pitchFamily="34" charset="0"/>
+                <a:ea typeface="Calibri" panose="020F0502020204030204" pitchFamily="34" charset="0"/>
+                <a:cs typeface="Calibri" panose="020F0502020204030204" pitchFamily="34" charset="0"/>
+              </a:rPr>
+              <a:t>2019 1st International Conference on Innovations in Information and Communication Technology (ICIICT)</a:t>
+            </a:r>
+            <a:r>
+              <a:rPr lang="en-IE" sz="1200" dirty="0">
+                <a:effectLst/>
+                <a:latin typeface="Calibri" panose="020F0502020204030204" pitchFamily="34" charset="0"/>
+                <a:ea typeface="Calibri" panose="020F0502020204030204" pitchFamily="34" charset="0"/>
+                <a:cs typeface="Calibri" panose="020F0502020204030204" pitchFamily="34" charset="0"/>
+              </a:rPr>
+              <a:t>, [online] 1(1), pp.1-4. Available at: &lt;https://ieeexplore.ieee.org/document/8741421&gt; [Accessed 11 September 2020].</a:t>
+            </a:r>
           </a:p>
-        </p:txBody>
-      </p:sp>
-      <p:sp>
-        <p:nvSpPr>
-          <p:cNvPr id="5" name="Text Placeholder 4"/>
-          <p:cNvSpPr>
-            <a:spLocks noGrp="1"/>
-          </p:cNvSpPr>
-          <p:nvPr>
-            <p:ph type="body" sz="quarter" idx="3"/>
-          </p:nvPr>
-        </p:nvSpPr>
-        <p:spPr/>
-        <p:txBody>
-          <a:bodyPr/>
-          <a:lstStyle/>
           <a:p>
-            <a:endParaRPr lang="en-US"/>
+            <a:pPr marL="457200">
+              <a:lnSpc>
+                <a:spcPct val="150000"/>
+              </a:lnSpc>
+              <a:spcAft>
+                <a:spcPts val="1680"/>
+              </a:spcAft>
+            </a:pPr>
+            <a:r>
+              <a:rPr lang="en-IE" sz="1200" dirty="0">
+                <a:effectLst/>
+                <a:latin typeface="Calibri" panose="020F0502020204030204" pitchFamily="34" charset="0"/>
+                <a:ea typeface="Calibri" panose="020F0502020204030204" pitchFamily="34" charset="0"/>
+                <a:cs typeface="Calibri" panose="020F0502020204030204" pitchFamily="34" charset="0"/>
+              </a:rPr>
+              <a:t>Lima, R. and Pereira, A., 2017. Feature Selection Approaches to Fraud Detection in e-Payment Systems. </a:t>
+            </a:r>
+            <a:r>
+              <a:rPr lang="en-IE" sz="1200" i="1" dirty="0">
+                <a:effectLst/>
+                <a:latin typeface="Calibri" panose="020F0502020204030204" pitchFamily="34" charset="0"/>
+                <a:ea typeface="Calibri" panose="020F0502020204030204" pitchFamily="34" charset="0"/>
+                <a:cs typeface="Calibri" panose="020F0502020204030204" pitchFamily="34" charset="0"/>
+              </a:rPr>
+              <a:t>Lecture Notes in Business Information Processing</a:t>
+            </a:r>
+            <a:r>
+              <a:rPr lang="en-IE" sz="1200" dirty="0">
+                <a:effectLst/>
+                <a:latin typeface="Calibri" panose="020F0502020204030204" pitchFamily="34" charset="0"/>
+                <a:ea typeface="Calibri" panose="020F0502020204030204" pitchFamily="34" charset="0"/>
+                <a:cs typeface="Calibri" panose="020F0502020204030204" pitchFamily="34" charset="0"/>
+              </a:rPr>
+              <a:t>, [online] pp.111-126. Available at: &lt;https://www.researchgate.net/publication/313731885_Feature_Selection_Approaches_to_Fraud_Detection_in_e-Payment_Systems&gt; [Accessed 11 September 2020].</a:t>
+            </a:r>
+            <a:endParaRPr lang="en-IE" sz="1200" dirty="0">
+              <a:effectLst/>
+              <a:latin typeface="Calibri" panose="020F0502020204030204" pitchFamily="34" charset="0"/>
+              <a:ea typeface="Calibri" panose="020F0502020204030204" pitchFamily="34" charset="0"/>
+              <a:cs typeface="Times New Roman" panose="02020603050405020304" pitchFamily="18" charset="0"/>
+            </a:endParaRPr>
           </a:p>
-        </p:txBody>
-      </p:sp>
-      <p:sp>
-        <p:nvSpPr>
-          <p:cNvPr id="6" name="Content Placeholder 5"/>
-          <p:cNvSpPr>
-            <a:spLocks noGrp="1"/>
-          </p:cNvSpPr>
-          <p:nvPr>
-            <p:ph sz="quarter" idx="4"/>
-          </p:nvPr>
-        </p:nvSpPr>
-        <p:spPr/>
-        <p:txBody>
-          <a:bodyPr/>
-          <a:lstStyle/>
           <a:p>
-            <a:endParaRPr lang="en-US"/>
+            <a:pPr marL="457200">
+              <a:lnSpc>
+                <a:spcPct val="150000"/>
+              </a:lnSpc>
+              <a:spcAft>
+                <a:spcPts val="1680"/>
+              </a:spcAft>
+            </a:pPr>
+            <a:endParaRPr lang="en-IE" sz="1200" dirty="0">
+              <a:effectLst/>
+              <a:latin typeface="Calibri" panose="020F0502020204030204" pitchFamily="34" charset="0"/>
+              <a:ea typeface="Calibri" panose="020F0502020204030204" pitchFamily="34" charset="0"/>
+              <a:cs typeface="Times New Roman" panose="02020603050405020304" pitchFamily="18" charset="0"/>
+            </a:endParaRPr>
           </a:p>
         </p:txBody>
       </p:sp>
     </p:spTree>
     <p:extLst>
       <p:ext uri="{BB962C8B-B14F-4D97-AF65-F5344CB8AC3E}">
-        <p14:creationId xmlns:p14="http://schemas.microsoft.com/office/powerpoint/2010/main" val="2224495804"/>
+        <p14:creationId xmlns:p14="http://schemas.microsoft.com/office/powerpoint/2010/main" val="2972262471"/>
       </p:ext>
     </p:extLst>
   </p:cSld>
@@ -12488,12 +16438,129 @@
 </file>
 
 <file path=customXml/item1.xml><?xml version="1.0" encoding="utf-8"?>
-<?mso-contentType ?>
-<FormTemplates xmlns="http://schemas.microsoft.com/sharepoint/v3/contenttype/forms">
-  <Display>DocumentLibraryForm</Display>
-  <Edit>AssetEditForm</Edit>
-  <New>DocumentLibraryForm</New>
-</FormTemplates>
+<p:properties xmlns:p="http://schemas.microsoft.com/office/2006/metadata/properties" xmlns:xsi="http://www.w3.org/2001/XMLSchema-instance" xmlns:pc="http://schemas.microsoft.com/office/infopath/2007/PartnerControls">
+  <documentManagement>
+    <APDescription xmlns="4873beb7-5857-4685-be1f-d57550cc96cc" xsi:nil="true"/>
+    <AssetExpire xmlns="4873beb7-5857-4685-be1f-d57550cc96cc">2029-01-01T08:00:00+00:00</AssetExpire>
+    <CampaignTagsTaxHTField0 xmlns="4873beb7-5857-4685-be1f-d57550cc96cc">
+      <Terms xmlns="http://schemas.microsoft.com/office/infopath/2007/PartnerControls"/>
+    </CampaignTagsTaxHTField0>
+    <IntlLangReviewDate xmlns="4873beb7-5857-4685-be1f-d57550cc96cc" xsi:nil="true"/>
+    <TPFriendlyName xmlns="4873beb7-5857-4685-be1f-d57550cc96cc" xsi:nil="true"/>
+    <IntlLangReview xmlns="4873beb7-5857-4685-be1f-d57550cc96cc">false</IntlLangReview>
+    <LocLastLocAttemptVersionLookup xmlns="4873beb7-5857-4685-be1f-d57550cc96cc">855024</LocLastLocAttemptVersionLookup>
+    <PolicheckWords xmlns="4873beb7-5857-4685-be1f-d57550cc96cc" xsi:nil="true"/>
+    <SubmitterId xmlns="4873beb7-5857-4685-be1f-d57550cc96cc" xsi:nil="true"/>
+    <AcquiredFrom xmlns="4873beb7-5857-4685-be1f-d57550cc96cc">Internal MS</AcquiredFrom>
+    <EditorialStatus xmlns="4873beb7-5857-4685-be1f-d57550cc96cc">Complete</EditorialStatus>
+    <Markets xmlns="4873beb7-5857-4685-be1f-d57550cc96cc"/>
+    <OriginAsset xmlns="4873beb7-5857-4685-be1f-d57550cc96cc" xsi:nil="true"/>
+    <AssetStart xmlns="4873beb7-5857-4685-be1f-d57550cc96cc">2012-08-31T08:50:00+00:00</AssetStart>
+    <FriendlyTitle xmlns="4873beb7-5857-4685-be1f-d57550cc96cc" xsi:nil="true"/>
+    <MarketSpecific xmlns="4873beb7-5857-4685-be1f-d57550cc96cc">false</MarketSpecific>
+    <TPNamespace xmlns="4873beb7-5857-4685-be1f-d57550cc96cc" xsi:nil="true"/>
+    <PublishStatusLookup xmlns="4873beb7-5857-4685-be1f-d57550cc96cc">
+      <Value>1616423</Value>
+    </PublishStatusLookup>
+    <APAuthor xmlns="4873beb7-5857-4685-be1f-d57550cc96cc">
+      <UserInfo>
+        <DisplayName>REDMOND\kristaa</DisplayName>
+        <AccountId>136</AccountId>
+        <AccountType/>
+      </UserInfo>
+    </APAuthor>
+    <TPCommandLine xmlns="4873beb7-5857-4685-be1f-d57550cc96cc" xsi:nil="true"/>
+    <IntlLangReviewer xmlns="4873beb7-5857-4685-be1f-d57550cc96cc" xsi:nil="true"/>
+    <OpenTemplate xmlns="4873beb7-5857-4685-be1f-d57550cc96cc">true</OpenTemplate>
+    <CSXSubmissionDate xmlns="4873beb7-5857-4685-be1f-d57550cc96cc" xsi:nil="true"/>
+    <TaxCatchAll xmlns="4873beb7-5857-4685-be1f-d57550cc96cc"/>
+    <Manager xmlns="4873beb7-5857-4685-be1f-d57550cc96cc" xsi:nil="true"/>
+    <NumericId xmlns="4873beb7-5857-4685-be1f-d57550cc96cc" xsi:nil="true"/>
+    <ParentAssetId xmlns="4873beb7-5857-4685-be1f-d57550cc96cc" xsi:nil="true"/>
+    <OriginalSourceMarket xmlns="4873beb7-5857-4685-be1f-d57550cc96cc" xsi:nil="true"/>
+    <ApprovalStatus xmlns="4873beb7-5857-4685-be1f-d57550cc96cc">InProgress</ApprovalStatus>
+    <TPComponent xmlns="4873beb7-5857-4685-be1f-d57550cc96cc" xsi:nil="true"/>
+    <EditorialTags xmlns="4873beb7-5857-4685-be1f-d57550cc96cc" xsi:nil="true"/>
+    <TPExecutable xmlns="4873beb7-5857-4685-be1f-d57550cc96cc" xsi:nil="true"/>
+    <TPLaunchHelpLink xmlns="4873beb7-5857-4685-be1f-d57550cc96cc" xsi:nil="true"/>
+    <LocComments xmlns="4873beb7-5857-4685-be1f-d57550cc96cc" xsi:nil="true"/>
+    <LocRecommendedHandoff xmlns="4873beb7-5857-4685-be1f-d57550cc96cc" xsi:nil="true"/>
+    <SourceTitle xmlns="4873beb7-5857-4685-be1f-d57550cc96cc" xsi:nil="true"/>
+    <CSXUpdate xmlns="4873beb7-5857-4685-be1f-d57550cc96cc">false</CSXUpdate>
+    <IntlLocPriority xmlns="4873beb7-5857-4685-be1f-d57550cc96cc" xsi:nil="true"/>
+    <UAProjectedTotalWords xmlns="4873beb7-5857-4685-be1f-d57550cc96cc" xsi:nil="true"/>
+    <AssetType xmlns="4873beb7-5857-4685-be1f-d57550cc96cc">TP</AssetType>
+    <MachineTranslated xmlns="4873beb7-5857-4685-be1f-d57550cc96cc">false</MachineTranslated>
+    <OutputCachingOn xmlns="4873beb7-5857-4685-be1f-d57550cc96cc">false</OutputCachingOn>
+    <TemplateStatus xmlns="4873beb7-5857-4685-be1f-d57550cc96cc">Complete</TemplateStatus>
+    <IsSearchable xmlns="4873beb7-5857-4685-be1f-d57550cc96cc">true</IsSearchable>
+    <ContentItem xmlns="4873beb7-5857-4685-be1f-d57550cc96cc" xsi:nil="true"/>
+    <HandoffToMSDN xmlns="4873beb7-5857-4685-be1f-d57550cc96cc" xsi:nil="true"/>
+    <ShowIn xmlns="4873beb7-5857-4685-be1f-d57550cc96cc">Show everywhere</ShowIn>
+    <ThumbnailAssetId xmlns="4873beb7-5857-4685-be1f-d57550cc96cc" xsi:nil="true"/>
+    <UALocComments xmlns="4873beb7-5857-4685-be1f-d57550cc96cc" xsi:nil="true"/>
+    <UALocRecommendation xmlns="4873beb7-5857-4685-be1f-d57550cc96cc">Localize</UALocRecommendation>
+    <LastModifiedDateTime xmlns="4873beb7-5857-4685-be1f-d57550cc96cc" xsi:nil="true"/>
+    <LegacyData xmlns="4873beb7-5857-4685-be1f-d57550cc96cc" xsi:nil="true"/>
+    <LocManualTestRequired xmlns="4873beb7-5857-4685-be1f-d57550cc96cc">false</LocManualTestRequired>
+    <LocMarketGroupTiers2 xmlns="4873beb7-5857-4685-be1f-d57550cc96cc" xsi:nil="true"/>
+    <ClipArtFilename xmlns="4873beb7-5857-4685-be1f-d57550cc96cc" xsi:nil="true"/>
+    <TPApplication xmlns="4873beb7-5857-4685-be1f-d57550cc96cc" xsi:nil="true"/>
+    <CSXHash xmlns="4873beb7-5857-4685-be1f-d57550cc96cc" xsi:nil="true"/>
+    <DirectSourceMarket xmlns="4873beb7-5857-4685-be1f-d57550cc96cc" xsi:nil="true"/>
+    <PrimaryImageGen xmlns="4873beb7-5857-4685-be1f-d57550cc96cc">true</PrimaryImageGen>
+    <PlannedPubDate xmlns="4873beb7-5857-4685-be1f-d57550cc96cc" xsi:nil="true"/>
+    <CSXSubmissionMarket xmlns="4873beb7-5857-4685-be1f-d57550cc96cc" xsi:nil="true"/>
+    <Downloads xmlns="4873beb7-5857-4685-be1f-d57550cc96cc">0</Downloads>
+    <ArtSampleDocs xmlns="4873beb7-5857-4685-be1f-d57550cc96cc" xsi:nil="true"/>
+    <TrustLevel xmlns="4873beb7-5857-4685-be1f-d57550cc96cc">1 Microsoft Managed Content</TrustLevel>
+    <BlockPublish xmlns="4873beb7-5857-4685-be1f-d57550cc96cc">false</BlockPublish>
+    <TPLaunchHelpLinkType xmlns="4873beb7-5857-4685-be1f-d57550cc96cc">Template</TPLaunchHelpLinkType>
+    <LocalizationTagsTaxHTField0 xmlns="4873beb7-5857-4685-be1f-d57550cc96cc">
+      <Terms xmlns="http://schemas.microsoft.com/office/infopath/2007/PartnerControls"/>
+    </LocalizationTagsTaxHTField0>
+    <BusinessGroup xmlns="4873beb7-5857-4685-be1f-d57550cc96cc" xsi:nil="true"/>
+    <Providers xmlns="4873beb7-5857-4685-be1f-d57550cc96cc" xsi:nil="true"/>
+    <TemplateTemplateType xmlns="4873beb7-5857-4685-be1f-d57550cc96cc">PowerPoint Presentation Template</TemplateTemplateType>
+    <TimesCloned xmlns="4873beb7-5857-4685-be1f-d57550cc96cc" xsi:nil="true"/>
+    <TPAppVersion xmlns="4873beb7-5857-4685-be1f-d57550cc96cc" xsi:nil="true"/>
+    <VoteCount xmlns="4873beb7-5857-4685-be1f-d57550cc96cc" xsi:nil="true"/>
+    <AverageRating xmlns="4873beb7-5857-4685-be1f-d57550cc96cc" xsi:nil="true"/>
+    <FeatureTagsTaxHTField0 xmlns="4873beb7-5857-4685-be1f-d57550cc96cc">
+      <Terms xmlns="http://schemas.microsoft.com/office/infopath/2007/PartnerControls"/>
+    </FeatureTagsTaxHTField0>
+    <Provider xmlns="4873beb7-5857-4685-be1f-d57550cc96cc" xsi:nil="true"/>
+    <UACurrentWords xmlns="4873beb7-5857-4685-be1f-d57550cc96cc" xsi:nil="true"/>
+    <AssetId xmlns="4873beb7-5857-4685-be1f-d57550cc96cc">TP103431361</AssetId>
+    <TPClientViewer xmlns="4873beb7-5857-4685-be1f-d57550cc96cc" xsi:nil="true"/>
+    <DSATActionTaken xmlns="4873beb7-5857-4685-be1f-d57550cc96cc" xsi:nil="true"/>
+    <APEditor xmlns="4873beb7-5857-4685-be1f-d57550cc96cc">
+      <UserInfo>
+        <DisplayName/>
+        <AccountId xsi:nil="true"/>
+        <AccountType/>
+      </UserInfo>
+    </APEditor>
+    <TPInstallLocation xmlns="4873beb7-5857-4685-be1f-d57550cc96cc" xsi:nil="true"/>
+    <OOCacheId xmlns="4873beb7-5857-4685-be1f-d57550cc96cc" xsi:nil="true"/>
+    <IsDeleted xmlns="4873beb7-5857-4685-be1f-d57550cc96cc">false</IsDeleted>
+    <PublishTargets xmlns="4873beb7-5857-4685-be1f-d57550cc96cc">OfficeOnlineVNext</PublishTargets>
+    <ApprovalLog xmlns="4873beb7-5857-4685-be1f-d57550cc96cc" xsi:nil="true"/>
+    <BugNumber xmlns="4873beb7-5857-4685-be1f-d57550cc96cc" xsi:nil="true"/>
+    <CrawlForDependencies xmlns="4873beb7-5857-4685-be1f-d57550cc96cc">false</CrawlForDependencies>
+    <InternalTagsTaxHTField0 xmlns="4873beb7-5857-4685-be1f-d57550cc96cc">
+      <Terms xmlns="http://schemas.microsoft.com/office/infopath/2007/PartnerControls"/>
+    </InternalTagsTaxHTField0>
+    <LastHandOff xmlns="4873beb7-5857-4685-be1f-d57550cc96cc" xsi:nil="true"/>
+    <Milestone xmlns="4873beb7-5857-4685-be1f-d57550cc96cc" xsi:nil="true"/>
+    <OriginalRelease xmlns="4873beb7-5857-4685-be1f-d57550cc96cc">15</OriginalRelease>
+    <RecommendationsModifier xmlns="4873beb7-5857-4685-be1f-d57550cc96cc" xsi:nil="true"/>
+    <ScenarioTagsTaxHTField0 xmlns="4873beb7-5857-4685-be1f-d57550cc96cc">
+      <Terms xmlns="http://schemas.microsoft.com/office/infopath/2007/PartnerControls"/>
+    </ScenarioTagsTaxHTField0>
+    <UANotes xmlns="4873beb7-5857-4685-be1f-d57550cc96cc" xsi:nil="true"/>
+  </documentManagement>
+</p:properties>
 </file>
 
 <file path=customXml/item2.xml><?xml version="1.0" encoding="utf-8"?>
@@ -13537,135 +17604,26 @@
 </file>
 
 <file path=customXml/item3.xml><?xml version="1.0" encoding="utf-8"?>
-<p:properties xmlns:p="http://schemas.microsoft.com/office/2006/metadata/properties" xmlns:xsi="http://www.w3.org/2001/XMLSchema-instance" xmlns:pc="http://schemas.microsoft.com/office/infopath/2007/PartnerControls">
-  <documentManagement>
-    <APDescription xmlns="4873beb7-5857-4685-be1f-d57550cc96cc" xsi:nil="true"/>
-    <AssetExpire xmlns="4873beb7-5857-4685-be1f-d57550cc96cc">2029-01-01T08:00:00+00:00</AssetExpire>
-    <CampaignTagsTaxHTField0 xmlns="4873beb7-5857-4685-be1f-d57550cc96cc">
-      <Terms xmlns="http://schemas.microsoft.com/office/infopath/2007/PartnerControls"/>
-    </CampaignTagsTaxHTField0>
-    <IntlLangReviewDate xmlns="4873beb7-5857-4685-be1f-d57550cc96cc" xsi:nil="true"/>
-    <TPFriendlyName xmlns="4873beb7-5857-4685-be1f-d57550cc96cc" xsi:nil="true"/>
-    <IntlLangReview xmlns="4873beb7-5857-4685-be1f-d57550cc96cc">false</IntlLangReview>
-    <LocLastLocAttemptVersionLookup xmlns="4873beb7-5857-4685-be1f-d57550cc96cc">855024</LocLastLocAttemptVersionLookup>
-    <PolicheckWords xmlns="4873beb7-5857-4685-be1f-d57550cc96cc" xsi:nil="true"/>
-    <SubmitterId xmlns="4873beb7-5857-4685-be1f-d57550cc96cc" xsi:nil="true"/>
-    <AcquiredFrom xmlns="4873beb7-5857-4685-be1f-d57550cc96cc">Internal MS</AcquiredFrom>
-    <EditorialStatus xmlns="4873beb7-5857-4685-be1f-d57550cc96cc">Complete</EditorialStatus>
-    <Markets xmlns="4873beb7-5857-4685-be1f-d57550cc96cc"/>
-    <OriginAsset xmlns="4873beb7-5857-4685-be1f-d57550cc96cc" xsi:nil="true"/>
-    <AssetStart xmlns="4873beb7-5857-4685-be1f-d57550cc96cc">2012-08-31T08:50:00+00:00</AssetStart>
-    <FriendlyTitle xmlns="4873beb7-5857-4685-be1f-d57550cc96cc" xsi:nil="true"/>
-    <MarketSpecific xmlns="4873beb7-5857-4685-be1f-d57550cc96cc">false</MarketSpecific>
-    <TPNamespace xmlns="4873beb7-5857-4685-be1f-d57550cc96cc" xsi:nil="true"/>
-    <PublishStatusLookup xmlns="4873beb7-5857-4685-be1f-d57550cc96cc">
-      <Value>1616423</Value>
-    </PublishStatusLookup>
-    <APAuthor xmlns="4873beb7-5857-4685-be1f-d57550cc96cc">
-      <UserInfo>
-        <DisplayName>REDMOND\kristaa</DisplayName>
-        <AccountId>136</AccountId>
-        <AccountType/>
-      </UserInfo>
-    </APAuthor>
-    <TPCommandLine xmlns="4873beb7-5857-4685-be1f-d57550cc96cc" xsi:nil="true"/>
-    <IntlLangReviewer xmlns="4873beb7-5857-4685-be1f-d57550cc96cc" xsi:nil="true"/>
-    <OpenTemplate xmlns="4873beb7-5857-4685-be1f-d57550cc96cc">true</OpenTemplate>
-    <CSXSubmissionDate xmlns="4873beb7-5857-4685-be1f-d57550cc96cc" xsi:nil="true"/>
-    <TaxCatchAll xmlns="4873beb7-5857-4685-be1f-d57550cc96cc"/>
-    <Manager xmlns="4873beb7-5857-4685-be1f-d57550cc96cc" xsi:nil="true"/>
-    <NumericId xmlns="4873beb7-5857-4685-be1f-d57550cc96cc" xsi:nil="true"/>
-    <ParentAssetId xmlns="4873beb7-5857-4685-be1f-d57550cc96cc" xsi:nil="true"/>
-    <OriginalSourceMarket xmlns="4873beb7-5857-4685-be1f-d57550cc96cc" xsi:nil="true"/>
-    <ApprovalStatus xmlns="4873beb7-5857-4685-be1f-d57550cc96cc">InProgress</ApprovalStatus>
-    <TPComponent xmlns="4873beb7-5857-4685-be1f-d57550cc96cc" xsi:nil="true"/>
-    <EditorialTags xmlns="4873beb7-5857-4685-be1f-d57550cc96cc" xsi:nil="true"/>
-    <TPExecutable xmlns="4873beb7-5857-4685-be1f-d57550cc96cc" xsi:nil="true"/>
-    <TPLaunchHelpLink xmlns="4873beb7-5857-4685-be1f-d57550cc96cc" xsi:nil="true"/>
-    <LocComments xmlns="4873beb7-5857-4685-be1f-d57550cc96cc" xsi:nil="true"/>
-    <LocRecommendedHandoff xmlns="4873beb7-5857-4685-be1f-d57550cc96cc" xsi:nil="true"/>
-    <SourceTitle xmlns="4873beb7-5857-4685-be1f-d57550cc96cc" xsi:nil="true"/>
-    <CSXUpdate xmlns="4873beb7-5857-4685-be1f-d57550cc96cc">false</CSXUpdate>
-    <IntlLocPriority xmlns="4873beb7-5857-4685-be1f-d57550cc96cc" xsi:nil="true"/>
-    <UAProjectedTotalWords xmlns="4873beb7-5857-4685-be1f-d57550cc96cc" xsi:nil="true"/>
-    <AssetType xmlns="4873beb7-5857-4685-be1f-d57550cc96cc">TP</AssetType>
-    <MachineTranslated xmlns="4873beb7-5857-4685-be1f-d57550cc96cc">false</MachineTranslated>
-    <OutputCachingOn xmlns="4873beb7-5857-4685-be1f-d57550cc96cc">false</OutputCachingOn>
-    <TemplateStatus xmlns="4873beb7-5857-4685-be1f-d57550cc96cc">Complete</TemplateStatus>
-    <IsSearchable xmlns="4873beb7-5857-4685-be1f-d57550cc96cc">true</IsSearchable>
-    <ContentItem xmlns="4873beb7-5857-4685-be1f-d57550cc96cc" xsi:nil="true"/>
-    <HandoffToMSDN xmlns="4873beb7-5857-4685-be1f-d57550cc96cc" xsi:nil="true"/>
-    <ShowIn xmlns="4873beb7-5857-4685-be1f-d57550cc96cc">Show everywhere</ShowIn>
-    <ThumbnailAssetId xmlns="4873beb7-5857-4685-be1f-d57550cc96cc" xsi:nil="true"/>
-    <UALocComments xmlns="4873beb7-5857-4685-be1f-d57550cc96cc" xsi:nil="true"/>
-    <UALocRecommendation xmlns="4873beb7-5857-4685-be1f-d57550cc96cc">Localize</UALocRecommendation>
-    <LastModifiedDateTime xmlns="4873beb7-5857-4685-be1f-d57550cc96cc" xsi:nil="true"/>
-    <LegacyData xmlns="4873beb7-5857-4685-be1f-d57550cc96cc" xsi:nil="true"/>
-    <LocManualTestRequired xmlns="4873beb7-5857-4685-be1f-d57550cc96cc">false</LocManualTestRequired>
-    <LocMarketGroupTiers2 xmlns="4873beb7-5857-4685-be1f-d57550cc96cc" xsi:nil="true"/>
-    <ClipArtFilename xmlns="4873beb7-5857-4685-be1f-d57550cc96cc" xsi:nil="true"/>
-    <TPApplication xmlns="4873beb7-5857-4685-be1f-d57550cc96cc" xsi:nil="true"/>
-    <CSXHash xmlns="4873beb7-5857-4685-be1f-d57550cc96cc" xsi:nil="true"/>
-    <DirectSourceMarket xmlns="4873beb7-5857-4685-be1f-d57550cc96cc" xsi:nil="true"/>
-    <PrimaryImageGen xmlns="4873beb7-5857-4685-be1f-d57550cc96cc">true</PrimaryImageGen>
-    <PlannedPubDate xmlns="4873beb7-5857-4685-be1f-d57550cc96cc" xsi:nil="true"/>
-    <CSXSubmissionMarket xmlns="4873beb7-5857-4685-be1f-d57550cc96cc" xsi:nil="true"/>
-    <Downloads xmlns="4873beb7-5857-4685-be1f-d57550cc96cc">0</Downloads>
-    <ArtSampleDocs xmlns="4873beb7-5857-4685-be1f-d57550cc96cc" xsi:nil="true"/>
-    <TrustLevel xmlns="4873beb7-5857-4685-be1f-d57550cc96cc">1 Microsoft Managed Content</TrustLevel>
-    <BlockPublish xmlns="4873beb7-5857-4685-be1f-d57550cc96cc">false</BlockPublish>
-    <TPLaunchHelpLinkType xmlns="4873beb7-5857-4685-be1f-d57550cc96cc">Template</TPLaunchHelpLinkType>
-    <LocalizationTagsTaxHTField0 xmlns="4873beb7-5857-4685-be1f-d57550cc96cc">
-      <Terms xmlns="http://schemas.microsoft.com/office/infopath/2007/PartnerControls"/>
-    </LocalizationTagsTaxHTField0>
-    <BusinessGroup xmlns="4873beb7-5857-4685-be1f-d57550cc96cc" xsi:nil="true"/>
-    <Providers xmlns="4873beb7-5857-4685-be1f-d57550cc96cc" xsi:nil="true"/>
-    <TemplateTemplateType xmlns="4873beb7-5857-4685-be1f-d57550cc96cc">PowerPoint Presentation Template</TemplateTemplateType>
-    <TimesCloned xmlns="4873beb7-5857-4685-be1f-d57550cc96cc" xsi:nil="true"/>
-    <TPAppVersion xmlns="4873beb7-5857-4685-be1f-d57550cc96cc" xsi:nil="true"/>
-    <VoteCount xmlns="4873beb7-5857-4685-be1f-d57550cc96cc" xsi:nil="true"/>
-    <AverageRating xmlns="4873beb7-5857-4685-be1f-d57550cc96cc" xsi:nil="true"/>
-    <FeatureTagsTaxHTField0 xmlns="4873beb7-5857-4685-be1f-d57550cc96cc">
-      <Terms xmlns="http://schemas.microsoft.com/office/infopath/2007/PartnerControls"/>
-    </FeatureTagsTaxHTField0>
-    <Provider xmlns="4873beb7-5857-4685-be1f-d57550cc96cc" xsi:nil="true"/>
-    <UACurrentWords xmlns="4873beb7-5857-4685-be1f-d57550cc96cc" xsi:nil="true"/>
-    <AssetId xmlns="4873beb7-5857-4685-be1f-d57550cc96cc">TP103431361</AssetId>
-    <TPClientViewer xmlns="4873beb7-5857-4685-be1f-d57550cc96cc" xsi:nil="true"/>
-    <DSATActionTaken xmlns="4873beb7-5857-4685-be1f-d57550cc96cc" xsi:nil="true"/>
-    <APEditor xmlns="4873beb7-5857-4685-be1f-d57550cc96cc">
-      <UserInfo>
-        <DisplayName/>
-        <AccountId xsi:nil="true"/>
-        <AccountType/>
-      </UserInfo>
-    </APEditor>
-    <TPInstallLocation xmlns="4873beb7-5857-4685-be1f-d57550cc96cc" xsi:nil="true"/>
-    <OOCacheId xmlns="4873beb7-5857-4685-be1f-d57550cc96cc" xsi:nil="true"/>
-    <IsDeleted xmlns="4873beb7-5857-4685-be1f-d57550cc96cc">false</IsDeleted>
-    <PublishTargets xmlns="4873beb7-5857-4685-be1f-d57550cc96cc">OfficeOnlineVNext</PublishTargets>
-    <ApprovalLog xmlns="4873beb7-5857-4685-be1f-d57550cc96cc" xsi:nil="true"/>
-    <BugNumber xmlns="4873beb7-5857-4685-be1f-d57550cc96cc" xsi:nil="true"/>
-    <CrawlForDependencies xmlns="4873beb7-5857-4685-be1f-d57550cc96cc">false</CrawlForDependencies>
-    <InternalTagsTaxHTField0 xmlns="4873beb7-5857-4685-be1f-d57550cc96cc">
-      <Terms xmlns="http://schemas.microsoft.com/office/infopath/2007/PartnerControls"/>
-    </InternalTagsTaxHTField0>
-    <LastHandOff xmlns="4873beb7-5857-4685-be1f-d57550cc96cc" xsi:nil="true"/>
-    <Milestone xmlns="4873beb7-5857-4685-be1f-d57550cc96cc" xsi:nil="true"/>
-    <OriginalRelease xmlns="4873beb7-5857-4685-be1f-d57550cc96cc">15</OriginalRelease>
-    <RecommendationsModifier xmlns="4873beb7-5857-4685-be1f-d57550cc96cc" xsi:nil="true"/>
-    <ScenarioTagsTaxHTField0 xmlns="4873beb7-5857-4685-be1f-d57550cc96cc">
-      <Terms xmlns="http://schemas.microsoft.com/office/infopath/2007/PartnerControls"/>
-    </ScenarioTagsTaxHTField0>
-    <UANotes xmlns="4873beb7-5857-4685-be1f-d57550cc96cc" xsi:nil="true"/>
-  </documentManagement>
-</p:properties>
+<?mso-contentType ?>
+<FormTemplates xmlns="http://schemas.microsoft.com/sharepoint/v3/contenttype/forms">
+  <Display>DocumentLibraryForm</Display>
+  <Edit>AssetEditForm</Edit>
+  <New>DocumentLibraryForm</New>
+</FormTemplates>
 </file>
 
 <file path=customXml/itemProps1.xml><?xml version="1.0" encoding="utf-8"?>
-<ds:datastoreItem xmlns:ds="http://schemas.openxmlformats.org/officeDocument/2006/customXml" ds:itemID="{561E720F-F05D-4536-9C34-0CFCED65D3B7}">
+<ds:datastoreItem xmlns:ds="http://schemas.openxmlformats.org/officeDocument/2006/customXml" ds:itemID="{8CDDBB83-77C1-4099-A0AA-289882E745E2}">
   <ds:schemaRefs>
-    <ds:schemaRef ds:uri="http://schemas.microsoft.com/sharepoint/v3/contenttype/forms"/>
+    <ds:schemaRef ds:uri="http://purl.org/dc/elements/1.1/"/>
+    <ds:schemaRef ds:uri="http://schemas.microsoft.com/office/2006/metadata/properties"/>
+    <ds:schemaRef ds:uri="4873beb7-5857-4685-be1f-d57550cc96cc"/>
+    <ds:schemaRef ds:uri="http://schemas.openxmlformats.org/package/2006/metadata/core-properties"/>
+    <ds:schemaRef ds:uri="http://purl.org/dc/terms/"/>
+    <ds:schemaRef ds:uri="http://schemas.microsoft.com/office/2006/documentManagement/types"/>
+    <ds:schemaRef ds:uri="http://schemas.microsoft.com/office/infopath/2007/PartnerControls"/>
+    <ds:schemaRef ds:uri="http://www.w3.org/XML/1998/namespace"/>
+    <ds:schemaRef ds:uri="http://purl.org/dc/dcmitype/"/>
   </ds:schemaRefs>
 </ds:datastoreItem>
 </file>
@@ -13689,17 +17647,9 @@
 </file>
 
 <file path=customXml/itemProps3.xml><?xml version="1.0" encoding="utf-8"?>
-<ds:datastoreItem xmlns:ds="http://schemas.openxmlformats.org/officeDocument/2006/customXml" ds:itemID="{8CDDBB83-77C1-4099-A0AA-289882E745E2}">
+<ds:datastoreItem xmlns:ds="http://schemas.openxmlformats.org/officeDocument/2006/customXml" ds:itemID="{561E720F-F05D-4536-9C34-0CFCED65D3B7}">
   <ds:schemaRefs>
-    <ds:schemaRef ds:uri="http://purl.org/dc/elements/1.1/"/>
-    <ds:schemaRef ds:uri="http://schemas.microsoft.com/office/2006/metadata/properties"/>
-    <ds:schemaRef ds:uri="4873beb7-5857-4685-be1f-d57550cc96cc"/>
-    <ds:schemaRef ds:uri="http://schemas.openxmlformats.org/package/2006/metadata/core-properties"/>
-    <ds:schemaRef ds:uri="http://purl.org/dc/terms/"/>
-    <ds:schemaRef ds:uri="http://schemas.microsoft.com/office/2006/documentManagement/types"/>
-    <ds:schemaRef ds:uri="http://schemas.microsoft.com/office/infopath/2007/PartnerControls"/>
-    <ds:schemaRef ds:uri="http://www.w3.org/XML/1998/namespace"/>
-    <ds:schemaRef ds:uri="http://purl.org/dc/dcmitype/"/>
+    <ds:schemaRef ds:uri="http://schemas.microsoft.com/sharepoint/v3/contenttype/forms"/>
   </ds:schemaRefs>
 </ds:datastoreItem>
 </file>